--- a/Research Symposium presentation.pptx
+++ b/Research Symposium presentation.pptx
@@ -3525,7 +3525,7 @@
                 <a:latin typeface="Times New Roman" panose="02020603050405020304" pitchFamily="18" charset="0"/>
                 <a:ea typeface="Times New Roman" panose="02020603050405020304" pitchFamily="18" charset="0"/>
               </a:rPr>
-              <a:t>The first-year seminar is fundamental coursework at Dickinson College where every incoming first-year student is required to take a seminar course. In the summer before the students arrive at Dickinson, they select six seminar choices from available options. Dr. Richard Forrester aimed to assign the students to their selected seminar choices targeting to balance the gender and student-type ratio in each seminar course. Therefore, he created multi-objective functions that aimed to reduce discrepancies between male and female students, domestic and international students in a classroom, and assigned them to one of their selected six courses.</a:t>
+              <a:t>First-Year Seminar is fundamental coursework at Dickinson College where every incoming first-year student is required to take a seminar course. In the summer before the students arrive at Dickinson, they select six seminar choices from available options. Dr. Richard Forrester aimed to assign the students to their selected seminar choices targeting to balance the gender and student-type ratio in each seminar course. Therefore, he created multi-objective functions that aimed to reduce discrepancies between male and female students, domestic and international students in a classroom, and assigned them to one of their selected six courses.</a:t>
             </a:r>
             <a:endParaRPr lang="en-US" sz="3200" dirty="0">
               <a:effectLst/>
@@ -3545,24 +3545,20 @@
           </a:p>
           <a:p>
             <a:r>
-              <a:rPr lang="en-US" sz="3200" b="0" i="0" dirty="0">
+              <a:rPr lang="en-US" sz="3200" dirty="0">
                 <a:solidFill>
-                  <a:schemeClr val="tx1"/>
+                  <a:srgbClr val="222222"/>
                 </a:solidFill>
                 <a:effectLst/>
                 <a:latin typeface="Times New Roman" panose="02020603050405020304" pitchFamily="18" charset="0"/>
-                <a:cs typeface="Times New Roman" panose="02020603050405020304" pitchFamily="18" charset="0"/>
+                <a:ea typeface="Times New Roman" panose="02020603050405020304" pitchFamily="18" charset="0"/>
               </a:rPr>
               <a:t>This study aims to enhance the performance of the first-year seminar assignment program at Dickinson College. We generated multiple versions of the program with enhanced features and new techniques, aiming to accomplish the desired balance of gender and student-type ratios. These primarily include linearizing convex quadratic objective functions to improve program runtime efficiency.</a:t>
             </a:r>
             <a:endParaRPr lang="en-US" sz="3200" dirty="0">
-              <a:solidFill>
-                <a:schemeClr val="tx1"/>
-              </a:solidFill>
               <a:effectLst/>
-              <a:latin typeface="Times New Roman" panose="02020603050405020304" pitchFamily="18" charset="0"/>
+              <a:latin typeface="Calibri" panose="020F0502020204030204" pitchFamily="34" charset="0"/>
               <a:ea typeface="Malgun Gothic" panose="020B0503020000020004" pitchFamily="34" charset="-127"/>
-              <a:cs typeface="Times New Roman" panose="02020603050405020304" pitchFamily="18" charset="0"/>
             </a:endParaRPr>
           </a:p>
           <a:p>
@@ -4127,10 +4123,10 @@
       </p:sp>
       <p:sp>
         <p:nvSpPr>
-          <p:cNvPr id="21" name="Rectangle: Rounded Corners 20">
-            <a:extLst>
-              <a:ext uri="{FF2B5EF4-FFF2-40B4-BE49-F238E27FC236}">
-                <a16:creationId xmlns:a16="http://schemas.microsoft.com/office/drawing/2014/main" id="{79DCA21C-CEAB-187E-2E19-90A308DE8C42}"/>
+          <p:cNvPr id="22" name="Rectangle: Rounded Corners 21">
+            <a:extLst>
+              <a:ext uri="{FF2B5EF4-FFF2-40B4-BE49-F238E27FC236}">
+                <a16:creationId xmlns:a16="http://schemas.microsoft.com/office/drawing/2014/main" id="{BB481D7B-EF54-DA3E-28DD-7E29398FDC71}"/>
               </a:ext>
             </a:extLst>
           </p:cNvPr>
@@ -4139,8 +4135,80 @@
         </p:nvSpPr>
         <p:spPr>
           <a:xfrm>
-            <a:off x="3362642" y="19675473"/>
-            <a:ext cx="4516582" cy="2292749"/>
+            <a:off x="13151483" y="26122668"/>
+            <a:ext cx="13310701" cy="9495387"/>
+          </a:xfrm>
+          <a:prstGeom prst="roundRect">
+            <a:avLst/>
+          </a:prstGeom>
+          <a:solidFill>
+            <a:srgbClr val="FFFFE0"/>
+          </a:solidFill>
+          <a:ln>
+            <a:noFill/>
+          </a:ln>
+        </p:spPr>
+        <p:style>
+          <a:lnRef idx="2">
+            <a:schemeClr val="accent1">
+              <a:shade val="50000"/>
+            </a:schemeClr>
+          </a:lnRef>
+          <a:fillRef idx="1">
+            <a:schemeClr val="accent1"/>
+          </a:fillRef>
+          <a:effectRef idx="0">
+            <a:schemeClr val="accent1"/>
+          </a:effectRef>
+          <a:fontRef idx="minor">
+            <a:schemeClr val="lt1"/>
+          </a:fontRef>
+        </p:style>
+        <p:txBody>
+          <a:bodyPr rtlCol="0" anchor="ctr"/>
+          <a:lstStyle/>
+          <a:p>
+            <a:pPr marL="0" marR="0">
+              <a:lnSpc>
+                <a:spcPct val="200000"/>
+              </a:lnSpc>
+              <a:spcBef>
+                <a:spcPts val="0"/>
+              </a:spcBef>
+              <a:spcAft>
+                <a:spcPts val="0"/>
+              </a:spcAft>
+            </a:pPr>
+            <a:r>
+              <a:rPr lang="en-US" dirty="0">
+                <a:solidFill>
+                  <a:schemeClr val="tx1"/>
+                </a:solidFill>
+                <a:effectLst/>
+                <a:latin typeface="Sans-serif"/>
+                <a:ea typeface="Malgun Gothic" panose="020B0503020000020004" pitchFamily="34" charset="-127"/>
+              </a:rPr>
+              <a:t> </a:t>
+            </a:r>
+          </a:p>
+        </p:txBody>
+      </p:sp>
+      <p:sp>
+        <p:nvSpPr>
+          <p:cNvPr id="2" name="Rectangle: Rounded Corners 1">
+            <a:extLst>
+              <a:ext uri="{FF2B5EF4-FFF2-40B4-BE49-F238E27FC236}">
+                <a16:creationId xmlns:a16="http://schemas.microsoft.com/office/drawing/2014/main" id="{DD062736-DD06-4AD7-1A98-C70F41F63C46}"/>
+              </a:ext>
+            </a:extLst>
+          </p:cNvPr>
+          <p:cNvSpPr/>
+          <p:nvPr/>
+        </p:nvSpPr>
+        <p:spPr>
+          <a:xfrm>
+            <a:off x="2613729" y="19988484"/>
+            <a:ext cx="6014408" cy="1156397"/>
           </a:xfrm>
           <a:prstGeom prst="roundRect">
             <a:avLst/>
@@ -4186,78 +4254,6 @@
                 <a:cs typeface="Arial" panose="020B0604020202020204" pitchFamily="34" charset="0"/>
               </a:rPr>
               <a:t>CONCLUSION</a:t>
-            </a:r>
-          </a:p>
-        </p:txBody>
-      </p:sp>
-      <p:sp>
-        <p:nvSpPr>
-          <p:cNvPr id="22" name="Rectangle: Rounded Corners 21">
-            <a:extLst>
-              <a:ext uri="{FF2B5EF4-FFF2-40B4-BE49-F238E27FC236}">
-                <a16:creationId xmlns:a16="http://schemas.microsoft.com/office/drawing/2014/main" id="{BB481D7B-EF54-DA3E-28DD-7E29398FDC71}"/>
-              </a:ext>
-            </a:extLst>
-          </p:cNvPr>
-          <p:cNvSpPr/>
-          <p:nvPr/>
-        </p:nvSpPr>
-        <p:spPr>
-          <a:xfrm>
-            <a:off x="13151483" y="26122668"/>
-            <a:ext cx="13310701" cy="9495387"/>
-          </a:xfrm>
-          <a:prstGeom prst="roundRect">
-            <a:avLst/>
-          </a:prstGeom>
-          <a:solidFill>
-            <a:srgbClr val="FFFFE0"/>
-          </a:solidFill>
-          <a:ln>
-            <a:noFill/>
-          </a:ln>
-        </p:spPr>
-        <p:style>
-          <a:lnRef idx="2">
-            <a:schemeClr val="accent1">
-              <a:shade val="50000"/>
-            </a:schemeClr>
-          </a:lnRef>
-          <a:fillRef idx="1">
-            <a:schemeClr val="accent1"/>
-          </a:fillRef>
-          <a:effectRef idx="0">
-            <a:schemeClr val="accent1"/>
-          </a:effectRef>
-          <a:fontRef idx="minor">
-            <a:schemeClr val="lt1"/>
-          </a:fontRef>
-        </p:style>
-        <p:txBody>
-          <a:bodyPr rtlCol="0" anchor="ctr"/>
-          <a:lstStyle/>
-          <a:p>
-            <a:pPr marL="0" marR="0">
-              <a:lnSpc>
-                <a:spcPct val="200000"/>
-              </a:lnSpc>
-              <a:spcBef>
-                <a:spcPts val="0"/>
-              </a:spcBef>
-              <a:spcAft>
-                <a:spcPts val="0"/>
-              </a:spcAft>
-            </a:pPr>
-            <a:r>
-              <a:rPr lang="en-US" dirty="0">
-                <a:solidFill>
-                  <a:schemeClr val="tx1"/>
-                </a:solidFill>
-                <a:effectLst/>
-                <a:latin typeface="Sans-serif"/>
-                <a:ea typeface="Malgun Gothic" panose="020B0503020000020004" pitchFamily="34" charset="-127"/>
-              </a:rPr>
-              <a:t> </a:t>
             </a:r>
           </a:p>
         </p:txBody>

--- a/Research Symposium presentation.pptx
+++ b/Research Symposium presentation.pptx
@@ -2,12 +2,12 @@
 <file path=ppt/presentation.xml><?xml version="1.0" encoding="utf-8"?>
 <p:presentation xmlns:a="http://schemas.openxmlformats.org/drawingml/2006/main" xmlns:r="http://schemas.openxmlformats.org/officeDocument/2006/relationships" xmlns:p="http://schemas.openxmlformats.org/presentationml/2006/main" saveSubsetFonts="1">
   <p:sldMasterIdLst>
-    <p:sldMasterId id="2147483708" r:id="rId1"/>
+    <p:sldMasterId id="2147483834" r:id="rId1"/>
   </p:sldMasterIdLst>
   <p:sldIdLst>
     <p:sldId id="256" r:id="rId2"/>
   </p:sldIdLst>
-  <p:sldSz cx="27432000" cy="36576000"/>
+  <p:sldSz cx="38404800" cy="30175200"/>
   <p:notesSz cx="6858000" cy="9144000"/>
   <p:defaultTextStyle>
     <a:defPPr>
@@ -112,6 +112,12 @@
 </p:presentation>
 </file>
 
+<file path=ppt/authors.xml><?xml version="1.0" encoding="utf-8"?>
+<p188:authorLst xmlns:a="http://schemas.openxmlformats.org/drawingml/2006/main" xmlns:r="http://schemas.openxmlformats.org/officeDocument/2006/relationships" xmlns:p188="http://schemas.microsoft.com/office/powerpoint/2018/8/main">
+  <p188:author id="{8002FEC4-AD68-67A6-327F-B1478D144DCD}" name="John Chu" initials="JC" userId="5446cf6122fa1af5" providerId="Windows Live"/>
+</p188:authorLst>
+</file>
+
 <file path=ppt/slideLayouts/slideLayout1.xml><?xml version="1.0" encoding="utf-8"?>
 <p:sldLayout xmlns:a="http://schemas.openxmlformats.org/drawingml/2006/main" xmlns:r="http://schemas.openxmlformats.org/officeDocument/2006/relationships" xmlns:p="http://schemas.openxmlformats.org/presentationml/2006/main" type="title" preserve="1">
   <p:cSld name="Title Slide">
@@ -134,7 +140,7 @@
           <p:cNvPr id="2" name="Title 1">
             <a:extLst>
               <a:ext uri="{FF2B5EF4-FFF2-40B4-BE49-F238E27FC236}">
-                <a16:creationId xmlns:a16="http://schemas.microsoft.com/office/drawing/2014/main" id="{72714A45-D5DD-4CB5-C59D-CF85BDFAA296}"/>
+                <a16:creationId xmlns:a16="http://schemas.microsoft.com/office/drawing/2014/main" id="{6A5FCFCE-30BA-53DF-8A20-5D833E4C9BBE}"/>
               </a:ext>
             </a:extLst>
           </p:cNvPr>
@@ -147,15 +153,15 @@
         </p:nvSpPr>
         <p:spPr>
           <a:xfrm>
-            <a:off x="3429000" y="5985936"/>
-            <a:ext cx="20574000" cy="12733867"/>
+            <a:off x="4800600" y="4938397"/>
+            <a:ext cx="28803600" cy="10505440"/>
           </a:xfrm>
         </p:spPr>
         <p:txBody>
           <a:bodyPr anchor="b"/>
           <a:lstStyle>
             <a:lvl1pPr algn="ctr">
-              <a:defRPr sz="13500"/>
+              <a:defRPr sz="18900"/>
             </a:lvl1pPr>
           </a:lstStyle>
           <a:p>
@@ -171,7 +177,7 @@
           <p:cNvPr id="3" name="Subtitle 2">
             <a:extLst>
               <a:ext uri="{FF2B5EF4-FFF2-40B4-BE49-F238E27FC236}">
-                <a16:creationId xmlns:a16="http://schemas.microsoft.com/office/drawing/2014/main" id="{DC914DD2-3511-76F9-D2EC-474957680955}"/>
+                <a16:creationId xmlns:a16="http://schemas.microsoft.com/office/drawing/2014/main" id="{40BE8887-A751-CCD9-D280-48A22F2272C4}"/>
               </a:ext>
             </a:extLst>
           </p:cNvPr>
@@ -184,8 +190,8 @@
         </p:nvSpPr>
         <p:spPr>
           <a:xfrm>
-            <a:off x="3429000" y="19210869"/>
-            <a:ext cx="20574000" cy="8830731"/>
+            <a:off x="4800600" y="15848967"/>
+            <a:ext cx="28803600" cy="7285353"/>
           </a:xfrm>
         </p:spPr>
         <p:txBody>
@@ -193,39 +199,39 @@
           <a:lstStyle>
             <a:lvl1pPr marL="0" indent="0" algn="ctr">
               <a:buNone/>
-              <a:defRPr sz="5400"/>
+              <a:defRPr sz="7560"/>
             </a:lvl1pPr>
-            <a:lvl2pPr marL="1028700" indent="0" algn="ctr">
+            <a:lvl2pPr marL="1440180" indent="0" algn="ctr">
               <a:buNone/>
-              <a:defRPr sz="4500"/>
+              <a:defRPr sz="6300"/>
             </a:lvl2pPr>
-            <a:lvl3pPr marL="2057400" indent="0" algn="ctr">
+            <a:lvl3pPr marL="2880360" indent="0" algn="ctr">
               <a:buNone/>
-              <a:defRPr sz="4050"/>
+              <a:defRPr sz="5670"/>
             </a:lvl3pPr>
-            <a:lvl4pPr marL="3086100" indent="0" algn="ctr">
+            <a:lvl4pPr marL="4320540" indent="0" algn="ctr">
               <a:buNone/>
-              <a:defRPr sz="3600"/>
+              <a:defRPr sz="5040"/>
             </a:lvl4pPr>
-            <a:lvl5pPr marL="4114800" indent="0" algn="ctr">
+            <a:lvl5pPr marL="5760720" indent="0" algn="ctr">
               <a:buNone/>
-              <a:defRPr sz="3600"/>
+              <a:defRPr sz="5040"/>
             </a:lvl5pPr>
-            <a:lvl6pPr marL="5143500" indent="0" algn="ctr">
+            <a:lvl6pPr marL="7200900" indent="0" algn="ctr">
               <a:buNone/>
-              <a:defRPr sz="3600"/>
+              <a:defRPr sz="5040"/>
             </a:lvl6pPr>
-            <a:lvl7pPr marL="6172200" indent="0" algn="ctr">
+            <a:lvl7pPr marL="8641080" indent="0" algn="ctr">
               <a:buNone/>
-              <a:defRPr sz="3600"/>
+              <a:defRPr sz="5040"/>
             </a:lvl7pPr>
-            <a:lvl8pPr marL="7200900" indent="0" algn="ctr">
+            <a:lvl8pPr marL="10081260" indent="0" algn="ctr">
               <a:buNone/>
-              <a:defRPr sz="3600"/>
+              <a:defRPr sz="5040"/>
             </a:lvl8pPr>
-            <a:lvl9pPr marL="8229600" indent="0" algn="ctr">
+            <a:lvl9pPr marL="11521440" indent="0" algn="ctr">
               <a:buNone/>
-              <a:defRPr sz="3600"/>
+              <a:defRPr sz="5040"/>
             </a:lvl9pPr>
           </a:lstStyle>
           <a:p>
@@ -241,7 +247,7 @@
           <p:cNvPr id="4" name="Date Placeholder 3">
             <a:extLst>
               <a:ext uri="{FF2B5EF4-FFF2-40B4-BE49-F238E27FC236}">
-                <a16:creationId xmlns:a16="http://schemas.microsoft.com/office/drawing/2014/main" id="{4AC74DA5-8230-39DB-AC77-03107BCE8B6B}"/>
+                <a16:creationId xmlns:a16="http://schemas.microsoft.com/office/drawing/2014/main" id="{EDE0C854-CFE5-AAFC-C7A6-246D540FABF1}"/>
               </a:ext>
             </a:extLst>
           </p:cNvPr>
@@ -259,7 +265,7 @@
           <a:p>
             <a:fld id="{9CCAA44F-184F-4297-8D77-BED2E92183CB}" type="datetimeFigureOut">
               <a:rPr lang="en-US" smtClean="0"/>
-              <a:t>3/8/2023</a:t>
+              <a:t>4/1/2023</a:t>
             </a:fld>
             <a:endParaRPr lang="en-US"/>
           </a:p>
@@ -270,7 +276,7 @@
           <p:cNvPr id="5" name="Footer Placeholder 4">
             <a:extLst>
               <a:ext uri="{FF2B5EF4-FFF2-40B4-BE49-F238E27FC236}">
-                <a16:creationId xmlns:a16="http://schemas.microsoft.com/office/drawing/2014/main" id="{AB018074-0AF0-3728-88D2-6BB3B943DFE0}"/>
+                <a16:creationId xmlns:a16="http://schemas.microsoft.com/office/drawing/2014/main" id="{095E8003-1113-C7BF-66B7-56455253D635}"/>
               </a:ext>
             </a:extLst>
           </p:cNvPr>
@@ -295,7 +301,7 @@
           <p:cNvPr id="6" name="Slide Number Placeholder 5">
             <a:extLst>
               <a:ext uri="{FF2B5EF4-FFF2-40B4-BE49-F238E27FC236}">
-                <a16:creationId xmlns:a16="http://schemas.microsoft.com/office/drawing/2014/main" id="{799B4BF3-3BC4-405F-DF25-5B2C8C168AFD}"/>
+                <a16:creationId xmlns:a16="http://schemas.microsoft.com/office/drawing/2014/main" id="{1C67BE7D-3833-5C1E-F966-5B0B40B2B113}"/>
               </a:ext>
             </a:extLst>
           </p:cNvPr>
@@ -322,7 +328,7 @@
     </p:spTree>
     <p:extLst>
       <p:ext uri="{BB962C8B-B14F-4D97-AF65-F5344CB8AC3E}">
-        <p14:creationId xmlns:p14="http://schemas.microsoft.com/office/powerpoint/2010/main" val="1876304889"/>
+        <p14:creationId xmlns:p14="http://schemas.microsoft.com/office/powerpoint/2010/main" val="3214215108"/>
       </p:ext>
     </p:extLst>
   </p:cSld>
@@ -354,7 +360,7 @@
           <p:cNvPr id="2" name="Title 1">
             <a:extLst>
               <a:ext uri="{FF2B5EF4-FFF2-40B4-BE49-F238E27FC236}">
-                <a16:creationId xmlns:a16="http://schemas.microsoft.com/office/drawing/2014/main" id="{14110333-617B-C511-1C05-0A5E7A1F2317}"/>
+                <a16:creationId xmlns:a16="http://schemas.microsoft.com/office/drawing/2014/main" id="{69341F35-D585-08A3-FE57-9B809ACF879B}"/>
               </a:ext>
             </a:extLst>
           </p:cNvPr>
@@ -382,7 +388,7 @@
           <p:cNvPr id="3" name="Vertical Text Placeholder 2">
             <a:extLst>
               <a:ext uri="{FF2B5EF4-FFF2-40B4-BE49-F238E27FC236}">
-                <a16:creationId xmlns:a16="http://schemas.microsoft.com/office/drawing/2014/main" id="{AE038346-4680-EE52-334E-AFD3516556FE}"/>
+                <a16:creationId xmlns:a16="http://schemas.microsoft.com/office/drawing/2014/main" id="{E8C95C02-7FE0-AAED-E41F-44F8742DCE5C}"/>
               </a:ext>
             </a:extLst>
           </p:cNvPr>
@@ -439,7 +445,7 @@
           <p:cNvPr id="4" name="Date Placeholder 3">
             <a:extLst>
               <a:ext uri="{FF2B5EF4-FFF2-40B4-BE49-F238E27FC236}">
-                <a16:creationId xmlns:a16="http://schemas.microsoft.com/office/drawing/2014/main" id="{F84DABC5-A566-AC02-A276-3F9957B659A9}"/>
+                <a16:creationId xmlns:a16="http://schemas.microsoft.com/office/drawing/2014/main" id="{60445506-E59C-9E66-5A2B-98A3784490A5}"/>
               </a:ext>
             </a:extLst>
           </p:cNvPr>
@@ -457,7 +463,7 @@
           <a:p>
             <a:fld id="{9CCAA44F-184F-4297-8D77-BED2E92183CB}" type="datetimeFigureOut">
               <a:rPr lang="en-US" smtClean="0"/>
-              <a:t>3/8/2023</a:t>
+              <a:t>4/1/2023</a:t>
             </a:fld>
             <a:endParaRPr lang="en-US"/>
           </a:p>
@@ -468,7 +474,7 @@
           <p:cNvPr id="5" name="Footer Placeholder 4">
             <a:extLst>
               <a:ext uri="{FF2B5EF4-FFF2-40B4-BE49-F238E27FC236}">
-                <a16:creationId xmlns:a16="http://schemas.microsoft.com/office/drawing/2014/main" id="{CAD2C643-C21F-07EA-9117-CB2A5F68C7A4}"/>
+                <a16:creationId xmlns:a16="http://schemas.microsoft.com/office/drawing/2014/main" id="{B8631640-A9DA-0EC1-19AF-406B71A7E625}"/>
               </a:ext>
             </a:extLst>
           </p:cNvPr>
@@ -493,7 +499,7 @@
           <p:cNvPr id="6" name="Slide Number Placeholder 5">
             <a:extLst>
               <a:ext uri="{FF2B5EF4-FFF2-40B4-BE49-F238E27FC236}">
-                <a16:creationId xmlns:a16="http://schemas.microsoft.com/office/drawing/2014/main" id="{B5E80582-78A7-3C9F-12C5-887C00260E72}"/>
+                <a16:creationId xmlns:a16="http://schemas.microsoft.com/office/drawing/2014/main" id="{B45F6C17-0AFB-D9C2-160D-C2577FA9FF87}"/>
               </a:ext>
             </a:extLst>
           </p:cNvPr>
@@ -520,7 +526,7 @@
     </p:spTree>
     <p:extLst>
       <p:ext uri="{BB962C8B-B14F-4D97-AF65-F5344CB8AC3E}">
-        <p14:creationId xmlns:p14="http://schemas.microsoft.com/office/powerpoint/2010/main" val="3513715186"/>
+        <p14:creationId xmlns:p14="http://schemas.microsoft.com/office/powerpoint/2010/main" val="2313679909"/>
       </p:ext>
     </p:extLst>
   </p:cSld>
@@ -552,7 +558,7 @@
           <p:cNvPr id="2" name="Vertical Title 1">
             <a:extLst>
               <a:ext uri="{FF2B5EF4-FFF2-40B4-BE49-F238E27FC236}">
-                <a16:creationId xmlns:a16="http://schemas.microsoft.com/office/drawing/2014/main" id="{A8144803-C494-6351-4958-266E0A7B20A0}"/>
+                <a16:creationId xmlns:a16="http://schemas.microsoft.com/office/drawing/2014/main" id="{5E392B25-91AD-F32D-F068-30B949E78964}"/>
               </a:ext>
             </a:extLst>
           </p:cNvPr>
@@ -565,8 +571,8 @@
         </p:nvSpPr>
         <p:spPr>
           <a:xfrm>
-            <a:off x="19631025" y="1947334"/>
-            <a:ext cx="5915025" cy="30996469"/>
+            <a:off x="27483435" y="1606550"/>
+            <a:ext cx="8281035" cy="25572087"/>
           </a:xfrm>
         </p:spPr>
         <p:txBody>
@@ -585,7 +591,7 @@
           <p:cNvPr id="3" name="Vertical Text Placeholder 2">
             <a:extLst>
               <a:ext uri="{FF2B5EF4-FFF2-40B4-BE49-F238E27FC236}">
-                <a16:creationId xmlns:a16="http://schemas.microsoft.com/office/drawing/2014/main" id="{44153C0D-244B-D3FC-ED86-298E44B46EF8}"/>
+                <a16:creationId xmlns:a16="http://schemas.microsoft.com/office/drawing/2014/main" id="{B765FA78-015A-7545-417F-40170FAA68F2}"/>
               </a:ext>
             </a:extLst>
           </p:cNvPr>
@@ -598,8 +604,8 @@
         </p:nvSpPr>
         <p:spPr>
           <a:xfrm>
-            <a:off x="1885950" y="1947334"/>
-            <a:ext cx="17402175" cy="30996469"/>
+            <a:off x="2640330" y="1606550"/>
+            <a:ext cx="24363045" cy="25572087"/>
           </a:xfrm>
         </p:spPr>
         <p:txBody>
@@ -647,7 +653,7 @@
           <p:cNvPr id="4" name="Date Placeholder 3">
             <a:extLst>
               <a:ext uri="{FF2B5EF4-FFF2-40B4-BE49-F238E27FC236}">
-                <a16:creationId xmlns:a16="http://schemas.microsoft.com/office/drawing/2014/main" id="{44F210E9-F309-F486-7185-90B887B4E9F7}"/>
+                <a16:creationId xmlns:a16="http://schemas.microsoft.com/office/drawing/2014/main" id="{764DCB26-4073-4E97-1A15-ED3740469EC5}"/>
               </a:ext>
             </a:extLst>
           </p:cNvPr>
@@ -665,7 +671,7 @@
           <a:p>
             <a:fld id="{9CCAA44F-184F-4297-8D77-BED2E92183CB}" type="datetimeFigureOut">
               <a:rPr lang="en-US" smtClean="0"/>
-              <a:t>3/8/2023</a:t>
+              <a:t>4/1/2023</a:t>
             </a:fld>
             <a:endParaRPr lang="en-US"/>
           </a:p>
@@ -676,7 +682,7 @@
           <p:cNvPr id="5" name="Footer Placeholder 4">
             <a:extLst>
               <a:ext uri="{FF2B5EF4-FFF2-40B4-BE49-F238E27FC236}">
-                <a16:creationId xmlns:a16="http://schemas.microsoft.com/office/drawing/2014/main" id="{97FE450A-6E58-1841-0C17-AF2ECC989990}"/>
+                <a16:creationId xmlns:a16="http://schemas.microsoft.com/office/drawing/2014/main" id="{4FCE6E32-6935-1A2A-193D-888AC8CC6CCC}"/>
               </a:ext>
             </a:extLst>
           </p:cNvPr>
@@ -701,7 +707,7 @@
           <p:cNvPr id="6" name="Slide Number Placeholder 5">
             <a:extLst>
               <a:ext uri="{FF2B5EF4-FFF2-40B4-BE49-F238E27FC236}">
-                <a16:creationId xmlns:a16="http://schemas.microsoft.com/office/drawing/2014/main" id="{877D4CEA-4566-6A3D-96A1-2CEA11FE79A3}"/>
+                <a16:creationId xmlns:a16="http://schemas.microsoft.com/office/drawing/2014/main" id="{2C0877AA-315D-8E92-39F3-14C735BEF0C2}"/>
               </a:ext>
             </a:extLst>
           </p:cNvPr>
@@ -728,7 +734,7 @@
     </p:spTree>
     <p:extLst>
       <p:ext uri="{BB962C8B-B14F-4D97-AF65-F5344CB8AC3E}">
-        <p14:creationId xmlns:p14="http://schemas.microsoft.com/office/powerpoint/2010/main" val="2447349805"/>
+        <p14:creationId xmlns:p14="http://schemas.microsoft.com/office/powerpoint/2010/main" val="2296283343"/>
       </p:ext>
     </p:extLst>
   </p:cSld>
@@ -760,7 +766,7 @@
           <p:cNvPr id="2" name="Title 1">
             <a:extLst>
               <a:ext uri="{FF2B5EF4-FFF2-40B4-BE49-F238E27FC236}">
-                <a16:creationId xmlns:a16="http://schemas.microsoft.com/office/drawing/2014/main" id="{654A2A7E-402E-5202-EF22-AB806F8AA6A6}"/>
+                <a16:creationId xmlns:a16="http://schemas.microsoft.com/office/drawing/2014/main" id="{C439461C-039B-E35D-2822-FE7D687EBE87}"/>
               </a:ext>
             </a:extLst>
           </p:cNvPr>
@@ -788,7 +794,7 @@
           <p:cNvPr id="3" name="Content Placeholder 2">
             <a:extLst>
               <a:ext uri="{FF2B5EF4-FFF2-40B4-BE49-F238E27FC236}">
-                <a16:creationId xmlns:a16="http://schemas.microsoft.com/office/drawing/2014/main" id="{6D66CA2C-F172-8EB5-5B60-F6523B33D8A8}"/>
+                <a16:creationId xmlns:a16="http://schemas.microsoft.com/office/drawing/2014/main" id="{84D08AB9-F52B-7E82-AB3D-A9FA516A9ABC}"/>
               </a:ext>
             </a:extLst>
           </p:cNvPr>
@@ -845,7 +851,7 @@
           <p:cNvPr id="4" name="Date Placeholder 3">
             <a:extLst>
               <a:ext uri="{FF2B5EF4-FFF2-40B4-BE49-F238E27FC236}">
-                <a16:creationId xmlns:a16="http://schemas.microsoft.com/office/drawing/2014/main" id="{6368BDAF-F363-4551-3576-CA5705A0DE31}"/>
+                <a16:creationId xmlns:a16="http://schemas.microsoft.com/office/drawing/2014/main" id="{159A2C1D-C742-1226-1DF8-7571987A01F3}"/>
               </a:ext>
             </a:extLst>
           </p:cNvPr>
@@ -863,7 +869,7 @@
           <a:p>
             <a:fld id="{9CCAA44F-184F-4297-8D77-BED2E92183CB}" type="datetimeFigureOut">
               <a:rPr lang="en-US" smtClean="0"/>
-              <a:t>3/8/2023</a:t>
+              <a:t>4/1/2023</a:t>
             </a:fld>
             <a:endParaRPr lang="en-US"/>
           </a:p>
@@ -874,7 +880,7 @@
           <p:cNvPr id="5" name="Footer Placeholder 4">
             <a:extLst>
               <a:ext uri="{FF2B5EF4-FFF2-40B4-BE49-F238E27FC236}">
-                <a16:creationId xmlns:a16="http://schemas.microsoft.com/office/drawing/2014/main" id="{2728DE38-BD95-D7A5-165D-0BA75918943F}"/>
+                <a16:creationId xmlns:a16="http://schemas.microsoft.com/office/drawing/2014/main" id="{1A97E91D-8A21-E5FF-6927-33A39365AD85}"/>
               </a:ext>
             </a:extLst>
           </p:cNvPr>
@@ -899,7 +905,7 @@
           <p:cNvPr id="6" name="Slide Number Placeholder 5">
             <a:extLst>
               <a:ext uri="{FF2B5EF4-FFF2-40B4-BE49-F238E27FC236}">
-                <a16:creationId xmlns:a16="http://schemas.microsoft.com/office/drawing/2014/main" id="{4022CEDD-67AD-C750-5F68-2395D41FDA50}"/>
+                <a16:creationId xmlns:a16="http://schemas.microsoft.com/office/drawing/2014/main" id="{3EB023BB-22BF-F53A-08DF-9630C195EA00}"/>
               </a:ext>
             </a:extLst>
           </p:cNvPr>
@@ -926,7 +932,7 @@
     </p:spTree>
     <p:extLst>
       <p:ext uri="{BB962C8B-B14F-4D97-AF65-F5344CB8AC3E}">
-        <p14:creationId xmlns:p14="http://schemas.microsoft.com/office/powerpoint/2010/main" val="1712589254"/>
+        <p14:creationId xmlns:p14="http://schemas.microsoft.com/office/powerpoint/2010/main" val="844852835"/>
       </p:ext>
     </p:extLst>
   </p:cSld>
@@ -958,7 +964,7 @@
           <p:cNvPr id="2" name="Title 1">
             <a:extLst>
               <a:ext uri="{FF2B5EF4-FFF2-40B4-BE49-F238E27FC236}">
-                <a16:creationId xmlns:a16="http://schemas.microsoft.com/office/drawing/2014/main" id="{F6DD12AD-7204-2D5A-48D1-A2F6FF1F82E3}"/>
+                <a16:creationId xmlns:a16="http://schemas.microsoft.com/office/drawing/2014/main" id="{4307D055-FDF7-16D4-6E07-46534B3E5810}"/>
               </a:ext>
             </a:extLst>
           </p:cNvPr>
@@ -971,15 +977,15 @@
         </p:nvSpPr>
         <p:spPr>
           <a:xfrm>
-            <a:off x="1871663" y="9118606"/>
-            <a:ext cx="23660100" cy="15214597"/>
+            <a:off x="2620328" y="7522849"/>
+            <a:ext cx="33124140" cy="12552043"/>
           </a:xfrm>
         </p:spPr>
         <p:txBody>
           <a:bodyPr anchor="b"/>
           <a:lstStyle>
             <a:lvl1pPr>
-              <a:defRPr sz="13500"/>
+              <a:defRPr sz="18900"/>
             </a:lvl1pPr>
           </a:lstStyle>
           <a:p>
@@ -995,7 +1001,7 @@
           <p:cNvPr id="3" name="Text Placeholder 2">
             <a:extLst>
               <a:ext uri="{FF2B5EF4-FFF2-40B4-BE49-F238E27FC236}">
-                <a16:creationId xmlns:a16="http://schemas.microsoft.com/office/drawing/2014/main" id="{01528F31-116C-9A50-0E49-071F9DA8E1DE}"/>
+                <a16:creationId xmlns:a16="http://schemas.microsoft.com/office/drawing/2014/main" id="{06F3CBBD-CA58-26B1-240B-F2233A47D1F2}"/>
               </a:ext>
             </a:extLst>
           </p:cNvPr>
@@ -1008,8 +1014,8 @@
         </p:nvSpPr>
         <p:spPr>
           <a:xfrm>
-            <a:off x="1871663" y="24477139"/>
-            <a:ext cx="23660100" cy="8000997"/>
+            <a:off x="2620328" y="20193639"/>
+            <a:ext cx="33124140" cy="6600823"/>
           </a:xfrm>
         </p:spPr>
         <p:txBody>
@@ -1017,7 +1023,7 @@
           <a:lstStyle>
             <a:lvl1pPr marL="0" indent="0">
               <a:buNone/>
-              <a:defRPr sz="5400">
+              <a:defRPr sz="7560">
                 <a:solidFill>
                   <a:schemeClr val="tx1">
                     <a:tint val="75000"/>
@@ -1025,9 +1031,9 @@
                 </a:solidFill>
               </a:defRPr>
             </a:lvl1pPr>
-            <a:lvl2pPr marL="1028700" indent="0">
+            <a:lvl2pPr marL="1440180" indent="0">
               <a:buNone/>
-              <a:defRPr sz="4500">
+              <a:defRPr sz="6300">
                 <a:solidFill>
                   <a:schemeClr val="tx1">
                     <a:tint val="75000"/>
@@ -1035,9 +1041,9 @@
                 </a:solidFill>
               </a:defRPr>
             </a:lvl2pPr>
-            <a:lvl3pPr marL="2057400" indent="0">
+            <a:lvl3pPr marL="2880360" indent="0">
               <a:buNone/>
-              <a:defRPr sz="4050">
+              <a:defRPr sz="5670">
                 <a:solidFill>
                   <a:schemeClr val="tx1">
                     <a:tint val="75000"/>
@@ -1045,9 +1051,9 @@
                 </a:solidFill>
               </a:defRPr>
             </a:lvl3pPr>
-            <a:lvl4pPr marL="3086100" indent="0">
+            <a:lvl4pPr marL="4320540" indent="0">
               <a:buNone/>
-              <a:defRPr sz="3600">
+              <a:defRPr sz="5040">
                 <a:solidFill>
                   <a:schemeClr val="tx1">
                     <a:tint val="75000"/>
@@ -1055,9 +1061,9 @@
                 </a:solidFill>
               </a:defRPr>
             </a:lvl4pPr>
-            <a:lvl5pPr marL="4114800" indent="0">
+            <a:lvl5pPr marL="5760720" indent="0">
               <a:buNone/>
-              <a:defRPr sz="3600">
+              <a:defRPr sz="5040">
                 <a:solidFill>
                   <a:schemeClr val="tx1">
                     <a:tint val="75000"/>
@@ -1065,9 +1071,9 @@
                 </a:solidFill>
               </a:defRPr>
             </a:lvl5pPr>
-            <a:lvl6pPr marL="5143500" indent="0">
+            <a:lvl6pPr marL="7200900" indent="0">
               <a:buNone/>
-              <a:defRPr sz="3600">
+              <a:defRPr sz="5040">
                 <a:solidFill>
                   <a:schemeClr val="tx1">
                     <a:tint val="75000"/>
@@ -1075,9 +1081,9 @@
                 </a:solidFill>
               </a:defRPr>
             </a:lvl6pPr>
-            <a:lvl7pPr marL="6172200" indent="0">
+            <a:lvl7pPr marL="8641080" indent="0">
               <a:buNone/>
-              <a:defRPr sz="3600">
+              <a:defRPr sz="5040">
                 <a:solidFill>
                   <a:schemeClr val="tx1">
                     <a:tint val="75000"/>
@@ -1085,9 +1091,9 @@
                 </a:solidFill>
               </a:defRPr>
             </a:lvl7pPr>
-            <a:lvl8pPr marL="7200900" indent="0">
+            <a:lvl8pPr marL="10081260" indent="0">
               <a:buNone/>
-              <a:defRPr sz="3600">
+              <a:defRPr sz="5040">
                 <a:solidFill>
                   <a:schemeClr val="tx1">
                     <a:tint val="75000"/>
@@ -1095,9 +1101,9 @@
                 </a:solidFill>
               </a:defRPr>
             </a:lvl8pPr>
-            <a:lvl9pPr marL="8229600" indent="0">
+            <a:lvl9pPr marL="11521440" indent="0">
               <a:buNone/>
-              <a:defRPr sz="3600">
+              <a:defRPr sz="5040">
                 <a:solidFill>
                   <a:schemeClr val="tx1">
                     <a:tint val="75000"/>
@@ -1120,7 +1126,7 @@
           <p:cNvPr id="4" name="Date Placeholder 3">
             <a:extLst>
               <a:ext uri="{FF2B5EF4-FFF2-40B4-BE49-F238E27FC236}">
-                <a16:creationId xmlns:a16="http://schemas.microsoft.com/office/drawing/2014/main" id="{274F6C4A-2B82-35E8-E8BA-3FC62E83C7C0}"/>
+                <a16:creationId xmlns:a16="http://schemas.microsoft.com/office/drawing/2014/main" id="{E8822C75-78D1-D90D-F029-EE17279BB66F}"/>
               </a:ext>
             </a:extLst>
           </p:cNvPr>
@@ -1138,7 +1144,7 @@
           <a:p>
             <a:fld id="{9CCAA44F-184F-4297-8D77-BED2E92183CB}" type="datetimeFigureOut">
               <a:rPr lang="en-US" smtClean="0"/>
-              <a:t>3/8/2023</a:t>
+              <a:t>4/1/2023</a:t>
             </a:fld>
             <a:endParaRPr lang="en-US"/>
           </a:p>
@@ -1149,7 +1155,7 @@
           <p:cNvPr id="5" name="Footer Placeholder 4">
             <a:extLst>
               <a:ext uri="{FF2B5EF4-FFF2-40B4-BE49-F238E27FC236}">
-                <a16:creationId xmlns:a16="http://schemas.microsoft.com/office/drawing/2014/main" id="{42C3A8DF-620E-4D5A-D722-BA2566D165D1}"/>
+                <a16:creationId xmlns:a16="http://schemas.microsoft.com/office/drawing/2014/main" id="{9FF782AC-5844-4EED-A10D-CC7AF1E72C2F}"/>
               </a:ext>
             </a:extLst>
           </p:cNvPr>
@@ -1174,7 +1180,7 @@
           <p:cNvPr id="6" name="Slide Number Placeholder 5">
             <a:extLst>
               <a:ext uri="{FF2B5EF4-FFF2-40B4-BE49-F238E27FC236}">
-                <a16:creationId xmlns:a16="http://schemas.microsoft.com/office/drawing/2014/main" id="{DE56BC6E-E617-5B90-F248-8AE32096870F}"/>
+                <a16:creationId xmlns:a16="http://schemas.microsoft.com/office/drawing/2014/main" id="{8FD849E6-B11E-160C-CA2D-7673F9D69426}"/>
               </a:ext>
             </a:extLst>
           </p:cNvPr>
@@ -1201,7 +1207,7 @@
     </p:spTree>
     <p:extLst>
       <p:ext uri="{BB962C8B-B14F-4D97-AF65-F5344CB8AC3E}">
-        <p14:creationId xmlns:p14="http://schemas.microsoft.com/office/powerpoint/2010/main" val="2055316229"/>
+        <p14:creationId xmlns:p14="http://schemas.microsoft.com/office/powerpoint/2010/main" val="851510919"/>
       </p:ext>
     </p:extLst>
   </p:cSld>
@@ -1233,7 +1239,7 @@
           <p:cNvPr id="2" name="Title 1">
             <a:extLst>
               <a:ext uri="{FF2B5EF4-FFF2-40B4-BE49-F238E27FC236}">
-                <a16:creationId xmlns:a16="http://schemas.microsoft.com/office/drawing/2014/main" id="{A5BE9800-5E7B-6433-867C-5C86EBE42AE2}"/>
+                <a16:creationId xmlns:a16="http://schemas.microsoft.com/office/drawing/2014/main" id="{9218A429-F64C-DAC6-B266-FDB0988C2BA9}"/>
               </a:ext>
             </a:extLst>
           </p:cNvPr>
@@ -1261,7 +1267,7 @@
           <p:cNvPr id="3" name="Content Placeholder 2">
             <a:extLst>
               <a:ext uri="{FF2B5EF4-FFF2-40B4-BE49-F238E27FC236}">
-                <a16:creationId xmlns:a16="http://schemas.microsoft.com/office/drawing/2014/main" id="{820ED306-9190-E962-F89E-002CEDE68358}"/>
+                <a16:creationId xmlns:a16="http://schemas.microsoft.com/office/drawing/2014/main" id="{13EABDE8-3B54-B948-0295-9FB6DA5B832B}"/>
               </a:ext>
             </a:extLst>
           </p:cNvPr>
@@ -1274,8 +1280,8 @@
         </p:nvSpPr>
         <p:spPr>
           <a:xfrm>
-            <a:off x="1885950" y="9736667"/>
-            <a:ext cx="11658600" cy="23207136"/>
+            <a:off x="2640330" y="8032750"/>
+            <a:ext cx="16322040" cy="19145887"/>
           </a:xfrm>
         </p:spPr>
         <p:txBody>
@@ -1323,7 +1329,7 @@
           <p:cNvPr id="4" name="Content Placeholder 3">
             <a:extLst>
               <a:ext uri="{FF2B5EF4-FFF2-40B4-BE49-F238E27FC236}">
-                <a16:creationId xmlns:a16="http://schemas.microsoft.com/office/drawing/2014/main" id="{B2E845BE-F5CA-759D-AF4D-502DBA4AC9B6}"/>
+                <a16:creationId xmlns:a16="http://schemas.microsoft.com/office/drawing/2014/main" id="{5A1433A9-8EE5-6443-A70D-3194335E6324}"/>
               </a:ext>
             </a:extLst>
           </p:cNvPr>
@@ -1336,8 +1342,8 @@
         </p:nvSpPr>
         <p:spPr>
           <a:xfrm>
-            <a:off x="13887450" y="9736667"/>
-            <a:ext cx="11658600" cy="23207136"/>
+            <a:off x="19442430" y="8032750"/>
+            <a:ext cx="16322040" cy="19145887"/>
           </a:xfrm>
         </p:spPr>
         <p:txBody>
@@ -1385,7 +1391,7 @@
           <p:cNvPr id="5" name="Date Placeholder 4">
             <a:extLst>
               <a:ext uri="{FF2B5EF4-FFF2-40B4-BE49-F238E27FC236}">
-                <a16:creationId xmlns:a16="http://schemas.microsoft.com/office/drawing/2014/main" id="{3D61198B-0016-0DAD-9276-BA4D07A6AF31}"/>
+                <a16:creationId xmlns:a16="http://schemas.microsoft.com/office/drawing/2014/main" id="{E84BF61E-E279-F7FD-FF2B-BF14035ABE29}"/>
               </a:ext>
             </a:extLst>
           </p:cNvPr>
@@ -1403,7 +1409,7 @@
           <a:p>
             <a:fld id="{9CCAA44F-184F-4297-8D77-BED2E92183CB}" type="datetimeFigureOut">
               <a:rPr lang="en-US" smtClean="0"/>
-              <a:t>3/8/2023</a:t>
+              <a:t>4/1/2023</a:t>
             </a:fld>
             <a:endParaRPr lang="en-US"/>
           </a:p>
@@ -1414,7 +1420,7 @@
           <p:cNvPr id="6" name="Footer Placeholder 5">
             <a:extLst>
               <a:ext uri="{FF2B5EF4-FFF2-40B4-BE49-F238E27FC236}">
-                <a16:creationId xmlns:a16="http://schemas.microsoft.com/office/drawing/2014/main" id="{3FC159E5-BB2F-4F5D-D720-72F200C06594}"/>
+                <a16:creationId xmlns:a16="http://schemas.microsoft.com/office/drawing/2014/main" id="{B1DEE660-F308-5560-5991-955AE48B746C}"/>
               </a:ext>
             </a:extLst>
           </p:cNvPr>
@@ -1439,7 +1445,7 @@
           <p:cNvPr id="7" name="Slide Number Placeholder 6">
             <a:extLst>
               <a:ext uri="{FF2B5EF4-FFF2-40B4-BE49-F238E27FC236}">
-                <a16:creationId xmlns:a16="http://schemas.microsoft.com/office/drawing/2014/main" id="{EE0CEC0A-94C5-44A8-EEED-E1BF43EF69E7}"/>
+                <a16:creationId xmlns:a16="http://schemas.microsoft.com/office/drawing/2014/main" id="{6F869A77-52A4-182F-B551-BDE441EE88FA}"/>
               </a:ext>
             </a:extLst>
           </p:cNvPr>
@@ -1466,7 +1472,7 @@
     </p:spTree>
     <p:extLst>
       <p:ext uri="{BB962C8B-B14F-4D97-AF65-F5344CB8AC3E}">
-        <p14:creationId xmlns:p14="http://schemas.microsoft.com/office/powerpoint/2010/main" val="2437759834"/>
+        <p14:creationId xmlns:p14="http://schemas.microsoft.com/office/powerpoint/2010/main" val="2721610097"/>
       </p:ext>
     </p:extLst>
   </p:cSld>
@@ -1498,7 +1504,7 @@
           <p:cNvPr id="2" name="Title 1">
             <a:extLst>
               <a:ext uri="{FF2B5EF4-FFF2-40B4-BE49-F238E27FC236}">
-                <a16:creationId xmlns:a16="http://schemas.microsoft.com/office/drawing/2014/main" id="{C14D7914-7362-322C-E000-649D09BCB1BF}"/>
+                <a16:creationId xmlns:a16="http://schemas.microsoft.com/office/drawing/2014/main" id="{4E93D5DF-C5D0-CA15-CDD6-C16B59D9E082}"/>
               </a:ext>
             </a:extLst>
           </p:cNvPr>
@@ -1511,8 +1517,8 @@
         </p:nvSpPr>
         <p:spPr>
           <a:xfrm>
-            <a:off x="1889523" y="1947336"/>
-            <a:ext cx="23660100" cy="7069669"/>
+            <a:off x="2645332" y="1606552"/>
+            <a:ext cx="33124140" cy="5832477"/>
           </a:xfrm>
         </p:spPr>
         <p:txBody>
@@ -1531,7 +1537,7 @@
           <p:cNvPr id="3" name="Text Placeholder 2">
             <a:extLst>
               <a:ext uri="{FF2B5EF4-FFF2-40B4-BE49-F238E27FC236}">
-                <a16:creationId xmlns:a16="http://schemas.microsoft.com/office/drawing/2014/main" id="{01C90046-C345-FFE0-2AA1-D35EA1A7CA87}"/>
+                <a16:creationId xmlns:a16="http://schemas.microsoft.com/office/drawing/2014/main" id="{3396CC32-0022-5E28-0198-A0A778A2DE00}"/>
               </a:ext>
             </a:extLst>
           </p:cNvPr>
@@ -1544,8 +1550,8 @@
         </p:nvSpPr>
         <p:spPr>
           <a:xfrm>
-            <a:off x="1889524" y="8966203"/>
-            <a:ext cx="11605021" cy="4394197"/>
+            <a:off x="2645334" y="7397117"/>
+            <a:ext cx="16247029" cy="3625213"/>
           </a:xfrm>
         </p:spPr>
         <p:txBody>
@@ -1553,39 +1559,39 @@
           <a:lstStyle>
             <a:lvl1pPr marL="0" indent="0">
               <a:buNone/>
-              <a:defRPr sz="5400" b="1"/>
+              <a:defRPr sz="7560" b="1"/>
             </a:lvl1pPr>
-            <a:lvl2pPr marL="1028700" indent="0">
+            <a:lvl2pPr marL="1440180" indent="0">
               <a:buNone/>
-              <a:defRPr sz="4500" b="1"/>
+              <a:defRPr sz="6300" b="1"/>
             </a:lvl2pPr>
-            <a:lvl3pPr marL="2057400" indent="0">
+            <a:lvl3pPr marL="2880360" indent="0">
               <a:buNone/>
-              <a:defRPr sz="4050" b="1"/>
+              <a:defRPr sz="5670" b="1"/>
             </a:lvl3pPr>
-            <a:lvl4pPr marL="3086100" indent="0">
+            <a:lvl4pPr marL="4320540" indent="0">
               <a:buNone/>
-              <a:defRPr sz="3600" b="1"/>
+              <a:defRPr sz="5040" b="1"/>
             </a:lvl4pPr>
-            <a:lvl5pPr marL="4114800" indent="0">
+            <a:lvl5pPr marL="5760720" indent="0">
               <a:buNone/>
-              <a:defRPr sz="3600" b="1"/>
+              <a:defRPr sz="5040" b="1"/>
             </a:lvl5pPr>
-            <a:lvl6pPr marL="5143500" indent="0">
+            <a:lvl6pPr marL="7200900" indent="0">
               <a:buNone/>
-              <a:defRPr sz="3600" b="1"/>
+              <a:defRPr sz="5040" b="1"/>
             </a:lvl6pPr>
-            <a:lvl7pPr marL="6172200" indent="0">
+            <a:lvl7pPr marL="8641080" indent="0">
               <a:buNone/>
-              <a:defRPr sz="3600" b="1"/>
+              <a:defRPr sz="5040" b="1"/>
             </a:lvl7pPr>
-            <a:lvl8pPr marL="7200900" indent="0">
+            <a:lvl8pPr marL="10081260" indent="0">
               <a:buNone/>
-              <a:defRPr sz="3600" b="1"/>
+              <a:defRPr sz="5040" b="1"/>
             </a:lvl8pPr>
-            <a:lvl9pPr marL="8229600" indent="0">
+            <a:lvl9pPr marL="11521440" indent="0">
               <a:buNone/>
-              <a:defRPr sz="3600" b="1"/>
+              <a:defRPr sz="5040" b="1"/>
             </a:lvl9pPr>
           </a:lstStyle>
           <a:p>
@@ -1602,7 +1608,7 @@
           <p:cNvPr id="4" name="Content Placeholder 3">
             <a:extLst>
               <a:ext uri="{FF2B5EF4-FFF2-40B4-BE49-F238E27FC236}">
-                <a16:creationId xmlns:a16="http://schemas.microsoft.com/office/drawing/2014/main" id="{DDF0AE5C-7A7C-5F7D-4090-6D94424D09C3}"/>
+                <a16:creationId xmlns:a16="http://schemas.microsoft.com/office/drawing/2014/main" id="{D2ADB7AF-C60E-5D98-CA87-3E33890CB2AB}"/>
               </a:ext>
             </a:extLst>
           </p:cNvPr>
@@ -1615,8 +1621,8 @@
         </p:nvSpPr>
         <p:spPr>
           <a:xfrm>
-            <a:off x="1889524" y="13360400"/>
-            <a:ext cx="11605021" cy="19651136"/>
+            <a:off x="2645334" y="11022330"/>
+            <a:ext cx="16247029" cy="16212187"/>
           </a:xfrm>
         </p:spPr>
         <p:txBody>
@@ -1664,7 +1670,7 @@
           <p:cNvPr id="5" name="Text Placeholder 4">
             <a:extLst>
               <a:ext uri="{FF2B5EF4-FFF2-40B4-BE49-F238E27FC236}">
-                <a16:creationId xmlns:a16="http://schemas.microsoft.com/office/drawing/2014/main" id="{8A28A97D-043F-DC4E-9E63-1BD8FC87BEEC}"/>
+                <a16:creationId xmlns:a16="http://schemas.microsoft.com/office/drawing/2014/main" id="{A04179A4-DF3A-DFC7-CF7B-32FCEB258F68}"/>
               </a:ext>
             </a:extLst>
           </p:cNvPr>
@@ -1677,8 +1683,8 @@
         </p:nvSpPr>
         <p:spPr>
           <a:xfrm>
-            <a:off x="13887450" y="8966203"/>
-            <a:ext cx="11662173" cy="4394197"/>
+            <a:off x="19442430" y="7397117"/>
+            <a:ext cx="16327042" cy="3625213"/>
           </a:xfrm>
         </p:spPr>
         <p:txBody>
@@ -1686,39 +1692,39 @@
           <a:lstStyle>
             <a:lvl1pPr marL="0" indent="0">
               <a:buNone/>
-              <a:defRPr sz="5400" b="1"/>
+              <a:defRPr sz="7560" b="1"/>
             </a:lvl1pPr>
-            <a:lvl2pPr marL="1028700" indent="0">
+            <a:lvl2pPr marL="1440180" indent="0">
               <a:buNone/>
-              <a:defRPr sz="4500" b="1"/>
+              <a:defRPr sz="6300" b="1"/>
             </a:lvl2pPr>
-            <a:lvl3pPr marL="2057400" indent="0">
+            <a:lvl3pPr marL="2880360" indent="0">
               <a:buNone/>
-              <a:defRPr sz="4050" b="1"/>
+              <a:defRPr sz="5670" b="1"/>
             </a:lvl3pPr>
-            <a:lvl4pPr marL="3086100" indent="0">
+            <a:lvl4pPr marL="4320540" indent="0">
               <a:buNone/>
-              <a:defRPr sz="3600" b="1"/>
+              <a:defRPr sz="5040" b="1"/>
             </a:lvl4pPr>
-            <a:lvl5pPr marL="4114800" indent="0">
+            <a:lvl5pPr marL="5760720" indent="0">
               <a:buNone/>
-              <a:defRPr sz="3600" b="1"/>
+              <a:defRPr sz="5040" b="1"/>
             </a:lvl5pPr>
-            <a:lvl6pPr marL="5143500" indent="0">
+            <a:lvl6pPr marL="7200900" indent="0">
               <a:buNone/>
-              <a:defRPr sz="3600" b="1"/>
+              <a:defRPr sz="5040" b="1"/>
             </a:lvl6pPr>
-            <a:lvl7pPr marL="6172200" indent="0">
+            <a:lvl7pPr marL="8641080" indent="0">
               <a:buNone/>
-              <a:defRPr sz="3600" b="1"/>
+              <a:defRPr sz="5040" b="1"/>
             </a:lvl7pPr>
-            <a:lvl8pPr marL="7200900" indent="0">
+            <a:lvl8pPr marL="10081260" indent="0">
               <a:buNone/>
-              <a:defRPr sz="3600" b="1"/>
+              <a:defRPr sz="5040" b="1"/>
             </a:lvl8pPr>
-            <a:lvl9pPr marL="8229600" indent="0">
+            <a:lvl9pPr marL="11521440" indent="0">
               <a:buNone/>
-              <a:defRPr sz="3600" b="1"/>
+              <a:defRPr sz="5040" b="1"/>
             </a:lvl9pPr>
           </a:lstStyle>
           <a:p>
@@ -1735,7 +1741,7 @@
           <p:cNvPr id="6" name="Content Placeholder 5">
             <a:extLst>
               <a:ext uri="{FF2B5EF4-FFF2-40B4-BE49-F238E27FC236}">
-                <a16:creationId xmlns:a16="http://schemas.microsoft.com/office/drawing/2014/main" id="{89E8FFE0-B616-C566-C4FD-0B0AECACBE40}"/>
+                <a16:creationId xmlns:a16="http://schemas.microsoft.com/office/drawing/2014/main" id="{6B8F24A4-3D46-D2EA-6812-852B4D3B5144}"/>
               </a:ext>
             </a:extLst>
           </p:cNvPr>
@@ -1748,8 +1754,8 @@
         </p:nvSpPr>
         <p:spPr>
           <a:xfrm>
-            <a:off x="13887450" y="13360400"/>
-            <a:ext cx="11662173" cy="19651136"/>
+            <a:off x="19442430" y="11022330"/>
+            <a:ext cx="16327042" cy="16212187"/>
           </a:xfrm>
         </p:spPr>
         <p:txBody>
@@ -1797,7 +1803,7 @@
           <p:cNvPr id="7" name="Date Placeholder 6">
             <a:extLst>
               <a:ext uri="{FF2B5EF4-FFF2-40B4-BE49-F238E27FC236}">
-                <a16:creationId xmlns:a16="http://schemas.microsoft.com/office/drawing/2014/main" id="{35557C7A-F85E-BDD6-C72F-81725F768E04}"/>
+                <a16:creationId xmlns:a16="http://schemas.microsoft.com/office/drawing/2014/main" id="{AFB8CA93-ACB9-8A2B-B0B7-9F00EC763A68}"/>
               </a:ext>
             </a:extLst>
           </p:cNvPr>
@@ -1815,7 +1821,7 @@
           <a:p>
             <a:fld id="{9CCAA44F-184F-4297-8D77-BED2E92183CB}" type="datetimeFigureOut">
               <a:rPr lang="en-US" smtClean="0"/>
-              <a:t>3/8/2023</a:t>
+              <a:t>4/1/2023</a:t>
             </a:fld>
             <a:endParaRPr lang="en-US"/>
           </a:p>
@@ -1826,7 +1832,7 @@
           <p:cNvPr id="8" name="Footer Placeholder 7">
             <a:extLst>
               <a:ext uri="{FF2B5EF4-FFF2-40B4-BE49-F238E27FC236}">
-                <a16:creationId xmlns:a16="http://schemas.microsoft.com/office/drawing/2014/main" id="{A4650A01-CE08-E347-EC0E-56ABAF958393}"/>
+                <a16:creationId xmlns:a16="http://schemas.microsoft.com/office/drawing/2014/main" id="{5374708A-56C2-B328-9742-B8CDD2E88B5A}"/>
               </a:ext>
             </a:extLst>
           </p:cNvPr>
@@ -1851,7 +1857,7 @@
           <p:cNvPr id="9" name="Slide Number Placeholder 8">
             <a:extLst>
               <a:ext uri="{FF2B5EF4-FFF2-40B4-BE49-F238E27FC236}">
-                <a16:creationId xmlns:a16="http://schemas.microsoft.com/office/drawing/2014/main" id="{43232EDD-44F4-E9B7-20F6-AB546D2CC4DA}"/>
+                <a16:creationId xmlns:a16="http://schemas.microsoft.com/office/drawing/2014/main" id="{A7CF9585-3B97-676E-9918-F3E95BF8ECD4}"/>
               </a:ext>
             </a:extLst>
           </p:cNvPr>
@@ -1878,7 +1884,7 @@
     </p:spTree>
     <p:extLst>
       <p:ext uri="{BB962C8B-B14F-4D97-AF65-F5344CB8AC3E}">
-        <p14:creationId xmlns:p14="http://schemas.microsoft.com/office/powerpoint/2010/main" val="4169356131"/>
+        <p14:creationId xmlns:p14="http://schemas.microsoft.com/office/powerpoint/2010/main" val="209643539"/>
       </p:ext>
     </p:extLst>
   </p:cSld>
@@ -1910,7 +1916,7 @@
           <p:cNvPr id="2" name="Title 1">
             <a:extLst>
               <a:ext uri="{FF2B5EF4-FFF2-40B4-BE49-F238E27FC236}">
-                <a16:creationId xmlns:a16="http://schemas.microsoft.com/office/drawing/2014/main" id="{5E5172C5-5891-03E8-C271-7DBB52A28C9B}"/>
+                <a16:creationId xmlns:a16="http://schemas.microsoft.com/office/drawing/2014/main" id="{044262A8-CE5C-8838-0145-B393595115B0}"/>
               </a:ext>
             </a:extLst>
           </p:cNvPr>
@@ -1938,7 +1944,7 @@
           <p:cNvPr id="3" name="Date Placeholder 2">
             <a:extLst>
               <a:ext uri="{FF2B5EF4-FFF2-40B4-BE49-F238E27FC236}">
-                <a16:creationId xmlns:a16="http://schemas.microsoft.com/office/drawing/2014/main" id="{243D2AB4-501E-C3B1-3974-54D5AA19596A}"/>
+                <a16:creationId xmlns:a16="http://schemas.microsoft.com/office/drawing/2014/main" id="{ADD5081D-B664-7789-44B2-29C904A690D8}"/>
               </a:ext>
             </a:extLst>
           </p:cNvPr>
@@ -1956,7 +1962,7 @@
           <a:p>
             <a:fld id="{9CCAA44F-184F-4297-8D77-BED2E92183CB}" type="datetimeFigureOut">
               <a:rPr lang="en-US" smtClean="0"/>
-              <a:t>3/8/2023</a:t>
+              <a:t>4/1/2023</a:t>
             </a:fld>
             <a:endParaRPr lang="en-US"/>
           </a:p>
@@ -1967,7 +1973,7 @@
           <p:cNvPr id="4" name="Footer Placeholder 3">
             <a:extLst>
               <a:ext uri="{FF2B5EF4-FFF2-40B4-BE49-F238E27FC236}">
-                <a16:creationId xmlns:a16="http://schemas.microsoft.com/office/drawing/2014/main" id="{E7C6A5E7-2E31-439E-868C-322EBB6348FC}"/>
+                <a16:creationId xmlns:a16="http://schemas.microsoft.com/office/drawing/2014/main" id="{7295A1F1-70F3-32BD-1241-F96F665CBCB9}"/>
               </a:ext>
             </a:extLst>
           </p:cNvPr>
@@ -1992,7 +1998,7 @@
           <p:cNvPr id="5" name="Slide Number Placeholder 4">
             <a:extLst>
               <a:ext uri="{FF2B5EF4-FFF2-40B4-BE49-F238E27FC236}">
-                <a16:creationId xmlns:a16="http://schemas.microsoft.com/office/drawing/2014/main" id="{93813700-7C14-7CA2-FEB9-9F0906AB9548}"/>
+                <a16:creationId xmlns:a16="http://schemas.microsoft.com/office/drawing/2014/main" id="{FCBEBEF4-86D6-B129-AA32-9ADE55D677CD}"/>
               </a:ext>
             </a:extLst>
           </p:cNvPr>
@@ -2019,7 +2025,7 @@
     </p:spTree>
     <p:extLst>
       <p:ext uri="{BB962C8B-B14F-4D97-AF65-F5344CB8AC3E}">
-        <p14:creationId xmlns:p14="http://schemas.microsoft.com/office/powerpoint/2010/main" val="3890250813"/>
+        <p14:creationId xmlns:p14="http://schemas.microsoft.com/office/powerpoint/2010/main" val="987958130"/>
       </p:ext>
     </p:extLst>
   </p:cSld>
@@ -2051,7 +2057,7 @@
           <p:cNvPr id="2" name="Date Placeholder 1">
             <a:extLst>
               <a:ext uri="{FF2B5EF4-FFF2-40B4-BE49-F238E27FC236}">
-                <a16:creationId xmlns:a16="http://schemas.microsoft.com/office/drawing/2014/main" id="{7D7FA95B-6455-8B0B-A1C2-60B7AA2FA5AC}"/>
+                <a16:creationId xmlns:a16="http://schemas.microsoft.com/office/drawing/2014/main" id="{9F2DFB96-A30F-E262-C479-2A86FA7A03CF}"/>
               </a:ext>
             </a:extLst>
           </p:cNvPr>
@@ -2069,7 +2075,7 @@
           <a:p>
             <a:fld id="{9CCAA44F-184F-4297-8D77-BED2E92183CB}" type="datetimeFigureOut">
               <a:rPr lang="en-US" smtClean="0"/>
-              <a:t>3/8/2023</a:t>
+              <a:t>4/1/2023</a:t>
             </a:fld>
             <a:endParaRPr lang="en-US"/>
           </a:p>
@@ -2080,7 +2086,7 @@
           <p:cNvPr id="3" name="Footer Placeholder 2">
             <a:extLst>
               <a:ext uri="{FF2B5EF4-FFF2-40B4-BE49-F238E27FC236}">
-                <a16:creationId xmlns:a16="http://schemas.microsoft.com/office/drawing/2014/main" id="{DEB606B4-CB56-87BC-7E02-E6B38B18BBA5}"/>
+                <a16:creationId xmlns:a16="http://schemas.microsoft.com/office/drawing/2014/main" id="{D9B52660-5F6C-568A-0CD8-16D88BD14C2C}"/>
               </a:ext>
             </a:extLst>
           </p:cNvPr>
@@ -2105,7 +2111,7 @@
           <p:cNvPr id="4" name="Slide Number Placeholder 3">
             <a:extLst>
               <a:ext uri="{FF2B5EF4-FFF2-40B4-BE49-F238E27FC236}">
-                <a16:creationId xmlns:a16="http://schemas.microsoft.com/office/drawing/2014/main" id="{DF61B855-2ADE-FBFF-CBA6-1D0F489348EA}"/>
+                <a16:creationId xmlns:a16="http://schemas.microsoft.com/office/drawing/2014/main" id="{5A849F86-3558-AF9D-F132-065D4343C9B6}"/>
               </a:ext>
             </a:extLst>
           </p:cNvPr>
@@ -2132,7 +2138,7 @@
     </p:spTree>
     <p:extLst>
       <p:ext uri="{BB962C8B-B14F-4D97-AF65-F5344CB8AC3E}">
-        <p14:creationId xmlns:p14="http://schemas.microsoft.com/office/powerpoint/2010/main" val="447952725"/>
+        <p14:creationId xmlns:p14="http://schemas.microsoft.com/office/powerpoint/2010/main" val="1383816464"/>
       </p:ext>
     </p:extLst>
   </p:cSld>
@@ -2164,7 +2170,7 @@
           <p:cNvPr id="2" name="Title 1">
             <a:extLst>
               <a:ext uri="{FF2B5EF4-FFF2-40B4-BE49-F238E27FC236}">
-                <a16:creationId xmlns:a16="http://schemas.microsoft.com/office/drawing/2014/main" id="{2A174238-8DA2-08AF-E917-C50EE0E9DD8E}"/>
+                <a16:creationId xmlns:a16="http://schemas.microsoft.com/office/drawing/2014/main" id="{E7020116-BEC9-1C2C-B387-7E6F11489416}"/>
               </a:ext>
             </a:extLst>
           </p:cNvPr>
@@ -2177,15 +2183,15 @@
         </p:nvSpPr>
         <p:spPr>
           <a:xfrm>
-            <a:off x="1889524" y="2438400"/>
-            <a:ext cx="8847533" cy="8534400"/>
+            <a:off x="2645334" y="2011680"/>
+            <a:ext cx="12386547" cy="7040880"/>
           </a:xfrm>
         </p:spPr>
         <p:txBody>
           <a:bodyPr anchor="b"/>
           <a:lstStyle>
             <a:lvl1pPr>
-              <a:defRPr sz="7200"/>
+              <a:defRPr sz="10080"/>
             </a:lvl1pPr>
           </a:lstStyle>
           <a:p>
@@ -2201,7 +2207,7 @@
           <p:cNvPr id="3" name="Content Placeholder 2">
             <a:extLst>
               <a:ext uri="{FF2B5EF4-FFF2-40B4-BE49-F238E27FC236}">
-                <a16:creationId xmlns:a16="http://schemas.microsoft.com/office/drawing/2014/main" id="{309A969C-821B-4BFE-1DBA-28F20B7C142A}"/>
+                <a16:creationId xmlns:a16="http://schemas.microsoft.com/office/drawing/2014/main" id="{829805ED-B8C6-3BF0-4B08-4FA35AA7F8FF}"/>
               </a:ext>
             </a:extLst>
           </p:cNvPr>
@@ -2214,39 +2220,39 @@
         </p:nvSpPr>
         <p:spPr>
           <a:xfrm>
-            <a:off x="11662173" y="5266269"/>
-            <a:ext cx="13887450" cy="25992667"/>
+            <a:off x="16327042" y="4344672"/>
+            <a:ext cx="19442430" cy="21443950"/>
           </a:xfrm>
         </p:spPr>
         <p:txBody>
           <a:bodyPr/>
           <a:lstStyle>
             <a:lvl1pPr>
-              <a:defRPr sz="7200"/>
+              <a:defRPr sz="10080"/>
             </a:lvl1pPr>
             <a:lvl2pPr>
-              <a:defRPr sz="6300"/>
+              <a:defRPr sz="8820"/>
             </a:lvl2pPr>
             <a:lvl3pPr>
-              <a:defRPr sz="5400"/>
+              <a:defRPr sz="7560"/>
             </a:lvl3pPr>
             <a:lvl4pPr>
-              <a:defRPr sz="4500"/>
+              <a:defRPr sz="6300"/>
             </a:lvl4pPr>
             <a:lvl5pPr>
-              <a:defRPr sz="4500"/>
+              <a:defRPr sz="6300"/>
             </a:lvl5pPr>
             <a:lvl6pPr>
-              <a:defRPr sz="4500"/>
+              <a:defRPr sz="6300"/>
             </a:lvl6pPr>
             <a:lvl7pPr>
-              <a:defRPr sz="4500"/>
+              <a:defRPr sz="6300"/>
             </a:lvl7pPr>
             <a:lvl8pPr>
-              <a:defRPr sz="4500"/>
+              <a:defRPr sz="6300"/>
             </a:lvl8pPr>
             <a:lvl9pPr>
-              <a:defRPr sz="4500"/>
+              <a:defRPr sz="6300"/>
             </a:lvl9pPr>
           </a:lstStyle>
           <a:p>
@@ -2291,7 +2297,7 @@
           <p:cNvPr id="4" name="Text Placeholder 3">
             <a:extLst>
               <a:ext uri="{FF2B5EF4-FFF2-40B4-BE49-F238E27FC236}">
-                <a16:creationId xmlns:a16="http://schemas.microsoft.com/office/drawing/2014/main" id="{20CFB5E5-9837-1B45-B873-3B593E0D6BB7}"/>
+                <a16:creationId xmlns:a16="http://schemas.microsoft.com/office/drawing/2014/main" id="{5942B3C4-B8E6-D18A-0B36-1E25AD0D23AD}"/>
               </a:ext>
             </a:extLst>
           </p:cNvPr>
@@ -2304,8 +2310,8 @@
         </p:nvSpPr>
         <p:spPr>
           <a:xfrm>
-            <a:off x="1889524" y="10972800"/>
-            <a:ext cx="8847533" cy="20328469"/>
+            <a:off x="2645334" y="9052560"/>
+            <a:ext cx="12386547" cy="16770987"/>
           </a:xfrm>
         </p:spPr>
         <p:txBody>
@@ -2313,39 +2319,39 @@
           <a:lstStyle>
             <a:lvl1pPr marL="0" indent="0">
               <a:buNone/>
-              <a:defRPr sz="3600"/>
+              <a:defRPr sz="5040"/>
             </a:lvl1pPr>
-            <a:lvl2pPr marL="1028700" indent="0">
+            <a:lvl2pPr marL="1440180" indent="0">
+              <a:buNone/>
+              <a:defRPr sz="4410"/>
+            </a:lvl2pPr>
+            <a:lvl3pPr marL="2880360" indent="0">
+              <a:buNone/>
+              <a:defRPr sz="3780"/>
+            </a:lvl3pPr>
+            <a:lvl4pPr marL="4320540" indent="0">
               <a:buNone/>
               <a:defRPr sz="3150"/>
-            </a:lvl2pPr>
-            <a:lvl3pPr marL="2057400" indent="0">
+            </a:lvl4pPr>
+            <a:lvl5pPr marL="5760720" indent="0">
               <a:buNone/>
-              <a:defRPr sz="2700"/>
-            </a:lvl3pPr>
-            <a:lvl4pPr marL="3086100" indent="0">
+              <a:defRPr sz="3150"/>
+            </a:lvl5pPr>
+            <a:lvl6pPr marL="7200900" indent="0">
               <a:buNone/>
-              <a:defRPr sz="2250"/>
-            </a:lvl4pPr>
-            <a:lvl5pPr marL="4114800" indent="0">
+              <a:defRPr sz="3150"/>
+            </a:lvl6pPr>
+            <a:lvl7pPr marL="8641080" indent="0">
               <a:buNone/>
-              <a:defRPr sz="2250"/>
-            </a:lvl5pPr>
-            <a:lvl6pPr marL="5143500" indent="0">
+              <a:defRPr sz="3150"/>
+            </a:lvl7pPr>
+            <a:lvl8pPr marL="10081260" indent="0">
               <a:buNone/>
-              <a:defRPr sz="2250"/>
-            </a:lvl6pPr>
-            <a:lvl7pPr marL="6172200" indent="0">
+              <a:defRPr sz="3150"/>
+            </a:lvl8pPr>
+            <a:lvl9pPr marL="11521440" indent="0">
               <a:buNone/>
-              <a:defRPr sz="2250"/>
-            </a:lvl7pPr>
-            <a:lvl8pPr marL="7200900" indent="0">
-              <a:buNone/>
-              <a:defRPr sz="2250"/>
-            </a:lvl8pPr>
-            <a:lvl9pPr marL="8229600" indent="0">
-              <a:buNone/>
-              <a:defRPr sz="2250"/>
+              <a:defRPr sz="3150"/>
             </a:lvl9pPr>
           </a:lstStyle>
           <a:p>
@@ -2362,7 +2368,7 @@
           <p:cNvPr id="5" name="Date Placeholder 4">
             <a:extLst>
               <a:ext uri="{FF2B5EF4-FFF2-40B4-BE49-F238E27FC236}">
-                <a16:creationId xmlns:a16="http://schemas.microsoft.com/office/drawing/2014/main" id="{B227B10B-B38F-B45D-EBA4-901C67842B0E}"/>
+                <a16:creationId xmlns:a16="http://schemas.microsoft.com/office/drawing/2014/main" id="{36BCABAC-08D0-CEB2-F7B9-028E6DFCDE78}"/>
               </a:ext>
             </a:extLst>
           </p:cNvPr>
@@ -2380,7 +2386,7 @@
           <a:p>
             <a:fld id="{9CCAA44F-184F-4297-8D77-BED2E92183CB}" type="datetimeFigureOut">
               <a:rPr lang="en-US" smtClean="0"/>
-              <a:t>3/8/2023</a:t>
+              <a:t>4/1/2023</a:t>
             </a:fld>
             <a:endParaRPr lang="en-US"/>
           </a:p>
@@ -2391,7 +2397,7 @@
           <p:cNvPr id="6" name="Footer Placeholder 5">
             <a:extLst>
               <a:ext uri="{FF2B5EF4-FFF2-40B4-BE49-F238E27FC236}">
-                <a16:creationId xmlns:a16="http://schemas.microsoft.com/office/drawing/2014/main" id="{56D04A35-18A3-E134-26D8-7ADCF915E4A0}"/>
+                <a16:creationId xmlns:a16="http://schemas.microsoft.com/office/drawing/2014/main" id="{C5A5E23B-27B1-41BA-EC07-376EB50E6976}"/>
               </a:ext>
             </a:extLst>
           </p:cNvPr>
@@ -2416,7 +2422,7 @@
           <p:cNvPr id="7" name="Slide Number Placeholder 6">
             <a:extLst>
               <a:ext uri="{FF2B5EF4-FFF2-40B4-BE49-F238E27FC236}">
-                <a16:creationId xmlns:a16="http://schemas.microsoft.com/office/drawing/2014/main" id="{03E6C19E-A946-475A-10D5-DBDF78C8976A}"/>
+                <a16:creationId xmlns:a16="http://schemas.microsoft.com/office/drawing/2014/main" id="{7F3E7391-06FA-3587-4BCE-43C4275BD9E2}"/>
               </a:ext>
             </a:extLst>
           </p:cNvPr>
@@ -2443,7 +2449,7 @@
     </p:spTree>
     <p:extLst>
       <p:ext uri="{BB962C8B-B14F-4D97-AF65-F5344CB8AC3E}">
-        <p14:creationId xmlns:p14="http://schemas.microsoft.com/office/powerpoint/2010/main" val="430573032"/>
+        <p14:creationId xmlns:p14="http://schemas.microsoft.com/office/powerpoint/2010/main" val="983028391"/>
       </p:ext>
     </p:extLst>
   </p:cSld>
@@ -2475,7 +2481,7 @@
           <p:cNvPr id="2" name="Title 1">
             <a:extLst>
               <a:ext uri="{FF2B5EF4-FFF2-40B4-BE49-F238E27FC236}">
-                <a16:creationId xmlns:a16="http://schemas.microsoft.com/office/drawing/2014/main" id="{CDE1DA0C-B9DB-6230-291D-E5A1E9B4E60C}"/>
+                <a16:creationId xmlns:a16="http://schemas.microsoft.com/office/drawing/2014/main" id="{1CDBD54C-D953-4B61-918E-05745C451668}"/>
               </a:ext>
             </a:extLst>
           </p:cNvPr>
@@ -2488,15 +2494,15 @@
         </p:nvSpPr>
         <p:spPr>
           <a:xfrm>
-            <a:off x="1889524" y="2438400"/>
-            <a:ext cx="8847533" cy="8534400"/>
+            <a:off x="2645334" y="2011680"/>
+            <a:ext cx="12386547" cy="7040880"/>
           </a:xfrm>
         </p:spPr>
         <p:txBody>
           <a:bodyPr anchor="b"/>
           <a:lstStyle>
             <a:lvl1pPr>
-              <a:defRPr sz="7200"/>
+              <a:defRPr sz="10080"/>
             </a:lvl1pPr>
           </a:lstStyle>
           <a:p>
@@ -2512,7 +2518,7 @@
           <p:cNvPr id="3" name="Picture Placeholder 2">
             <a:extLst>
               <a:ext uri="{FF2B5EF4-FFF2-40B4-BE49-F238E27FC236}">
-                <a16:creationId xmlns:a16="http://schemas.microsoft.com/office/drawing/2014/main" id="{CE43E31D-5DCD-4E9B-BD3D-3CE1D0973552}"/>
+                <a16:creationId xmlns:a16="http://schemas.microsoft.com/office/drawing/2014/main" id="{F0350B7C-DEAF-8DDD-4433-9288C6553F47}"/>
               </a:ext>
             </a:extLst>
           </p:cNvPr>
@@ -2525,8 +2531,8 @@
         </p:nvSpPr>
         <p:spPr>
           <a:xfrm>
-            <a:off x="11662173" y="5266269"/>
-            <a:ext cx="13887450" cy="25992667"/>
+            <a:off x="16327042" y="4344672"/>
+            <a:ext cx="19442430" cy="21443950"/>
           </a:xfrm>
         </p:spPr>
         <p:txBody>
@@ -2534,39 +2540,39 @@
           <a:lstStyle>
             <a:lvl1pPr marL="0" indent="0">
               <a:buNone/>
-              <a:defRPr sz="7200"/>
+              <a:defRPr sz="10080"/>
             </a:lvl1pPr>
-            <a:lvl2pPr marL="1028700" indent="0">
+            <a:lvl2pPr marL="1440180" indent="0">
+              <a:buNone/>
+              <a:defRPr sz="8820"/>
+            </a:lvl2pPr>
+            <a:lvl3pPr marL="2880360" indent="0">
+              <a:buNone/>
+              <a:defRPr sz="7560"/>
+            </a:lvl3pPr>
+            <a:lvl4pPr marL="4320540" indent="0">
               <a:buNone/>
               <a:defRPr sz="6300"/>
-            </a:lvl2pPr>
-            <a:lvl3pPr marL="2057400" indent="0">
+            </a:lvl4pPr>
+            <a:lvl5pPr marL="5760720" indent="0">
               <a:buNone/>
-              <a:defRPr sz="5400"/>
-            </a:lvl3pPr>
-            <a:lvl4pPr marL="3086100" indent="0">
+              <a:defRPr sz="6300"/>
+            </a:lvl5pPr>
+            <a:lvl6pPr marL="7200900" indent="0">
               <a:buNone/>
-              <a:defRPr sz="4500"/>
-            </a:lvl4pPr>
-            <a:lvl5pPr marL="4114800" indent="0">
+              <a:defRPr sz="6300"/>
+            </a:lvl6pPr>
+            <a:lvl7pPr marL="8641080" indent="0">
               <a:buNone/>
-              <a:defRPr sz="4500"/>
-            </a:lvl5pPr>
-            <a:lvl6pPr marL="5143500" indent="0">
+              <a:defRPr sz="6300"/>
+            </a:lvl7pPr>
+            <a:lvl8pPr marL="10081260" indent="0">
               <a:buNone/>
-              <a:defRPr sz="4500"/>
-            </a:lvl6pPr>
-            <a:lvl7pPr marL="6172200" indent="0">
+              <a:defRPr sz="6300"/>
+            </a:lvl8pPr>
+            <a:lvl9pPr marL="11521440" indent="0">
               <a:buNone/>
-              <a:defRPr sz="4500"/>
-            </a:lvl7pPr>
-            <a:lvl8pPr marL="7200900" indent="0">
-              <a:buNone/>
-              <a:defRPr sz="4500"/>
-            </a:lvl8pPr>
-            <a:lvl9pPr marL="8229600" indent="0">
-              <a:buNone/>
-              <a:defRPr sz="4500"/>
+              <a:defRPr sz="6300"/>
             </a:lvl9pPr>
           </a:lstStyle>
           <a:p>
@@ -2579,7 +2585,7 @@
           <p:cNvPr id="4" name="Text Placeholder 3">
             <a:extLst>
               <a:ext uri="{FF2B5EF4-FFF2-40B4-BE49-F238E27FC236}">
-                <a16:creationId xmlns:a16="http://schemas.microsoft.com/office/drawing/2014/main" id="{3C295B0F-B7F3-0FBE-F950-E4869E7635F0}"/>
+                <a16:creationId xmlns:a16="http://schemas.microsoft.com/office/drawing/2014/main" id="{C3CC0C44-035A-5255-6BF1-0525C7ADF810}"/>
               </a:ext>
             </a:extLst>
           </p:cNvPr>
@@ -2592,8 +2598,8 @@
         </p:nvSpPr>
         <p:spPr>
           <a:xfrm>
-            <a:off x="1889524" y="10972800"/>
-            <a:ext cx="8847533" cy="20328469"/>
+            <a:off x="2645334" y="9052560"/>
+            <a:ext cx="12386547" cy="16770987"/>
           </a:xfrm>
         </p:spPr>
         <p:txBody>
@@ -2601,39 +2607,39 @@
           <a:lstStyle>
             <a:lvl1pPr marL="0" indent="0">
               <a:buNone/>
-              <a:defRPr sz="3600"/>
+              <a:defRPr sz="5040"/>
             </a:lvl1pPr>
-            <a:lvl2pPr marL="1028700" indent="0">
+            <a:lvl2pPr marL="1440180" indent="0">
+              <a:buNone/>
+              <a:defRPr sz="4410"/>
+            </a:lvl2pPr>
+            <a:lvl3pPr marL="2880360" indent="0">
+              <a:buNone/>
+              <a:defRPr sz="3780"/>
+            </a:lvl3pPr>
+            <a:lvl4pPr marL="4320540" indent="0">
               <a:buNone/>
               <a:defRPr sz="3150"/>
-            </a:lvl2pPr>
-            <a:lvl3pPr marL="2057400" indent="0">
+            </a:lvl4pPr>
+            <a:lvl5pPr marL="5760720" indent="0">
               <a:buNone/>
-              <a:defRPr sz="2700"/>
-            </a:lvl3pPr>
-            <a:lvl4pPr marL="3086100" indent="0">
+              <a:defRPr sz="3150"/>
+            </a:lvl5pPr>
+            <a:lvl6pPr marL="7200900" indent="0">
               <a:buNone/>
-              <a:defRPr sz="2250"/>
-            </a:lvl4pPr>
-            <a:lvl5pPr marL="4114800" indent="0">
+              <a:defRPr sz="3150"/>
+            </a:lvl6pPr>
+            <a:lvl7pPr marL="8641080" indent="0">
               <a:buNone/>
-              <a:defRPr sz="2250"/>
-            </a:lvl5pPr>
-            <a:lvl6pPr marL="5143500" indent="0">
+              <a:defRPr sz="3150"/>
+            </a:lvl7pPr>
+            <a:lvl8pPr marL="10081260" indent="0">
               <a:buNone/>
-              <a:defRPr sz="2250"/>
-            </a:lvl6pPr>
-            <a:lvl7pPr marL="6172200" indent="0">
+              <a:defRPr sz="3150"/>
+            </a:lvl8pPr>
+            <a:lvl9pPr marL="11521440" indent="0">
               <a:buNone/>
-              <a:defRPr sz="2250"/>
-            </a:lvl7pPr>
-            <a:lvl8pPr marL="7200900" indent="0">
-              <a:buNone/>
-              <a:defRPr sz="2250"/>
-            </a:lvl8pPr>
-            <a:lvl9pPr marL="8229600" indent="0">
-              <a:buNone/>
-              <a:defRPr sz="2250"/>
+              <a:defRPr sz="3150"/>
             </a:lvl9pPr>
           </a:lstStyle>
           <a:p>
@@ -2650,7 +2656,7 @@
           <p:cNvPr id="5" name="Date Placeholder 4">
             <a:extLst>
               <a:ext uri="{FF2B5EF4-FFF2-40B4-BE49-F238E27FC236}">
-                <a16:creationId xmlns:a16="http://schemas.microsoft.com/office/drawing/2014/main" id="{B19FDDE0-590B-8924-8587-8D3AA4773686}"/>
+                <a16:creationId xmlns:a16="http://schemas.microsoft.com/office/drawing/2014/main" id="{CEDAD356-E014-9612-DEFE-5AD617FD6FDE}"/>
               </a:ext>
             </a:extLst>
           </p:cNvPr>
@@ -2668,7 +2674,7 @@
           <a:p>
             <a:fld id="{9CCAA44F-184F-4297-8D77-BED2E92183CB}" type="datetimeFigureOut">
               <a:rPr lang="en-US" smtClean="0"/>
-              <a:t>3/8/2023</a:t>
+              <a:t>4/1/2023</a:t>
             </a:fld>
             <a:endParaRPr lang="en-US"/>
           </a:p>
@@ -2679,7 +2685,7 @@
           <p:cNvPr id="6" name="Footer Placeholder 5">
             <a:extLst>
               <a:ext uri="{FF2B5EF4-FFF2-40B4-BE49-F238E27FC236}">
-                <a16:creationId xmlns:a16="http://schemas.microsoft.com/office/drawing/2014/main" id="{F8F267A7-4496-4A1D-00E6-ABA93C7554E3}"/>
+                <a16:creationId xmlns:a16="http://schemas.microsoft.com/office/drawing/2014/main" id="{B5BEDA88-9A15-051B-C3F9-291FD8BD4514}"/>
               </a:ext>
             </a:extLst>
           </p:cNvPr>
@@ -2704,7 +2710,7 @@
           <p:cNvPr id="7" name="Slide Number Placeholder 6">
             <a:extLst>
               <a:ext uri="{FF2B5EF4-FFF2-40B4-BE49-F238E27FC236}">
-                <a16:creationId xmlns:a16="http://schemas.microsoft.com/office/drawing/2014/main" id="{AB22C322-64F4-921B-B251-8FC2C4568D9E}"/>
+                <a16:creationId xmlns:a16="http://schemas.microsoft.com/office/drawing/2014/main" id="{FD6DCFC3-C205-5EF9-B66D-21EE8B5D479D}"/>
               </a:ext>
             </a:extLst>
           </p:cNvPr>
@@ -2731,7 +2737,7 @@
     </p:spTree>
     <p:extLst>
       <p:ext uri="{BB962C8B-B14F-4D97-AF65-F5344CB8AC3E}">
-        <p14:creationId xmlns:p14="http://schemas.microsoft.com/office/powerpoint/2010/main" val="199551692"/>
+        <p14:creationId xmlns:p14="http://schemas.microsoft.com/office/powerpoint/2010/main" val="3537456177"/>
       </p:ext>
     </p:extLst>
   </p:cSld>
@@ -2768,7 +2774,7 @@
           <p:cNvPr id="2" name="Title Placeholder 1">
             <a:extLst>
               <a:ext uri="{FF2B5EF4-FFF2-40B4-BE49-F238E27FC236}">
-                <a16:creationId xmlns:a16="http://schemas.microsoft.com/office/drawing/2014/main" id="{2EA139E1-3BBF-BA80-60A3-A3EB7C608B4F}"/>
+                <a16:creationId xmlns:a16="http://schemas.microsoft.com/office/drawing/2014/main" id="{6F49C496-D649-5A2F-038A-29280F803025}"/>
               </a:ext>
             </a:extLst>
           </p:cNvPr>
@@ -2781,8 +2787,8 @@
         </p:nvSpPr>
         <p:spPr>
           <a:xfrm>
-            <a:off x="1885950" y="1947336"/>
-            <a:ext cx="23660100" cy="7069669"/>
+            <a:off x="2640330" y="1606552"/>
+            <a:ext cx="33124140" cy="5832477"/>
           </a:xfrm>
           <a:prstGeom prst="rect">
             <a:avLst/>
@@ -2806,7 +2812,7 @@
           <p:cNvPr id="3" name="Text Placeholder 2">
             <a:extLst>
               <a:ext uri="{FF2B5EF4-FFF2-40B4-BE49-F238E27FC236}">
-                <a16:creationId xmlns:a16="http://schemas.microsoft.com/office/drawing/2014/main" id="{D6A7D80F-EFD1-F4E1-B087-BFACBF2F75ED}"/>
+                <a16:creationId xmlns:a16="http://schemas.microsoft.com/office/drawing/2014/main" id="{835EF20D-65E3-49AA-1D2C-AD837EF39881}"/>
               </a:ext>
             </a:extLst>
           </p:cNvPr>
@@ -2819,8 +2825,8 @@
         </p:nvSpPr>
         <p:spPr>
           <a:xfrm>
-            <a:off x="1885950" y="9736667"/>
-            <a:ext cx="23660100" cy="23207136"/>
+            <a:off x="2640330" y="8032750"/>
+            <a:ext cx="33124140" cy="19145887"/>
           </a:xfrm>
           <a:prstGeom prst="rect">
             <a:avLst/>
@@ -2873,7 +2879,7 @@
           <p:cNvPr id="4" name="Date Placeholder 3">
             <a:extLst>
               <a:ext uri="{FF2B5EF4-FFF2-40B4-BE49-F238E27FC236}">
-                <a16:creationId xmlns:a16="http://schemas.microsoft.com/office/drawing/2014/main" id="{3F1765A2-B04B-9A8A-5C86-FDA168293D1E}"/>
+                <a16:creationId xmlns:a16="http://schemas.microsoft.com/office/drawing/2014/main" id="{3AC7009C-299C-8D57-4D38-F140AA4491FD}"/>
               </a:ext>
             </a:extLst>
           </p:cNvPr>
@@ -2886,8 +2892,8 @@
         </p:nvSpPr>
         <p:spPr>
           <a:xfrm>
-            <a:off x="1885950" y="33900536"/>
-            <a:ext cx="6172200" cy="1947333"/>
+            <a:off x="2640330" y="27967942"/>
+            <a:ext cx="8641080" cy="1606550"/>
           </a:xfrm>
           <a:prstGeom prst="rect">
             <a:avLst/>
@@ -2897,7 +2903,7 @@
           <a:bodyPr vert="horz" lIns="91440" tIns="45720" rIns="91440" bIns="45720" rtlCol="0" anchor="ctr"/>
           <a:lstStyle>
             <a:lvl1pPr algn="l">
-              <a:defRPr sz="2700">
+              <a:defRPr sz="3780">
                 <a:solidFill>
                   <a:schemeClr val="tx1">
                     <a:tint val="75000"/>
@@ -2909,7 +2915,7 @@
           <a:p>
             <a:fld id="{9CCAA44F-184F-4297-8D77-BED2E92183CB}" type="datetimeFigureOut">
               <a:rPr lang="en-US" smtClean="0"/>
-              <a:t>3/8/2023</a:t>
+              <a:t>4/1/2023</a:t>
             </a:fld>
             <a:endParaRPr lang="en-US"/>
           </a:p>
@@ -2920,7 +2926,7 @@
           <p:cNvPr id="5" name="Footer Placeholder 4">
             <a:extLst>
               <a:ext uri="{FF2B5EF4-FFF2-40B4-BE49-F238E27FC236}">
-                <a16:creationId xmlns:a16="http://schemas.microsoft.com/office/drawing/2014/main" id="{06FCABF4-79ED-4DD7-B81D-2F254707161E}"/>
+                <a16:creationId xmlns:a16="http://schemas.microsoft.com/office/drawing/2014/main" id="{7B019540-3552-C891-B799-E14F14FFF3B9}"/>
               </a:ext>
             </a:extLst>
           </p:cNvPr>
@@ -2933,8 +2939,8 @@
         </p:nvSpPr>
         <p:spPr>
           <a:xfrm>
-            <a:off x="9086850" y="33900536"/>
-            <a:ext cx="9258300" cy="1947333"/>
+            <a:off x="12721590" y="27967942"/>
+            <a:ext cx="12961620" cy="1606550"/>
           </a:xfrm>
           <a:prstGeom prst="rect">
             <a:avLst/>
@@ -2944,7 +2950,7 @@
           <a:bodyPr vert="horz" lIns="91440" tIns="45720" rIns="91440" bIns="45720" rtlCol="0" anchor="ctr"/>
           <a:lstStyle>
             <a:lvl1pPr algn="ctr">
-              <a:defRPr sz="2700">
+              <a:defRPr sz="3780">
                 <a:solidFill>
                   <a:schemeClr val="tx1">
                     <a:tint val="75000"/>
@@ -2963,7 +2969,7 @@
           <p:cNvPr id="6" name="Slide Number Placeholder 5">
             <a:extLst>
               <a:ext uri="{FF2B5EF4-FFF2-40B4-BE49-F238E27FC236}">
-                <a16:creationId xmlns:a16="http://schemas.microsoft.com/office/drawing/2014/main" id="{1EA0A108-F2E8-DA92-268F-4C33D498219E}"/>
+                <a16:creationId xmlns:a16="http://schemas.microsoft.com/office/drawing/2014/main" id="{ADE7B4F7-8385-3728-DE9F-1757B43B6533}"/>
               </a:ext>
             </a:extLst>
           </p:cNvPr>
@@ -2976,8 +2982,8 @@
         </p:nvSpPr>
         <p:spPr>
           <a:xfrm>
-            <a:off x="19373850" y="33900536"/>
-            <a:ext cx="6172200" cy="1947333"/>
+            <a:off x="27123390" y="27967942"/>
+            <a:ext cx="8641080" cy="1606550"/>
           </a:xfrm>
           <a:prstGeom prst="rect">
             <a:avLst/>
@@ -2987,7 +2993,7 @@
           <a:bodyPr vert="horz" lIns="91440" tIns="45720" rIns="91440" bIns="45720" rtlCol="0" anchor="ctr"/>
           <a:lstStyle>
             <a:lvl1pPr algn="r">
-              <a:defRPr sz="2700">
+              <a:defRPr sz="3780">
                 <a:solidFill>
                   <a:schemeClr val="tx1">
                     <a:tint val="75000"/>
@@ -3008,27 +3014,27 @@
     </p:spTree>
     <p:extLst>
       <p:ext uri="{BB962C8B-B14F-4D97-AF65-F5344CB8AC3E}">
-        <p14:creationId xmlns:p14="http://schemas.microsoft.com/office/powerpoint/2010/main" val="971888962"/>
+        <p14:creationId xmlns:p14="http://schemas.microsoft.com/office/powerpoint/2010/main" val="2446907976"/>
       </p:ext>
     </p:extLst>
   </p:cSld>
   <p:clrMap bg1="lt1" tx1="dk1" bg2="lt2" tx2="dk2" accent1="accent1" accent2="accent2" accent3="accent3" accent4="accent4" accent5="accent5" accent6="accent6" hlink="hlink" folHlink="folHlink"/>
   <p:sldLayoutIdLst>
-    <p:sldLayoutId id="2147483709" r:id="rId1"/>
-    <p:sldLayoutId id="2147483710" r:id="rId2"/>
-    <p:sldLayoutId id="2147483711" r:id="rId3"/>
-    <p:sldLayoutId id="2147483712" r:id="rId4"/>
-    <p:sldLayoutId id="2147483713" r:id="rId5"/>
-    <p:sldLayoutId id="2147483714" r:id="rId6"/>
-    <p:sldLayoutId id="2147483715" r:id="rId7"/>
-    <p:sldLayoutId id="2147483716" r:id="rId8"/>
-    <p:sldLayoutId id="2147483717" r:id="rId9"/>
-    <p:sldLayoutId id="2147483718" r:id="rId10"/>
-    <p:sldLayoutId id="2147483719" r:id="rId11"/>
+    <p:sldLayoutId id="2147483835" r:id="rId1"/>
+    <p:sldLayoutId id="2147483836" r:id="rId2"/>
+    <p:sldLayoutId id="2147483837" r:id="rId3"/>
+    <p:sldLayoutId id="2147483838" r:id="rId4"/>
+    <p:sldLayoutId id="2147483839" r:id="rId5"/>
+    <p:sldLayoutId id="2147483840" r:id="rId6"/>
+    <p:sldLayoutId id="2147483841" r:id="rId7"/>
+    <p:sldLayoutId id="2147483842" r:id="rId8"/>
+    <p:sldLayoutId id="2147483843" r:id="rId9"/>
+    <p:sldLayoutId id="2147483844" r:id="rId10"/>
+    <p:sldLayoutId id="2147483845" r:id="rId11"/>
   </p:sldLayoutIdLst>
   <p:txStyles>
     <p:titleStyle>
-      <a:lvl1pPr algn="l" defTabSz="2057400" rtl="0" eaLnBrk="1" latinLnBrk="0" hangingPunct="1">
+      <a:lvl1pPr algn="l" defTabSz="2880360" rtl="0" eaLnBrk="1" latinLnBrk="0" hangingPunct="1">
         <a:lnSpc>
           <a:spcPct val="90000"/>
         </a:lnSpc>
@@ -3036,7 +3042,7 @@
           <a:spcPct val="0"/>
         </a:spcBef>
         <a:buNone/>
-        <a:defRPr sz="9900" kern="1200">
+        <a:defRPr sz="13860" kern="1200">
           <a:solidFill>
             <a:schemeClr val="tx1"/>
           </a:solidFill>
@@ -3047,12 +3053,48 @@
       </a:lvl1pPr>
     </p:titleStyle>
     <p:bodyStyle>
-      <a:lvl1pPr marL="514350" indent="-514350" algn="l" defTabSz="2057400" rtl="0" eaLnBrk="1" latinLnBrk="0" hangingPunct="1">
+      <a:lvl1pPr marL="720090" indent="-720090" algn="l" defTabSz="2880360" rtl="0" eaLnBrk="1" latinLnBrk="0" hangingPunct="1">
         <a:lnSpc>
           <a:spcPct val="90000"/>
         </a:lnSpc>
         <a:spcBef>
-          <a:spcPts val="2250"/>
+          <a:spcPts val="3150"/>
+        </a:spcBef>
+        <a:buFont typeface="Arial" panose="020B0604020202020204" pitchFamily="34" charset="0"/>
+        <a:buChar char="•"/>
+        <a:defRPr sz="8820" kern="1200">
+          <a:solidFill>
+            <a:schemeClr val="tx1"/>
+          </a:solidFill>
+          <a:latin typeface="+mn-lt"/>
+          <a:ea typeface="+mn-ea"/>
+          <a:cs typeface="+mn-cs"/>
+        </a:defRPr>
+      </a:lvl1pPr>
+      <a:lvl2pPr marL="2160270" indent="-720090" algn="l" defTabSz="2880360" rtl="0" eaLnBrk="1" latinLnBrk="0" hangingPunct="1">
+        <a:lnSpc>
+          <a:spcPct val="90000"/>
+        </a:lnSpc>
+        <a:spcBef>
+          <a:spcPts val="1575"/>
+        </a:spcBef>
+        <a:buFont typeface="Arial" panose="020B0604020202020204" pitchFamily="34" charset="0"/>
+        <a:buChar char="•"/>
+        <a:defRPr sz="7560" kern="1200">
+          <a:solidFill>
+            <a:schemeClr val="tx1"/>
+          </a:solidFill>
+          <a:latin typeface="+mn-lt"/>
+          <a:ea typeface="+mn-ea"/>
+          <a:cs typeface="+mn-cs"/>
+        </a:defRPr>
+      </a:lvl2pPr>
+      <a:lvl3pPr marL="3600450" indent="-720090" algn="l" defTabSz="2880360" rtl="0" eaLnBrk="1" latinLnBrk="0" hangingPunct="1">
+        <a:lnSpc>
+          <a:spcPct val="90000"/>
+        </a:lnSpc>
+        <a:spcBef>
+          <a:spcPts val="1575"/>
         </a:spcBef>
         <a:buFont typeface="Arial" panose="020B0604020202020204" pitchFamily="34" charset="0"/>
         <a:buChar char="•"/>
@@ -3064,53 +3106,17 @@
           <a:ea typeface="+mn-ea"/>
           <a:cs typeface="+mn-cs"/>
         </a:defRPr>
-      </a:lvl1pPr>
-      <a:lvl2pPr marL="1543050" indent="-514350" algn="l" defTabSz="2057400" rtl="0" eaLnBrk="1" latinLnBrk="0" hangingPunct="1">
+      </a:lvl3pPr>
+      <a:lvl4pPr marL="5040630" indent="-720090" algn="l" defTabSz="2880360" rtl="0" eaLnBrk="1" latinLnBrk="0" hangingPunct="1">
         <a:lnSpc>
           <a:spcPct val="90000"/>
         </a:lnSpc>
         <a:spcBef>
-          <a:spcPts val="1125"/>
+          <a:spcPts val="1575"/>
         </a:spcBef>
         <a:buFont typeface="Arial" panose="020B0604020202020204" pitchFamily="34" charset="0"/>
         <a:buChar char="•"/>
-        <a:defRPr sz="5400" kern="1200">
-          <a:solidFill>
-            <a:schemeClr val="tx1"/>
-          </a:solidFill>
-          <a:latin typeface="+mn-lt"/>
-          <a:ea typeface="+mn-ea"/>
-          <a:cs typeface="+mn-cs"/>
-        </a:defRPr>
-      </a:lvl2pPr>
-      <a:lvl3pPr marL="2571750" indent="-514350" algn="l" defTabSz="2057400" rtl="0" eaLnBrk="1" latinLnBrk="0" hangingPunct="1">
-        <a:lnSpc>
-          <a:spcPct val="90000"/>
-        </a:lnSpc>
-        <a:spcBef>
-          <a:spcPts val="1125"/>
-        </a:spcBef>
-        <a:buFont typeface="Arial" panose="020B0604020202020204" pitchFamily="34" charset="0"/>
-        <a:buChar char="•"/>
-        <a:defRPr sz="4500" kern="1200">
-          <a:solidFill>
-            <a:schemeClr val="tx1"/>
-          </a:solidFill>
-          <a:latin typeface="+mn-lt"/>
-          <a:ea typeface="+mn-ea"/>
-          <a:cs typeface="+mn-cs"/>
-        </a:defRPr>
-      </a:lvl3pPr>
-      <a:lvl4pPr marL="3600450" indent="-514350" algn="l" defTabSz="2057400" rtl="0" eaLnBrk="1" latinLnBrk="0" hangingPunct="1">
-        <a:lnSpc>
-          <a:spcPct val="90000"/>
-        </a:lnSpc>
-        <a:spcBef>
-          <a:spcPts val="1125"/>
-        </a:spcBef>
-        <a:buFont typeface="Arial" panose="020B0604020202020204" pitchFamily="34" charset="0"/>
-        <a:buChar char="•"/>
-        <a:defRPr sz="4050" kern="1200">
+        <a:defRPr sz="5670" kern="1200">
           <a:solidFill>
             <a:schemeClr val="tx1"/>
           </a:solidFill>
@@ -3119,16 +3125,16 @@
           <a:cs typeface="+mn-cs"/>
         </a:defRPr>
       </a:lvl4pPr>
-      <a:lvl5pPr marL="4629150" indent="-514350" algn="l" defTabSz="2057400" rtl="0" eaLnBrk="1" latinLnBrk="0" hangingPunct="1">
+      <a:lvl5pPr marL="6480810" indent="-720090" algn="l" defTabSz="2880360" rtl="0" eaLnBrk="1" latinLnBrk="0" hangingPunct="1">
         <a:lnSpc>
           <a:spcPct val="90000"/>
         </a:lnSpc>
         <a:spcBef>
-          <a:spcPts val="1125"/>
+          <a:spcPts val="1575"/>
         </a:spcBef>
         <a:buFont typeface="Arial" panose="020B0604020202020204" pitchFamily="34" charset="0"/>
         <a:buChar char="•"/>
-        <a:defRPr sz="4050" kern="1200">
+        <a:defRPr sz="5670" kern="1200">
           <a:solidFill>
             <a:schemeClr val="tx1"/>
           </a:solidFill>
@@ -3137,16 +3143,16 @@
           <a:cs typeface="+mn-cs"/>
         </a:defRPr>
       </a:lvl5pPr>
-      <a:lvl6pPr marL="5657850" indent="-514350" algn="l" defTabSz="2057400" rtl="0" eaLnBrk="1" latinLnBrk="0" hangingPunct="1">
+      <a:lvl6pPr marL="7920990" indent="-720090" algn="l" defTabSz="2880360" rtl="0" eaLnBrk="1" latinLnBrk="0" hangingPunct="1">
         <a:lnSpc>
           <a:spcPct val="90000"/>
         </a:lnSpc>
         <a:spcBef>
-          <a:spcPts val="1125"/>
+          <a:spcPts val="1575"/>
         </a:spcBef>
         <a:buFont typeface="Arial" panose="020B0604020202020204" pitchFamily="34" charset="0"/>
         <a:buChar char="•"/>
-        <a:defRPr sz="4050" kern="1200">
+        <a:defRPr sz="5670" kern="1200">
           <a:solidFill>
             <a:schemeClr val="tx1"/>
           </a:solidFill>
@@ -3155,16 +3161,16 @@
           <a:cs typeface="+mn-cs"/>
         </a:defRPr>
       </a:lvl6pPr>
-      <a:lvl7pPr marL="6686550" indent="-514350" algn="l" defTabSz="2057400" rtl="0" eaLnBrk="1" latinLnBrk="0" hangingPunct="1">
+      <a:lvl7pPr marL="9361170" indent="-720090" algn="l" defTabSz="2880360" rtl="0" eaLnBrk="1" latinLnBrk="0" hangingPunct="1">
         <a:lnSpc>
           <a:spcPct val="90000"/>
         </a:lnSpc>
         <a:spcBef>
-          <a:spcPts val="1125"/>
+          <a:spcPts val="1575"/>
         </a:spcBef>
         <a:buFont typeface="Arial" panose="020B0604020202020204" pitchFamily="34" charset="0"/>
         <a:buChar char="•"/>
-        <a:defRPr sz="4050" kern="1200">
+        <a:defRPr sz="5670" kern="1200">
           <a:solidFill>
             <a:schemeClr val="tx1"/>
           </a:solidFill>
@@ -3173,16 +3179,16 @@
           <a:cs typeface="+mn-cs"/>
         </a:defRPr>
       </a:lvl7pPr>
-      <a:lvl8pPr marL="7715250" indent="-514350" algn="l" defTabSz="2057400" rtl="0" eaLnBrk="1" latinLnBrk="0" hangingPunct="1">
+      <a:lvl8pPr marL="10801350" indent="-720090" algn="l" defTabSz="2880360" rtl="0" eaLnBrk="1" latinLnBrk="0" hangingPunct="1">
         <a:lnSpc>
           <a:spcPct val="90000"/>
         </a:lnSpc>
         <a:spcBef>
-          <a:spcPts val="1125"/>
+          <a:spcPts val="1575"/>
         </a:spcBef>
         <a:buFont typeface="Arial" panose="020B0604020202020204" pitchFamily="34" charset="0"/>
         <a:buChar char="•"/>
-        <a:defRPr sz="4050" kern="1200">
+        <a:defRPr sz="5670" kern="1200">
           <a:solidFill>
             <a:schemeClr val="tx1"/>
           </a:solidFill>
@@ -3191,16 +3197,16 @@
           <a:cs typeface="+mn-cs"/>
         </a:defRPr>
       </a:lvl8pPr>
-      <a:lvl9pPr marL="8743950" indent="-514350" algn="l" defTabSz="2057400" rtl="0" eaLnBrk="1" latinLnBrk="0" hangingPunct="1">
+      <a:lvl9pPr marL="12241530" indent="-720090" algn="l" defTabSz="2880360" rtl="0" eaLnBrk="1" latinLnBrk="0" hangingPunct="1">
         <a:lnSpc>
           <a:spcPct val="90000"/>
         </a:lnSpc>
         <a:spcBef>
-          <a:spcPts val="1125"/>
+          <a:spcPts val="1575"/>
         </a:spcBef>
         <a:buFont typeface="Arial" panose="020B0604020202020204" pitchFamily="34" charset="0"/>
         <a:buChar char="•"/>
-        <a:defRPr sz="4050" kern="1200">
+        <a:defRPr sz="5670" kern="1200">
           <a:solidFill>
             <a:schemeClr val="tx1"/>
           </a:solidFill>
@@ -3214,8 +3220,8 @@
       <a:defPPr>
         <a:defRPr lang="en-US"/>
       </a:defPPr>
-      <a:lvl1pPr marL="0" algn="l" defTabSz="2057400" rtl="0" eaLnBrk="1" latinLnBrk="0" hangingPunct="1">
-        <a:defRPr sz="4050" kern="1200">
+      <a:lvl1pPr marL="0" algn="l" defTabSz="2880360" rtl="0" eaLnBrk="1" latinLnBrk="0" hangingPunct="1">
+        <a:defRPr sz="5670" kern="1200">
           <a:solidFill>
             <a:schemeClr val="tx1"/>
           </a:solidFill>
@@ -3224,8 +3230,8 @@
           <a:cs typeface="+mn-cs"/>
         </a:defRPr>
       </a:lvl1pPr>
-      <a:lvl2pPr marL="1028700" algn="l" defTabSz="2057400" rtl="0" eaLnBrk="1" latinLnBrk="0" hangingPunct="1">
-        <a:defRPr sz="4050" kern="1200">
+      <a:lvl2pPr marL="1440180" algn="l" defTabSz="2880360" rtl="0" eaLnBrk="1" latinLnBrk="0" hangingPunct="1">
+        <a:defRPr sz="5670" kern="1200">
           <a:solidFill>
             <a:schemeClr val="tx1"/>
           </a:solidFill>
@@ -3234,8 +3240,8 @@
           <a:cs typeface="+mn-cs"/>
         </a:defRPr>
       </a:lvl2pPr>
-      <a:lvl3pPr marL="2057400" algn="l" defTabSz="2057400" rtl="0" eaLnBrk="1" latinLnBrk="0" hangingPunct="1">
-        <a:defRPr sz="4050" kern="1200">
+      <a:lvl3pPr marL="2880360" algn="l" defTabSz="2880360" rtl="0" eaLnBrk="1" latinLnBrk="0" hangingPunct="1">
+        <a:defRPr sz="5670" kern="1200">
           <a:solidFill>
             <a:schemeClr val="tx1"/>
           </a:solidFill>
@@ -3244,8 +3250,8 @@
           <a:cs typeface="+mn-cs"/>
         </a:defRPr>
       </a:lvl3pPr>
-      <a:lvl4pPr marL="3086100" algn="l" defTabSz="2057400" rtl="0" eaLnBrk="1" latinLnBrk="0" hangingPunct="1">
-        <a:defRPr sz="4050" kern="1200">
+      <a:lvl4pPr marL="4320540" algn="l" defTabSz="2880360" rtl="0" eaLnBrk="1" latinLnBrk="0" hangingPunct="1">
+        <a:defRPr sz="5670" kern="1200">
           <a:solidFill>
             <a:schemeClr val="tx1"/>
           </a:solidFill>
@@ -3254,8 +3260,8 @@
           <a:cs typeface="+mn-cs"/>
         </a:defRPr>
       </a:lvl4pPr>
-      <a:lvl5pPr marL="4114800" algn="l" defTabSz="2057400" rtl="0" eaLnBrk="1" latinLnBrk="0" hangingPunct="1">
-        <a:defRPr sz="4050" kern="1200">
+      <a:lvl5pPr marL="5760720" algn="l" defTabSz="2880360" rtl="0" eaLnBrk="1" latinLnBrk="0" hangingPunct="1">
+        <a:defRPr sz="5670" kern="1200">
           <a:solidFill>
             <a:schemeClr val="tx1"/>
           </a:solidFill>
@@ -3264,8 +3270,8 @@
           <a:cs typeface="+mn-cs"/>
         </a:defRPr>
       </a:lvl5pPr>
-      <a:lvl6pPr marL="5143500" algn="l" defTabSz="2057400" rtl="0" eaLnBrk="1" latinLnBrk="0" hangingPunct="1">
-        <a:defRPr sz="4050" kern="1200">
+      <a:lvl6pPr marL="7200900" algn="l" defTabSz="2880360" rtl="0" eaLnBrk="1" latinLnBrk="0" hangingPunct="1">
+        <a:defRPr sz="5670" kern="1200">
           <a:solidFill>
             <a:schemeClr val="tx1"/>
           </a:solidFill>
@@ -3274,8 +3280,8 @@
           <a:cs typeface="+mn-cs"/>
         </a:defRPr>
       </a:lvl6pPr>
-      <a:lvl7pPr marL="6172200" algn="l" defTabSz="2057400" rtl="0" eaLnBrk="1" latinLnBrk="0" hangingPunct="1">
-        <a:defRPr sz="4050" kern="1200">
+      <a:lvl7pPr marL="8641080" algn="l" defTabSz="2880360" rtl="0" eaLnBrk="1" latinLnBrk="0" hangingPunct="1">
+        <a:defRPr sz="5670" kern="1200">
           <a:solidFill>
             <a:schemeClr val="tx1"/>
           </a:solidFill>
@@ -3284,8 +3290,8 @@
           <a:cs typeface="+mn-cs"/>
         </a:defRPr>
       </a:lvl7pPr>
-      <a:lvl8pPr marL="7200900" algn="l" defTabSz="2057400" rtl="0" eaLnBrk="1" latinLnBrk="0" hangingPunct="1">
-        <a:defRPr sz="4050" kern="1200">
+      <a:lvl8pPr marL="10081260" algn="l" defTabSz="2880360" rtl="0" eaLnBrk="1" latinLnBrk="0" hangingPunct="1">
+        <a:defRPr sz="5670" kern="1200">
           <a:solidFill>
             <a:schemeClr val="tx1"/>
           </a:solidFill>
@@ -3294,8 +3300,8 @@
           <a:cs typeface="+mn-cs"/>
         </a:defRPr>
       </a:lvl8pPr>
-      <a:lvl9pPr marL="8229600" algn="l" defTabSz="2057400" rtl="0" eaLnBrk="1" latinLnBrk="0" hangingPunct="1">
-        <a:defRPr sz="4050" kern="1200">
+      <a:lvl9pPr marL="11521440" algn="l" defTabSz="2880360" rtl="0" eaLnBrk="1" latinLnBrk="0" hangingPunct="1">
+        <a:defRPr sz="5670" kern="1200">
           <a:solidFill>
             <a:schemeClr val="tx1"/>
           </a:solidFill>
@@ -3312,6 +3318,16 @@
 <file path=ppt/slides/slide1.xml><?xml version="1.0" encoding="utf-8"?>
 <p:sld xmlns:a="http://schemas.openxmlformats.org/drawingml/2006/main" xmlns:r="http://schemas.openxmlformats.org/officeDocument/2006/relationships" xmlns:p="http://schemas.openxmlformats.org/presentationml/2006/main">
   <p:cSld>
+    <p:bg>
+      <p:bgPr>
+        <a:solidFill>
+          <a:schemeClr val="bg1">
+            <a:alpha val="1000"/>
+          </a:schemeClr>
+        </a:solidFill>
+        <a:effectLst/>
+      </p:bgPr>
+    </p:bg>
     <p:spTree>
       <p:nvGrpSpPr>
         <p:cNvPr id="1" name=""/>
@@ -3326,6 +3342,96 @@
           <a:chExt cx="0" cy="0"/>
         </a:xfrm>
       </p:grpSpPr>
+      <p:sp>
+        <p:nvSpPr>
+          <p:cNvPr id="3" name="Rectangle: Rounded Corners 2">
+            <a:extLst>
+              <a:ext uri="{FF2B5EF4-FFF2-40B4-BE49-F238E27FC236}">
+                <a16:creationId xmlns:a16="http://schemas.microsoft.com/office/drawing/2014/main" id="{638845FA-3C6C-265F-78C5-06B794625F66}"/>
+              </a:ext>
+            </a:extLst>
+          </p:cNvPr>
+          <p:cNvSpPr/>
+          <p:nvPr/>
+        </p:nvSpPr>
+        <p:spPr>
+          <a:xfrm>
+            <a:off x="542929" y="23650864"/>
+            <a:ext cx="11709853" cy="6262010"/>
+          </a:xfrm>
+          <a:prstGeom prst="roundRect">
+            <a:avLst/>
+          </a:prstGeom>
+          <a:solidFill>
+            <a:srgbClr val="FDE7FE"/>
+          </a:solidFill>
+          <a:ln>
+            <a:noFill/>
+          </a:ln>
+        </p:spPr>
+        <p:style>
+          <a:lnRef idx="2">
+            <a:schemeClr val="accent1">
+              <a:shade val="50000"/>
+            </a:schemeClr>
+          </a:lnRef>
+          <a:fillRef idx="1">
+            <a:schemeClr val="accent1"/>
+          </a:fillRef>
+          <a:effectRef idx="0">
+            <a:schemeClr val="accent1"/>
+          </a:effectRef>
+          <a:fontRef idx="minor">
+            <a:schemeClr val="lt1"/>
+          </a:fontRef>
+        </p:style>
+        <p:txBody>
+          <a:bodyPr rtlCol="0" anchor="ctr"/>
+          <a:lstStyle/>
+          <a:p>
+            <a:pPr marL="571500" indent="-571500">
+              <a:buFont typeface="Arial" panose="020B0604020202020204" pitchFamily="34" charset="0"/>
+              <a:buChar char="•"/>
+            </a:pPr>
+            <a:endParaRPr lang="en-US" sz="4000" dirty="0">
+              <a:solidFill>
+                <a:schemeClr val="tx1"/>
+              </a:solidFill>
+              <a:latin typeface="Times New Roman" panose="02020603050405020304" pitchFamily="18" charset="0"/>
+              <a:ea typeface="Malgun Gothic" panose="020B0503020000020004" pitchFamily="34" charset="-127"/>
+              <a:cs typeface="Times New Roman" panose="02020603050405020304" pitchFamily="18" charset="0"/>
+            </a:endParaRPr>
+          </a:p>
+          <a:p>
+            <a:pPr marL="571500" indent="-571500">
+              <a:buFont typeface="Arial" panose="020B0604020202020204" pitchFamily="34" charset="0"/>
+              <a:buChar char="•"/>
+            </a:pPr>
+            <a:endParaRPr lang="en-US" sz="3600" dirty="0">
+              <a:solidFill>
+                <a:schemeClr val="tx1"/>
+              </a:solidFill>
+              <a:latin typeface="Times New Roman" panose="02020603050405020304" pitchFamily="18" charset="0"/>
+              <a:ea typeface="Malgun Gothic" panose="020B0503020000020004" pitchFamily="34" charset="-127"/>
+              <a:cs typeface="Times New Roman" panose="02020603050405020304" pitchFamily="18" charset="0"/>
+            </a:endParaRPr>
+          </a:p>
+          <a:p>
+            <a:pPr marL="571500" indent="-571500">
+              <a:buFont typeface="Arial" panose="020B0604020202020204" pitchFamily="34" charset="0"/>
+              <a:buChar char="•"/>
+            </a:pPr>
+            <a:endParaRPr lang="en-US" sz="4000" dirty="0">
+              <a:solidFill>
+                <a:schemeClr val="tx1"/>
+              </a:solidFill>
+              <a:latin typeface="Times New Roman" panose="02020603050405020304" pitchFamily="18" charset="0"/>
+              <a:ea typeface="Malgun Gothic" panose="020B0503020000020004" pitchFamily="34" charset="-127"/>
+              <a:cs typeface="Times New Roman" panose="02020603050405020304" pitchFamily="18" charset="0"/>
+            </a:endParaRPr>
+          </a:p>
+        </p:txBody>
+      </p:sp>
       <p:pic>
         <p:nvPicPr>
           <p:cNvPr id="6" name="Picture 5" descr="Logo, calendar&#10;&#10;Description automatically generated">
@@ -3354,12 +3460,13 @@
         </p:blipFill>
         <p:spPr>
           <a:xfrm>
-            <a:off x="969816" y="558891"/>
-            <a:ext cx="4012274" cy="4012274"/>
+            <a:off x="542929" y="558800"/>
+            <a:ext cx="4349743" cy="3873601"/>
           </a:xfrm>
           <a:prstGeom prst="rect">
             <a:avLst/>
           </a:prstGeom>
+          <a:noFill/>
         </p:spPr>
       </p:pic>
       <p:sp>
@@ -3376,8 +3483,8 @@
         </p:nvSpPr>
         <p:spPr>
           <a:xfrm>
-            <a:off x="5257246" y="558891"/>
-            <a:ext cx="21670447" cy="4012275"/>
+            <a:off x="4714203" y="558800"/>
+            <a:ext cx="33147668" cy="4802910"/>
           </a:xfrm>
           <a:prstGeom prst="roundRect">
             <a:avLst/>
@@ -3409,37 +3516,53 @@
           <a:p>
             <a:pPr algn="ctr"/>
             <a:r>
-              <a:rPr lang="en-US" sz="8000" b="1" dirty="0">
+              <a:rPr lang="en-US" sz="7200" b="1" dirty="0">
                 <a:solidFill>
                   <a:schemeClr val="tx1"/>
                 </a:solidFill>
                 <a:latin typeface="Sans-serif"/>
+                <a:cs typeface="Times New Roman" panose="02020603050405020304" pitchFamily="18" charset="0"/>
               </a:rPr>
-              <a:t>A Linearized Approach to Improving Dickinson First-Year Seminar Assignment Program</a:t>
+              <a:t>Enhancing Diversity and Seminar Placement in Dickinson’s First Year Seminar Assignment Program with Computational Optimization Techniques</a:t>
             </a:r>
           </a:p>
           <a:p>
             <a:pPr algn="ctr"/>
             <a:r>
-              <a:rPr lang="en-US" sz="4800" b="1" dirty="0">
+              <a:rPr lang="en-US" sz="6000" b="1" dirty="0">
                 <a:solidFill>
                   <a:schemeClr val="tx1"/>
                 </a:solidFill>
                 <a:latin typeface="Sans-serif"/>
+                <a:cs typeface="Times New Roman" panose="02020603050405020304" pitchFamily="18" charset="0"/>
               </a:rPr>
-              <a:t>John Chu. Advisor: Professor Dick Forrester</a:t>
+              <a:t>John Chu</a:t>
             </a:r>
           </a:p>
           <a:p>
             <a:pPr algn="ctr"/>
             <a:r>
-              <a:rPr lang="en-US" sz="4800" b="1" dirty="0">
+              <a:rPr lang="en-US" sz="6000" b="1" dirty="0">
                 <a:solidFill>
                   <a:schemeClr val="tx1"/>
                 </a:solidFill>
                 <a:latin typeface="Sans-serif"/>
+                <a:cs typeface="Times New Roman" panose="02020603050405020304" pitchFamily="18" charset="0"/>
               </a:rPr>
-              <a:t>Department of Mathematics and Computer Science. Dickinson College</a:t>
+              <a:t>Supervised by: Professor Dick Forrester</a:t>
+            </a:r>
+          </a:p>
+          <a:p>
+            <a:pPr algn="ctr"/>
+            <a:r>
+              <a:rPr lang="en-US" sz="4400" b="1" dirty="0">
+                <a:solidFill>
+                  <a:schemeClr val="tx1"/>
+                </a:solidFill>
+                <a:latin typeface="Sans-serif"/>
+                <a:cs typeface="Times New Roman" panose="02020603050405020304" pitchFamily="18" charset="0"/>
+              </a:rPr>
+              <a:t>Department of Mathematics and Computer Science, Dickinson College</a:t>
             </a:r>
           </a:p>
         </p:txBody>
@@ -3458,15 +3581,13 @@
         </p:nvSpPr>
         <p:spPr>
           <a:xfrm>
-            <a:off x="969815" y="6040574"/>
-            <a:ext cx="9878510" cy="13056701"/>
+            <a:off x="542929" y="5609359"/>
+            <a:ext cx="11709853" cy="11013641"/>
           </a:xfrm>
           <a:prstGeom prst="roundRect">
             <a:avLst/>
           </a:prstGeom>
-          <a:solidFill>
-            <a:srgbClr val="F5F5F5"/>
-          </a:solidFill>
+          <a:noFill/>
           <a:ln>
             <a:noFill/>
           </a:ln>
@@ -3491,95 +3612,407 @@
           <a:bodyPr rtlCol="0" anchor="ctr"/>
           <a:lstStyle/>
           <a:p>
-            <a:endParaRPr lang="en-US" sz="3200" dirty="0">
-              <a:solidFill>
-                <a:srgbClr val="222222"/>
-              </a:solidFill>
-              <a:effectLst/>
-              <a:highlight>
-                <a:srgbClr val="FFFFFF"/>
-              </a:highlight>
-              <a:latin typeface="Times New Roman" panose="02020603050405020304" pitchFamily="18" charset="0"/>
-              <a:ea typeface="Times New Roman" panose="02020603050405020304" pitchFamily="18" charset="0"/>
-            </a:endParaRPr>
-          </a:p>
-          <a:p>
-            <a:endParaRPr lang="en-US" sz="3200" dirty="0">
-              <a:solidFill>
-                <a:srgbClr val="222222"/>
-              </a:solidFill>
-              <a:highlight>
-                <a:srgbClr val="FFFFFF"/>
-              </a:highlight>
-              <a:latin typeface="Times New Roman" panose="02020603050405020304" pitchFamily="18" charset="0"/>
-              <a:ea typeface="Times New Roman" panose="02020603050405020304" pitchFamily="18" charset="0"/>
-            </a:endParaRPr>
-          </a:p>
-          <a:p>
-            <a:r>
-              <a:rPr lang="en-US" sz="3200" dirty="0">
-                <a:solidFill>
-                  <a:srgbClr val="222222"/>
-                </a:solidFill>
-                <a:effectLst/>
-                <a:latin typeface="Times New Roman" panose="02020603050405020304" pitchFamily="18" charset="0"/>
-                <a:ea typeface="Times New Roman" panose="02020603050405020304" pitchFamily="18" charset="0"/>
-              </a:rPr>
-              <a:t>First-Year Seminar is fundamental coursework at Dickinson College where every incoming first-year student is required to take a seminar course. In the summer before the students arrive at Dickinson, they select six seminar choices from available options. Dr. Richard Forrester aimed to assign the students to their selected seminar choices targeting to balance the gender and student-type ratio in each seminar course. Therefore, he created multi-objective functions that aimed to reduce discrepancies between male and female students, domestic and international students in a classroom, and assigned them to one of their selected six courses.</a:t>
-            </a:r>
-            <a:endParaRPr lang="en-US" sz="3200" dirty="0">
-              <a:effectLst/>
-              <a:latin typeface="Calibri" panose="020F0502020204030204" pitchFamily="34" charset="0"/>
-              <a:ea typeface="Malgun Gothic" panose="020B0503020000020004" pitchFamily="34" charset="-127"/>
-            </a:endParaRPr>
-          </a:p>
-          <a:p>
-            <a:endParaRPr lang="en-US" sz="3200" b="0" i="0" dirty="0">
+            <a:pPr marL="571500" indent="-571500">
+              <a:buFont typeface="Arial" panose="020B0604020202020204" pitchFamily="34" charset="0"/>
+              <a:buChar char="•"/>
+            </a:pPr>
+            <a:endParaRPr lang="en-US" sz="4000" b="1" dirty="0">
               <a:solidFill>
                 <a:schemeClr val="tx1"/>
               </a:solidFill>
-              <a:effectLst/>
-              <a:latin typeface="Sans-serif"/>
+              <a:latin typeface="Times New Roman" panose="02020603050405020304" pitchFamily="18" charset="0"/>
+              <a:ea typeface="Malgun Gothic" panose="020B0503020000020004" pitchFamily="34" charset="-127"/>
               <a:cs typeface="Times New Roman" panose="02020603050405020304" pitchFamily="18" charset="0"/>
             </a:endParaRPr>
           </a:p>
           <a:p>
-            <a:r>
-              <a:rPr lang="en-US" sz="3200" dirty="0">
-                <a:solidFill>
-                  <a:srgbClr val="222222"/>
-                </a:solidFill>
-                <a:effectLst/>
-                <a:latin typeface="Times New Roman" panose="02020603050405020304" pitchFamily="18" charset="0"/>
-                <a:ea typeface="Times New Roman" panose="02020603050405020304" pitchFamily="18" charset="0"/>
-              </a:rPr>
-              <a:t>This study aims to enhance the performance of the first-year seminar assignment program at Dickinson College. We generated multiple versions of the program with enhanced features and new techniques, aiming to accomplish the desired balance of gender and student-type ratios. These primarily include linearizing convex quadratic objective functions to improve program runtime efficiency.</a:t>
-            </a:r>
-            <a:endParaRPr lang="en-US" sz="3200" dirty="0">
-              <a:effectLst/>
-              <a:latin typeface="Calibri" panose="020F0502020204030204" pitchFamily="34" charset="0"/>
-              <a:ea typeface="Malgun Gothic" panose="020B0503020000020004" pitchFamily="34" charset="-127"/>
-            </a:endParaRPr>
-          </a:p>
-          <a:p>
-            <a:pPr marL="0" marR="0">
-              <a:lnSpc>
-                <a:spcPct val="200000"/>
-              </a:lnSpc>
-              <a:spcBef>
-                <a:spcPts val="0"/>
-              </a:spcBef>
-              <a:spcAft>
-                <a:spcPts val="0"/>
-              </a:spcAft>
+            <a:pPr marL="571500" indent="-571500">
+              <a:buFont typeface="Arial" panose="020B0604020202020204" pitchFamily="34" charset="0"/>
+              <a:buChar char="•"/>
             </a:pPr>
-            <a:endParaRPr lang="en-US" sz="2800" dirty="0">
+            <a:endParaRPr lang="en-US" sz="4000" b="1" dirty="0">
               <a:solidFill>
                 <a:schemeClr val="tx1"/>
               </a:solidFill>
-              <a:effectLst/>
-              <a:latin typeface="Sans-serif"/>
+              <a:latin typeface="Times New Roman" panose="02020603050405020304" pitchFamily="18" charset="0"/>
               <a:ea typeface="Malgun Gothic" panose="020B0503020000020004" pitchFamily="34" charset="-127"/>
+              <a:cs typeface="Times New Roman" panose="02020603050405020304" pitchFamily="18" charset="0"/>
+            </a:endParaRPr>
+          </a:p>
+          <a:p>
+            <a:pPr marL="571500" indent="-571500">
+              <a:buFont typeface="Arial" panose="020B0604020202020204" pitchFamily="34" charset="0"/>
+              <a:buChar char="•"/>
+            </a:pPr>
+            <a:endParaRPr lang="en-US" sz="4000" b="1" dirty="0">
+              <a:solidFill>
+                <a:schemeClr val="tx1"/>
+              </a:solidFill>
+              <a:latin typeface="Times New Roman" panose="02020603050405020304" pitchFamily="18" charset="0"/>
+              <a:ea typeface="Malgun Gothic" panose="020B0503020000020004" pitchFamily="34" charset="-127"/>
+              <a:cs typeface="Times New Roman" panose="02020603050405020304" pitchFamily="18" charset="0"/>
+            </a:endParaRPr>
+          </a:p>
+          <a:p>
+            <a:pPr marL="571500" indent="-571500">
+              <a:buFont typeface="Arial" panose="020B0604020202020204" pitchFamily="34" charset="0"/>
+              <a:buChar char="•"/>
+            </a:pPr>
+            <a:endParaRPr lang="en-US" sz="4000" b="1" dirty="0">
+              <a:solidFill>
+                <a:schemeClr val="tx1"/>
+              </a:solidFill>
+              <a:latin typeface="Times New Roman" panose="02020603050405020304" pitchFamily="18" charset="0"/>
+              <a:ea typeface="Malgun Gothic" panose="020B0503020000020004" pitchFamily="34" charset="-127"/>
+              <a:cs typeface="Times New Roman" panose="02020603050405020304" pitchFamily="18" charset="0"/>
+            </a:endParaRPr>
+          </a:p>
+          <a:p>
+            <a:pPr marL="571500" indent="-571500">
+              <a:buFont typeface="Arial" panose="020B0604020202020204" pitchFamily="34" charset="0"/>
+              <a:buChar char="•"/>
+            </a:pPr>
+            <a:endParaRPr lang="en-US" sz="4000" b="1" dirty="0">
+              <a:solidFill>
+                <a:schemeClr val="tx1"/>
+              </a:solidFill>
+              <a:latin typeface="Times New Roman" panose="02020603050405020304" pitchFamily="18" charset="0"/>
+              <a:ea typeface="Malgun Gothic" panose="020B0503020000020004" pitchFamily="34" charset="-127"/>
+              <a:cs typeface="Times New Roman" panose="02020603050405020304" pitchFamily="18" charset="0"/>
+            </a:endParaRPr>
+          </a:p>
+          <a:p>
+            <a:endParaRPr lang="en-US" sz="4000" b="1" dirty="0">
+              <a:solidFill>
+                <a:schemeClr val="tx1"/>
+              </a:solidFill>
+              <a:latin typeface="Times New Roman" panose="02020603050405020304" pitchFamily="18" charset="0"/>
+              <a:ea typeface="Malgun Gothic" panose="020B0503020000020004" pitchFamily="34" charset="-127"/>
+              <a:cs typeface="Times New Roman" panose="02020603050405020304" pitchFamily="18" charset="0"/>
+            </a:endParaRPr>
+          </a:p>
+          <a:p>
+            <a:pPr marL="571500" indent="-571500">
+              <a:buFont typeface="Arial" panose="020B0604020202020204" pitchFamily="34" charset="0"/>
+              <a:buChar char="•"/>
+            </a:pPr>
+            <a:endParaRPr lang="en-US" sz="4000" b="1" dirty="0">
+              <a:solidFill>
+                <a:schemeClr val="tx1"/>
+              </a:solidFill>
+              <a:latin typeface="Times New Roman" panose="02020603050405020304" pitchFamily="18" charset="0"/>
+              <a:ea typeface="Malgun Gothic" panose="020B0503020000020004" pitchFamily="34" charset="-127"/>
+              <a:cs typeface="Times New Roman" panose="02020603050405020304" pitchFamily="18" charset="0"/>
+            </a:endParaRPr>
+          </a:p>
+          <a:p>
+            <a:pPr marL="571500" indent="-571500">
+              <a:buFont typeface="Arial" panose="020B0604020202020204" pitchFamily="34" charset="0"/>
+              <a:buChar char="•"/>
+            </a:pPr>
+            <a:endParaRPr lang="en-US" sz="4000" b="1" dirty="0">
+              <a:solidFill>
+                <a:schemeClr val="tx1"/>
+              </a:solidFill>
+              <a:latin typeface="Times New Roman" panose="02020603050405020304" pitchFamily="18" charset="0"/>
+              <a:ea typeface="Malgun Gothic" panose="020B0503020000020004" pitchFamily="34" charset="-127"/>
+              <a:cs typeface="Times New Roman" panose="02020603050405020304" pitchFamily="18" charset="0"/>
+            </a:endParaRPr>
+          </a:p>
+          <a:p>
+            <a:endParaRPr lang="en-US" sz="4000" b="1" dirty="0">
+              <a:solidFill>
+                <a:schemeClr val="tx1"/>
+              </a:solidFill>
+              <a:latin typeface="Times New Roman" panose="02020603050405020304" pitchFamily="18" charset="0"/>
+              <a:ea typeface="Malgun Gothic" panose="020B0503020000020004" pitchFamily="34" charset="-127"/>
+              <a:cs typeface="Times New Roman" panose="02020603050405020304" pitchFamily="18" charset="0"/>
+            </a:endParaRPr>
+          </a:p>
+          <a:p>
+            <a:pPr marL="571500" indent="-571500">
+              <a:buFont typeface="Arial" panose="020B0604020202020204" pitchFamily="34" charset="0"/>
+              <a:buChar char="•"/>
+            </a:pPr>
+            <a:endParaRPr lang="en-US" sz="4000" b="1" dirty="0">
+              <a:solidFill>
+                <a:schemeClr val="tx1"/>
+              </a:solidFill>
+              <a:latin typeface="Times New Roman" panose="02020603050405020304" pitchFamily="18" charset="0"/>
+              <a:ea typeface="Malgun Gothic" panose="020B0503020000020004" pitchFamily="34" charset="-127"/>
+              <a:cs typeface="Times New Roman" panose="02020603050405020304" pitchFamily="18" charset="0"/>
+            </a:endParaRPr>
+          </a:p>
+          <a:p>
+            <a:endParaRPr lang="en-US" sz="4000" b="1" dirty="0">
+              <a:solidFill>
+                <a:schemeClr val="tx1"/>
+              </a:solidFill>
+              <a:latin typeface="Times New Roman" panose="02020603050405020304" pitchFamily="18" charset="0"/>
+              <a:ea typeface="Malgun Gothic" panose="020B0503020000020004" pitchFamily="34" charset="-127"/>
+              <a:cs typeface="Times New Roman" panose="02020603050405020304" pitchFamily="18" charset="0"/>
+            </a:endParaRPr>
+          </a:p>
+          <a:p>
+            <a:pPr marL="571500" indent="-571500">
+              <a:buFont typeface="Arial" panose="020B0604020202020204" pitchFamily="34" charset="0"/>
+              <a:buChar char="•"/>
+            </a:pPr>
+            <a:r>
+              <a:rPr lang="en-US" sz="4000" b="1" dirty="0">
+                <a:solidFill>
+                  <a:schemeClr val="tx1"/>
+                </a:solidFill>
+                <a:latin typeface="Times New Roman" panose="02020603050405020304" pitchFamily="18" charset="0"/>
+                <a:ea typeface="Malgun Gothic" panose="020B0503020000020004" pitchFamily="34" charset="-127"/>
+                <a:cs typeface="Times New Roman" panose="02020603050405020304" pitchFamily="18" charset="0"/>
+              </a:rPr>
+              <a:t>Background: </a:t>
+            </a:r>
+            <a:r>
+              <a:rPr lang="en-US" sz="4000" dirty="0">
+                <a:solidFill>
+                  <a:schemeClr val="tx1"/>
+                </a:solidFill>
+                <a:latin typeface="Times New Roman" panose="02020603050405020304" pitchFamily="18" charset="0"/>
+                <a:ea typeface="Malgun Gothic" panose="020B0503020000020004" pitchFamily="34" charset="-127"/>
+                <a:cs typeface="Times New Roman" panose="02020603050405020304" pitchFamily="18" charset="0"/>
+              </a:rPr>
+              <a:t>Dickinson’s First-Year Seminar assignment (FYS) program balances gender and student-type ratios in the classroom and satisfies students’ ranked choices of seminars. </a:t>
+            </a:r>
+          </a:p>
+          <a:p>
+            <a:pPr marL="571500" indent="-571500">
+              <a:buFont typeface="Arial" panose="020B0604020202020204" pitchFamily="34" charset="0"/>
+              <a:buChar char="•"/>
+            </a:pPr>
+            <a:r>
+              <a:rPr lang="en-US" sz="4000" b="1" dirty="0">
+                <a:solidFill>
+                  <a:schemeClr val="tx1"/>
+                </a:solidFill>
+                <a:latin typeface="Times New Roman" panose="02020603050405020304" pitchFamily="18" charset="0"/>
+                <a:ea typeface="Malgun Gothic" panose="020B0503020000020004" pitchFamily="34" charset="-127"/>
+                <a:cs typeface="Times New Roman" panose="02020603050405020304" pitchFamily="18" charset="0"/>
+              </a:rPr>
+              <a:t>Research Question: </a:t>
+            </a:r>
+            <a:r>
+              <a:rPr lang="en-US" sz="4000" dirty="0">
+                <a:solidFill>
+                  <a:schemeClr val="tx1"/>
+                </a:solidFill>
+                <a:latin typeface="Times New Roman" panose="02020603050405020304" pitchFamily="18" charset="0"/>
+                <a:ea typeface="Malgun Gothic" panose="020B0503020000020004" pitchFamily="34" charset="-127"/>
+                <a:cs typeface="Times New Roman" panose="02020603050405020304" pitchFamily="18" charset="0"/>
+              </a:rPr>
+              <a:t>Explore multiple approaches to improve diversity and assignment of ranked seminar choices in the existing FYS assignment program.</a:t>
+            </a:r>
+          </a:p>
+          <a:p>
+            <a:pPr marL="571500" indent="-571500">
+              <a:buFont typeface="Arial" panose="020B0604020202020204" pitchFamily="34" charset="0"/>
+              <a:buChar char="•"/>
+            </a:pPr>
+            <a:r>
+              <a:rPr lang="en-US" sz="4000" b="1" dirty="0">
+                <a:solidFill>
+                  <a:schemeClr val="tx1"/>
+                </a:solidFill>
+                <a:latin typeface="Times New Roman" panose="02020603050405020304" pitchFamily="18" charset="0"/>
+                <a:ea typeface="Malgun Gothic" panose="020B0503020000020004" pitchFamily="34" charset="-127"/>
+                <a:cs typeface="Times New Roman" panose="02020603050405020304" pitchFamily="18" charset="0"/>
+              </a:rPr>
+              <a:t>Tool &amp; Software</a:t>
+            </a:r>
+            <a:r>
+              <a:rPr lang="en-US" sz="4000" dirty="0">
+                <a:solidFill>
+                  <a:schemeClr val="tx1"/>
+                </a:solidFill>
+                <a:latin typeface="Times New Roman" panose="02020603050405020304" pitchFamily="18" charset="0"/>
+                <a:ea typeface="Malgun Gothic" panose="020B0503020000020004" pitchFamily="34" charset="-127"/>
+                <a:cs typeface="Times New Roman" panose="02020603050405020304" pitchFamily="18" charset="0"/>
+              </a:rPr>
+              <a:t>: Python </a:t>
+            </a:r>
+            <a:r>
+              <a:rPr lang="en-US" sz="4000" dirty="0" err="1">
+                <a:solidFill>
+                  <a:schemeClr val="tx1"/>
+                </a:solidFill>
+                <a:latin typeface="Times New Roman" panose="02020603050405020304" pitchFamily="18" charset="0"/>
+                <a:ea typeface="Malgun Gothic" panose="020B0503020000020004" pitchFamily="34" charset="-127"/>
+                <a:cs typeface="Times New Roman" panose="02020603050405020304" pitchFamily="18" charset="0"/>
+              </a:rPr>
+              <a:t>Gurobi</a:t>
+            </a:r>
+            <a:r>
+              <a:rPr lang="en-US" sz="4000" dirty="0">
+                <a:solidFill>
+                  <a:schemeClr val="tx1"/>
+                </a:solidFill>
+                <a:latin typeface="Times New Roman" panose="02020603050405020304" pitchFamily="18" charset="0"/>
+                <a:ea typeface="Malgun Gothic" panose="020B0503020000020004" pitchFamily="34" charset="-127"/>
+                <a:cs typeface="Times New Roman" panose="02020603050405020304" pitchFamily="18" charset="0"/>
+              </a:rPr>
+              <a:t> Solver</a:t>
+            </a:r>
+          </a:p>
+          <a:p>
+            <a:pPr marL="571500" indent="-571500">
+              <a:buFont typeface="Arial" panose="020B0604020202020204" pitchFamily="34" charset="0"/>
+              <a:buChar char="•"/>
+            </a:pPr>
+            <a:r>
+              <a:rPr lang="en-US" sz="4000" b="1" dirty="0">
+                <a:solidFill>
+                  <a:schemeClr val="tx1"/>
+                </a:solidFill>
+                <a:latin typeface="Times New Roman" panose="02020603050405020304" pitchFamily="18" charset="0"/>
+                <a:ea typeface="Malgun Gothic" panose="020B0503020000020004" pitchFamily="34" charset="-127"/>
+                <a:cs typeface="Times New Roman" panose="02020603050405020304" pitchFamily="18" charset="0"/>
+              </a:rPr>
+              <a:t>Model</a:t>
+            </a:r>
+            <a:r>
+              <a:rPr lang="en-US" sz="4000" dirty="0">
+                <a:solidFill>
+                  <a:schemeClr val="tx1"/>
+                </a:solidFill>
+                <a:latin typeface="Times New Roman" panose="02020603050405020304" pitchFamily="18" charset="0"/>
+                <a:ea typeface="Malgun Gothic" panose="020B0503020000020004" pitchFamily="34" charset="-127"/>
+                <a:cs typeface="Times New Roman" panose="02020603050405020304" pitchFamily="18" charset="0"/>
+              </a:rPr>
+              <a:t>: Multi-objective optimization (students’ ranked choices (rank), gender, and student type)</a:t>
+            </a:r>
+          </a:p>
+          <a:p>
+            <a:pPr marL="571500" indent="-571500">
+              <a:buFont typeface="Arial" panose="020B0604020202020204" pitchFamily="34" charset="0"/>
+              <a:buChar char="•"/>
+            </a:pPr>
+            <a:r>
+              <a:rPr lang="en-US" sz="4000" b="1" dirty="0">
+                <a:solidFill>
+                  <a:schemeClr val="tx1"/>
+                </a:solidFill>
+                <a:latin typeface="Times New Roman" panose="02020603050405020304" pitchFamily="18" charset="0"/>
+                <a:ea typeface="Malgun Gothic" panose="020B0503020000020004" pitchFamily="34" charset="-127"/>
+                <a:cs typeface="Times New Roman" panose="02020603050405020304" pitchFamily="18" charset="0"/>
+              </a:rPr>
+              <a:t>Main Goal: </a:t>
+            </a:r>
+            <a:r>
+              <a:rPr lang="en-US" sz="4000" dirty="0">
+                <a:solidFill>
+                  <a:schemeClr val="tx1"/>
+                </a:solidFill>
+                <a:latin typeface="Times New Roman" panose="02020603050405020304" pitchFamily="18" charset="0"/>
+                <a:ea typeface="Malgun Gothic" panose="020B0503020000020004" pitchFamily="34" charset="-127"/>
+                <a:cs typeface="Times New Roman" panose="02020603050405020304" pitchFamily="18" charset="0"/>
+              </a:rPr>
+              <a:t>Choose the approach that corresponds the most to Dickinson’s mission for practical use of assigning future incoming first-year students.</a:t>
+            </a:r>
+          </a:p>
+          <a:p>
+            <a:pPr algn="ctr"/>
+            <a:endParaRPr lang="en-US" sz="4000" b="1" dirty="0">
+              <a:solidFill>
+                <a:schemeClr val="tx1"/>
+              </a:solidFill>
+              <a:latin typeface="Times New Roman" panose="02020603050405020304" pitchFamily="18" charset="0"/>
+              <a:ea typeface="Malgun Gothic" panose="020B0503020000020004" pitchFamily="34" charset="-127"/>
+              <a:cs typeface="Times New Roman" panose="02020603050405020304" pitchFamily="18" charset="0"/>
+            </a:endParaRPr>
+          </a:p>
+          <a:p>
+            <a:endParaRPr lang="en-US" sz="4000" b="1" dirty="0">
+              <a:solidFill>
+                <a:schemeClr val="tx1"/>
+              </a:solidFill>
+              <a:latin typeface="Times New Roman" panose="02020603050405020304" pitchFamily="18" charset="0"/>
+              <a:ea typeface="Malgun Gothic" panose="020B0503020000020004" pitchFamily="34" charset="-127"/>
+              <a:cs typeface="Times New Roman" panose="02020603050405020304" pitchFamily="18" charset="0"/>
+            </a:endParaRPr>
+          </a:p>
+          <a:p>
+            <a:endParaRPr lang="en-US" sz="4000" b="1" dirty="0">
+              <a:solidFill>
+                <a:schemeClr val="tx1"/>
+              </a:solidFill>
+              <a:latin typeface="Times New Roman" panose="02020603050405020304" pitchFamily="18" charset="0"/>
+              <a:ea typeface="Malgun Gothic" panose="020B0503020000020004" pitchFamily="34" charset="-127"/>
+              <a:cs typeface="Times New Roman" panose="02020603050405020304" pitchFamily="18" charset="0"/>
+            </a:endParaRPr>
+          </a:p>
+          <a:p>
+            <a:pPr algn="ctr"/>
+            <a:r>
+              <a:rPr lang="en-US" sz="4000" b="1" dirty="0">
+                <a:solidFill>
+                  <a:schemeClr val="tx1"/>
+                </a:solidFill>
+                <a:latin typeface="Times New Roman" panose="02020603050405020304" pitchFamily="18" charset="0"/>
+                <a:ea typeface="Malgun Gothic" panose="020B0503020000020004" pitchFamily="34" charset="-127"/>
+                <a:cs typeface="Times New Roman" panose="02020603050405020304" pitchFamily="18" charset="0"/>
+              </a:rPr>
+              <a:t>     </a:t>
+            </a:r>
+          </a:p>
+          <a:p>
+            <a:pPr algn="ctr"/>
+            <a:endParaRPr lang="en-US" sz="4000" b="1" dirty="0">
+              <a:solidFill>
+                <a:schemeClr val="tx1"/>
+              </a:solidFill>
+              <a:latin typeface="Times New Roman" panose="02020603050405020304" pitchFamily="18" charset="0"/>
+              <a:ea typeface="Malgun Gothic" panose="020B0503020000020004" pitchFamily="34" charset="-127"/>
+              <a:cs typeface="Times New Roman" panose="02020603050405020304" pitchFamily="18" charset="0"/>
+            </a:endParaRPr>
+          </a:p>
+          <a:p>
+            <a:pPr algn="ctr"/>
+            <a:endParaRPr lang="en-US" sz="4000" b="1" dirty="0">
+              <a:solidFill>
+                <a:schemeClr val="tx1"/>
+              </a:solidFill>
+              <a:latin typeface="Times New Roman" panose="02020603050405020304" pitchFamily="18" charset="0"/>
+              <a:ea typeface="Malgun Gothic" panose="020B0503020000020004" pitchFamily="34" charset="-127"/>
+              <a:cs typeface="Times New Roman" panose="02020603050405020304" pitchFamily="18" charset="0"/>
+            </a:endParaRPr>
+          </a:p>
+          <a:p>
+            <a:pPr algn="ctr"/>
+            <a:endParaRPr lang="en-US" sz="4000" b="1" dirty="0">
+              <a:solidFill>
+                <a:schemeClr val="tx1"/>
+              </a:solidFill>
+              <a:latin typeface="Times New Roman" panose="02020603050405020304" pitchFamily="18" charset="0"/>
+              <a:ea typeface="Malgun Gothic" panose="020B0503020000020004" pitchFamily="34" charset="-127"/>
+              <a:cs typeface="Times New Roman" panose="02020603050405020304" pitchFamily="18" charset="0"/>
+            </a:endParaRPr>
+          </a:p>
+          <a:p>
+            <a:pPr algn="ctr"/>
+            <a:endParaRPr lang="en-US" sz="4000" b="1" dirty="0">
+              <a:solidFill>
+                <a:schemeClr val="tx1"/>
+              </a:solidFill>
+              <a:latin typeface="Times New Roman" panose="02020603050405020304" pitchFamily="18" charset="0"/>
+              <a:ea typeface="Malgun Gothic" panose="020B0503020000020004" pitchFamily="34" charset="-127"/>
+              <a:cs typeface="Times New Roman" panose="02020603050405020304" pitchFamily="18" charset="0"/>
+            </a:endParaRPr>
+          </a:p>
+          <a:p>
+            <a:pPr algn="ctr"/>
+            <a:endParaRPr lang="en-US" sz="4000" b="1" dirty="0">
+              <a:solidFill>
+                <a:schemeClr val="tx1"/>
+              </a:solidFill>
+              <a:latin typeface="Times New Roman" panose="02020603050405020304" pitchFamily="18" charset="0"/>
+              <a:ea typeface="Malgun Gothic" panose="020B0503020000020004" pitchFamily="34" charset="-127"/>
+              <a:cs typeface="Times New Roman" panose="02020603050405020304" pitchFamily="18" charset="0"/>
             </a:endParaRPr>
           </a:p>
         </p:txBody>
@@ -3598,8 +4031,8 @@
         </p:nvSpPr>
         <p:spPr>
           <a:xfrm>
-            <a:off x="2833476" y="5462375"/>
-            <a:ext cx="6014408" cy="1156397"/>
+            <a:off x="2371746" y="5420327"/>
+            <a:ext cx="8257630" cy="1179191"/>
           </a:xfrm>
           <a:prstGeom prst="roundRect">
             <a:avLst/>
@@ -3640,7 +4073,7 @@
           <a:p>
             <a:pPr algn="ctr"/>
             <a:r>
-              <a:rPr lang="en-US" sz="4800" b="1" dirty="0">
+              <a:rPr lang="en-US" sz="6720" b="1" dirty="0">
                 <a:latin typeface="Arial" panose="020B0604020202020204" pitchFamily="34" charset="0"/>
                 <a:cs typeface="Arial" panose="020B0604020202020204" pitchFamily="34" charset="0"/>
               </a:rPr>
@@ -3663,8 +4096,8 @@
         </p:nvSpPr>
         <p:spPr>
           <a:xfrm>
-            <a:off x="11145433" y="15241971"/>
-            <a:ext cx="8678759" cy="20376085"/>
+            <a:off x="25893216" y="5870510"/>
+            <a:ext cx="12147125" cy="24042365"/>
           </a:xfrm>
           <a:prstGeom prst="roundRect">
             <a:avLst/>
@@ -3696,24 +4129,13 @@
           <a:bodyPr rtlCol="0" anchor="ctr"/>
           <a:lstStyle/>
           <a:p>
-            <a:pPr marL="0" marR="0">
-              <a:lnSpc>
-                <a:spcPct val="200000"/>
-              </a:lnSpc>
-              <a:spcBef>
-                <a:spcPts val="0"/>
-              </a:spcBef>
-              <a:spcAft>
-                <a:spcPts val="0"/>
-              </a:spcAft>
-            </a:pPr>
-            <a:endParaRPr lang="en-US" dirty="0">
+            <a:pPr algn="ctr"/>
+            <a:endParaRPr lang="en-US" sz="4000" dirty="0">
               <a:solidFill>
                 <a:schemeClr val="tx1"/>
               </a:solidFill>
-              <a:effectLst/>
-              <a:latin typeface="Sans-serif"/>
-              <a:ea typeface="Malgun Gothic" panose="020B0503020000020004" pitchFamily="34" charset="-127"/>
+              <a:latin typeface="Times New Roman" panose="02020603050405020304" pitchFamily="18" charset="0"/>
+              <a:cs typeface="Times New Roman" panose="02020603050405020304" pitchFamily="18" charset="0"/>
             </a:endParaRPr>
           </a:p>
         </p:txBody>
@@ -3732,8 +4154,8 @@
         </p:nvSpPr>
         <p:spPr>
           <a:xfrm>
-            <a:off x="13226521" y="14312562"/>
-            <a:ext cx="4516582" cy="1330037"/>
+            <a:off x="27756691" y="5538316"/>
+            <a:ext cx="8420171" cy="1179190"/>
           </a:xfrm>
           <a:prstGeom prst="roundRect">
             <a:avLst/>
@@ -3774,21 +4196,21 @@
           <a:p>
             <a:pPr algn="ctr"/>
             <a:r>
-              <a:rPr lang="en-US" sz="4800" b="1" dirty="0">
+              <a:rPr lang="en-US" sz="6720" b="1" dirty="0">
                 <a:latin typeface="Arial" panose="020B0604020202020204" pitchFamily="34" charset="0"/>
                 <a:cs typeface="Arial" panose="020B0604020202020204" pitchFamily="34" charset="0"/>
               </a:rPr>
-              <a:t>RESULTS</a:t>
-            </a:r>
-          </a:p>
-        </p:txBody>
-      </p:sp>
-      <p:sp>
-        <p:nvSpPr>
-          <p:cNvPr id="9" name="Rectangle: Rounded Corners 8">
-            <a:extLst>
-              <a:ext uri="{FF2B5EF4-FFF2-40B4-BE49-F238E27FC236}">
-                <a16:creationId xmlns:a16="http://schemas.microsoft.com/office/drawing/2014/main" id="{16D50F63-EC87-D56B-5401-24E9C962B0D5}"/>
+              <a:t>RESULT</a:t>
+            </a:r>
+          </a:p>
+        </p:txBody>
+      </p:sp>
+      <p:sp>
+        <p:nvSpPr>
+          <p:cNvPr id="16" name="Rectangle: Rounded Corners 15">
+            <a:extLst>
+              <a:ext uri="{FF2B5EF4-FFF2-40B4-BE49-F238E27FC236}">
+                <a16:creationId xmlns:a16="http://schemas.microsoft.com/office/drawing/2014/main" id="{B68C7FD2-421A-9EB5-9AB3-20C29F542DBA}"/>
               </a:ext>
             </a:extLst>
           </p:cNvPr>
@@ -3797,143 +4219,8 @@
         </p:nvSpPr>
         <p:spPr>
           <a:xfrm>
-            <a:off x="20121300" y="15381349"/>
-            <a:ext cx="6806393" cy="10532679"/>
-          </a:xfrm>
-          <a:prstGeom prst="roundRect">
-            <a:avLst/>
-          </a:prstGeom>
-          <a:solidFill>
-            <a:srgbClr val="BFEFFF"/>
-          </a:solidFill>
-          <a:ln>
-            <a:noFill/>
-          </a:ln>
-        </p:spPr>
-        <p:style>
-          <a:lnRef idx="2">
-            <a:schemeClr val="accent1">
-              <a:shade val="50000"/>
-            </a:schemeClr>
-          </a:lnRef>
-          <a:fillRef idx="1">
-            <a:schemeClr val="accent1"/>
-          </a:fillRef>
-          <a:effectRef idx="0">
-            <a:schemeClr val="accent1"/>
-          </a:effectRef>
-          <a:fontRef idx="minor">
-            <a:schemeClr val="lt1"/>
-          </a:fontRef>
-        </p:style>
-        <p:txBody>
-          <a:bodyPr rtlCol="0" anchor="ctr"/>
-          <a:lstStyle/>
-          <a:p>
-            <a:pPr marL="0" marR="0">
-              <a:lnSpc>
-                <a:spcPct val="200000"/>
-              </a:lnSpc>
-              <a:spcBef>
-                <a:spcPts val="0"/>
-              </a:spcBef>
-              <a:spcAft>
-                <a:spcPts val="0"/>
-              </a:spcAft>
-            </a:pPr>
-            <a:endParaRPr lang="en-US" sz="2800" dirty="0">
-              <a:solidFill>
-                <a:schemeClr val="tx1"/>
-              </a:solidFill>
-              <a:effectLst/>
-              <a:latin typeface="Sans-serif"/>
-              <a:ea typeface="Malgun Gothic" panose="020B0503020000020004" pitchFamily="34" charset="-127"/>
-              <a:cs typeface="Times New Roman" panose="02020603050405020304" pitchFamily="18" charset="0"/>
-            </a:endParaRPr>
-          </a:p>
-        </p:txBody>
-      </p:sp>
-      <p:sp>
-        <p:nvSpPr>
-          <p:cNvPr id="11" name="Rectangle: Rounded Corners 10">
-            <a:extLst>
-              <a:ext uri="{FF2B5EF4-FFF2-40B4-BE49-F238E27FC236}">
-                <a16:creationId xmlns:a16="http://schemas.microsoft.com/office/drawing/2014/main" id="{3E825DC9-3428-2730-D9A4-489B91A2129F}"/>
-              </a:ext>
-            </a:extLst>
-          </p:cNvPr>
-          <p:cNvSpPr/>
-          <p:nvPr/>
-        </p:nvSpPr>
-        <p:spPr>
-          <a:xfrm>
-            <a:off x="21065890" y="14242299"/>
-            <a:ext cx="4917211" cy="1470562"/>
-          </a:xfrm>
-          <a:prstGeom prst="roundRect">
-            <a:avLst/>
-          </a:prstGeom>
-          <a:solidFill>
-            <a:srgbClr val="002147">
-              <a:alpha val="49804"/>
-            </a:srgbClr>
-          </a:solidFill>
-          <a:ln>
-            <a:noFill/>
-          </a:ln>
-          <a:effectLst>
-            <a:outerShdw blurRad="44450" dist="27940" dir="5400000" algn="ctr">
-              <a:srgbClr val="000000">
-                <a:alpha val="32000"/>
-              </a:srgbClr>
-            </a:outerShdw>
-          </a:effectLst>
-        </p:spPr>
-        <p:style>
-          <a:lnRef idx="0">
-            <a:scrgbClr r="0" g="0" b="0"/>
-          </a:lnRef>
-          <a:fillRef idx="0">
-            <a:scrgbClr r="0" g="0" b="0"/>
-          </a:fillRef>
-          <a:effectRef idx="0">
-            <a:scrgbClr r="0" g="0" b="0"/>
-          </a:effectRef>
-          <a:fontRef idx="minor">
-            <a:schemeClr val="lt1"/>
-          </a:fontRef>
-        </p:style>
-        <p:txBody>
-          <a:bodyPr rtlCol="0" anchor="ctr"/>
-          <a:lstStyle/>
-          <a:p>
-            <a:pPr algn="ctr"/>
-            <a:r>
-              <a:rPr lang="en-US" sz="4800" b="1" dirty="0">
-                <a:latin typeface="Arial" panose="020B0604020202020204" pitchFamily="34" charset="0"/>
-                <a:cs typeface="Arial" panose="020B0604020202020204" pitchFamily="34" charset="0"/>
-              </a:rPr>
-              <a:t>REFERENCE</a:t>
-            </a:r>
-          </a:p>
-        </p:txBody>
-      </p:sp>
-      <p:sp>
-        <p:nvSpPr>
-          <p:cNvPr id="16" name="Rectangle: Rounded Corners 15">
-            <a:extLst>
-              <a:ext uri="{FF2B5EF4-FFF2-40B4-BE49-F238E27FC236}">
-                <a16:creationId xmlns:a16="http://schemas.microsoft.com/office/drawing/2014/main" id="{B68C7FD2-421A-9EB5-9AB3-20C29F542DBA}"/>
-              </a:ext>
-            </a:extLst>
-          </p:cNvPr>
-          <p:cNvSpPr/>
-          <p:nvPr/>
-        </p:nvSpPr>
-        <p:spPr>
-          <a:xfrm>
-            <a:off x="11145433" y="6040574"/>
-            <a:ext cx="15316751" cy="7871367"/>
+            <a:off x="12458193" y="6009923"/>
+            <a:ext cx="13229612" cy="23902951"/>
           </a:xfrm>
           <a:prstGeom prst="roundRect">
             <a:avLst/>
@@ -3965,24 +4252,13 @@
           <a:bodyPr rtlCol="0" anchor="ctr"/>
           <a:lstStyle/>
           <a:p>
-            <a:pPr marL="0" marR="0">
-              <a:lnSpc>
-                <a:spcPct val="200000"/>
-              </a:lnSpc>
-              <a:spcBef>
-                <a:spcPts val="0"/>
-              </a:spcBef>
-              <a:spcAft>
-                <a:spcPts val="0"/>
-              </a:spcAft>
-            </a:pPr>
-            <a:endParaRPr lang="en-US" dirty="0">
+            <a:endParaRPr lang="en-US" sz="4000" b="1" dirty="0">
               <a:solidFill>
                 <a:schemeClr val="tx1"/>
               </a:solidFill>
-              <a:effectLst/>
-              <a:latin typeface="Sans-serif"/>
+              <a:latin typeface="Times New Roman" panose="02020603050405020304" pitchFamily="18" charset="0"/>
               <a:ea typeface="Malgun Gothic" panose="020B0503020000020004" pitchFamily="34" charset="-127"/>
+              <a:cs typeface="Times New Roman" panose="02020603050405020304" pitchFamily="18" charset="0"/>
             </a:endParaRPr>
           </a:p>
         </p:txBody>
@@ -4001,8 +4277,8 @@
         </p:nvSpPr>
         <p:spPr>
           <a:xfrm>
-            <a:off x="13778569" y="5446076"/>
-            <a:ext cx="9611098" cy="1085878"/>
+            <a:off x="14386379" y="5538316"/>
+            <a:ext cx="9373240" cy="1179190"/>
           </a:xfrm>
           <a:prstGeom prst="roundRect">
             <a:avLst/>
@@ -4043,11 +4319,11 @@
           <a:p>
             <a:pPr algn="ctr"/>
             <a:r>
-              <a:rPr lang="en-US" sz="4800" b="1" dirty="0">
+              <a:rPr lang="en-US" sz="6720" b="1" dirty="0">
                 <a:latin typeface="Arial" panose="020B0604020202020204" pitchFamily="34" charset="0"/>
                 <a:cs typeface="Arial" panose="020B0604020202020204" pitchFamily="34" charset="0"/>
               </a:rPr>
-              <a:t>METHODOLOGY</a:t>
+              <a:t>METHODS</a:t>
             </a:r>
           </a:p>
         </p:txBody>
@@ -4066,8 +4342,8 @@
         </p:nvSpPr>
         <p:spPr>
           <a:xfrm>
-            <a:off x="922705" y="20422019"/>
-            <a:ext cx="9741727" cy="15196036"/>
+            <a:off x="542929" y="17344324"/>
+            <a:ext cx="11709853" cy="5640195"/>
           </a:xfrm>
           <a:prstGeom prst="roundRect">
             <a:avLst/>
@@ -4099,34 +4375,23 @@
           <a:bodyPr rtlCol="0" anchor="ctr"/>
           <a:lstStyle/>
           <a:p>
-            <a:pPr marL="0" marR="0">
-              <a:lnSpc>
-                <a:spcPct val="200000"/>
-              </a:lnSpc>
-              <a:spcBef>
-                <a:spcPts val="0"/>
-              </a:spcBef>
-              <a:spcAft>
-                <a:spcPts val="0"/>
-              </a:spcAft>
-            </a:pPr>
-            <a:endParaRPr lang="en-US" dirty="0">
+            <a:endParaRPr lang="en-US" sz="4000" dirty="0">
               <a:solidFill>
                 <a:schemeClr val="tx1"/>
               </a:solidFill>
-              <a:effectLst/>
-              <a:latin typeface="Sans-serif"/>
+              <a:latin typeface="Times New Roman" panose="02020603050405020304" pitchFamily="18" charset="0"/>
               <a:ea typeface="Malgun Gothic" panose="020B0503020000020004" pitchFamily="34" charset="-127"/>
+              <a:cs typeface="Times New Roman" panose="02020603050405020304" pitchFamily="18" charset="0"/>
             </a:endParaRPr>
           </a:p>
         </p:txBody>
       </p:sp>
       <p:sp>
         <p:nvSpPr>
-          <p:cNvPr id="22" name="Rectangle: Rounded Corners 21">
-            <a:extLst>
-              <a:ext uri="{FF2B5EF4-FFF2-40B4-BE49-F238E27FC236}">
-                <a16:creationId xmlns:a16="http://schemas.microsoft.com/office/drawing/2014/main" id="{BB481D7B-EF54-DA3E-28DD-7E29398FDC71}"/>
+          <p:cNvPr id="2" name="Rectangle: Rounded Corners 1">
+            <a:extLst>
+              <a:ext uri="{FF2B5EF4-FFF2-40B4-BE49-F238E27FC236}">
+                <a16:creationId xmlns:a16="http://schemas.microsoft.com/office/drawing/2014/main" id="{DD062736-DD06-4AD7-1A98-C70F41F63C46}"/>
               </a:ext>
             </a:extLst>
           </p:cNvPr>
@@ -4135,30 +4400,37 @@
         </p:nvSpPr>
         <p:spPr>
           <a:xfrm>
-            <a:off x="13151483" y="26122668"/>
-            <a:ext cx="13310701" cy="9495387"/>
+            <a:off x="2343815" y="16623000"/>
+            <a:ext cx="8420172" cy="1220460"/>
           </a:xfrm>
           <a:prstGeom prst="roundRect">
             <a:avLst/>
           </a:prstGeom>
           <a:solidFill>
-            <a:srgbClr val="FFFFE0"/>
+            <a:srgbClr val="D62A6C">
+              <a:alpha val="49804"/>
+            </a:srgbClr>
           </a:solidFill>
           <a:ln>
             <a:noFill/>
           </a:ln>
+          <a:effectLst>
+            <a:outerShdw blurRad="44450" dist="27940" dir="5400000" algn="ctr">
+              <a:srgbClr val="000000">
+                <a:alpha val="32000"/>
+              </a:srgbClr>
+            </a:outerShdw>
+          </a:effectLst>
         </p:spPr>
         <p:style>
-          <a:lnRef idx="2">
-            <a:schemeClr val="accent1">
-              <a:shade val="50000"/>
-            </a:schemeClr>
+          <a:lnRef idx="0">
+            <a:scrgbClr r="0" g="0" b="0"/>
           </a:lnRef>
-          <a:fillRef idx="1">
-            <a:schemeClr val="accent1"/>
+          <a:fillRef idx="0">
+            <a:scrgbClr r="0" g="0" b="0"/>
           </a:fillRef>
           <a:effectRef idx="0">
-            <a:schemeClr val="accent1"/>
+            <a:scrgbClr r="0" g="0" b="0"/>
           </a:effectRef>
           <a:fontRef idx="minor">
             <a:schemeClr val="lt1"/>
@@ -4168,37 +4440,23 @@
           <a:bodyPr rtlCol="0" anchor="ctr"/>
           <a:lstStyle/>
           <a:p>
-            <a:pPr marL="0" marR="0">
-              <a:lnSpc>
-                <a:spcPct val="200000"/>
-              </a:lnSpc>
-              <a:spcBef>
-                <a:spcPts val="0"/>
-              </a:spcBef>
-              <a:spcAft>
-                <a:spcPts val="0"/>
-              </a:spcAft>
-            </a:pPr>
-            <a:r>
-              <a:rPr lang="en-US" dirty="0">
-                <a:solidFill>
-                  <a:schemeClr val="tx1"/>
-                </a:solidFill>
-                <a:effectLst/>
-                <a:latin typeface="Sans-serif"/>
-                <a:ea typeface="Malgun Gothic" panose="020B0503020000020004" pitchFamily="34" charset="-127"/>
+            <a:pPr algn="ctr"/>
+            <a:r>
+              <a:rPr lang="en-US" sz="5500" b="1" dirty="0">
+                <a:latin typeface="Arial" panose="020B0604020202020204" pitchFamily="34" charset="0"/>
+                <a:cs typeface="Arial" panose="020B0604020202020204" pitchFamily="34" charset="0"/>
               </a:rPr>
-              <a:t> </a:t>
-            </a:r>
-          </a:p>
-        </p:txBody>
-      </p:sp>
-      <p:sp>
-        <p:nvSpPr>
-          <p:cNvPr id="2" name="Rectangle: Rounded Corners 1">
-            <a:extLst>
-              <a:ext uri="{FF2B5EF4-FFF2-40B4-BE49-F238E27FC236}">
-                <a16:creationId xmlns:a16="http://schemas.microsoft.com/office/drawing/2014/main" id="{DD062736-DD06-4AD7-1A98-C70F41F63C46}"/>
+              <a:t>CONCLUSION</a:t>
+            </a:r>
+          </a:p>
+        </p:txBody>
+      </p:sp>
+      <p:sp>
+        <p:nvSpPr>
+          <p:cNvPr id="55" name="Rectangle: Rounded Corners 54">
+            <a:extLst>
+              <a:ext uri="{FF2B5EF4-FFF2-40B4-BE49-F238E27FC236}">
+                <a16:creationId xmlns:a16="http://schemas.microsoft.com/office/drawing/2014/main" id="{30D967F1-3CBD-C1B7-A726-7DDB72090C27}"/>
               </a:ext>
             </a:extLst>
           </p:cNvPr>
@@ -4207,8 +4465,8 @@
         </p:nvSpPr>
         <p:spPr>
           <a:xfrm>
-            <a:off x="2613729" y="19988484"/>
-            <a:ext cx="6014408" cy="1156397"/>
+            <a:off x="2290475" y="23140445"/>
+            <a:ext cx="8420172" cy="1020839"/>
           </a:xfrm>
           <a:prstGeom prst="roundRect">
             <a:avLst/>
@@ -4249,11 +4507,2147 @@
           <a:p>
             <a:pPr algn="ctr"/>
             <a:r>
-              <a:rPr lang="en-US" sz="4800" b="1" dirty="0">
+              <a:rPr lang="en-US" sz="5500" b="1" dirty="0">
                 <a:latin typeface="Arial" panose="020B0604020202020204" pitchFamily="34" charset="0"/>
                 <a:cs typeface="Arial" panose="020B0604020202020204" pitchFamily="34" charset="0"/>
               </a:rPr>
-              <a:t>CONCLUSION</a:t>
+              <a:t>REFERENCE</a:t>
+            </a:r>
+          </a:p>
+        </p:txBody>
+      </p:sp>
+      <p:sp>
+        <p:nvSpPr>
+          <p:cNvPr id="7" name="TextBox 6">
+            <a:extLst>
+              <a:ext uri="{FF2B5EF4-FFF2-40B4-BE49-F238E27FC236}">
+                <a16:creationId xmlns:a16="http://schemas.microsoft.com/office/drawing/2014/main" id="{E4D39B80-D690-7D14-EC8C-B385391F464A}"/>
+              </a:ext>
+            </a:extLst>
+          </p:cNvPr>
+          <p:cNvSpPr txBox="1"/>
+          <p:nvPr/>
+        </p:nvSpPr>
+        <p:spPr>
+          <a:xfrm>
+            <a:off x="25893215" y="7218643"/>
+            <a:ext cx="12147125" cy="23760351"/>
+          </a:xfrm>
+          <a:prstGeom prst="rect">
+            <a:avLst/>
+          </a:prstGeom>
+          <a:noFill/>
+        </p:spPr>
+        <p:txBody>
+          <a:bodyPr wrap="square" rtlCol="0">
+            <a:spAutoFit/>
+          </a:bodyPr>
+          <a:lstStyle/>
+          <a:p>
+            <a:pPr marL="571500" indent="-571500">
+              <a:buFont typeface="Arial" panose="020B0604020202020204" pitchFamily="34" charset="0"/>
+              <a:buChar char="•"/>
+            </a:pPr>
+            <a:r>
+              <a:rPr lang="en-US" sz="4000" b="1" dirty="0">
+                <a:solidFill>
+                  <a:schemeClr val="tx1"/>
+                </a:solidFill>
+                <a:latin typeface="Times New Roman" panose="02020603050405020304" pitchFamily="18" charset="0"/>
+                <a:ea typeface="Malgun Gothic" panose="020B0503020000020004" pitchFamily="34" charset="-127"/>
+                <a:cs typeface="Times New Roman" panose="02020603050405020304" pitchFamily="18" charset="0"/>
+              </a:rPr>
+              <a:t>Existing Dickinson FYS Assignment Program</a:t>
+            </a:r>
+          </a:p>
+          <a:p>
+            <a:pPr marL="1028700" lvl="1" indent="-571500">
+              <a:buFont typeface="Arial" panose="020B0604020202020204" pitchFamily="34" charset="0"/>
+              <a:buChar char="•"/>
+            </a:pPr>
+            <a:r>
+              <a:rPr lang="en-US" sz="4000" b="1" dirty="0">
+                <a:latin typeface="Times New Roman" panose="02020603050405020304" pitchFamily="18" charset="0"/>
+                <a:ea typeface="Malgun Gothic" panose="020B0503020000020004" pitchFamily="34" charset="-127"/>
+                <a:cs typeface="Times New Roman" panose="02020603050405020304" pitchFamily="18" charset="0"/>
+              </a:rPr>
+              <a:t>Program run-time: </a:t>
+            </a:r>
+            <a:r>
+              <a:rPr lang="en-US" sz="4000" dirty="0">
+                <a:latin typeface="Times New Roman" panose="02020603050405020304" pitchFamily="18" charset="0"/>
+                <a:ea typeface="Malgun Gothic" panose="020B0503020000020004" pitchFamily="34" charset="-127"/>
+                <a:cs typeface="Times New Roman" panose="02020603050405020304" pitchFamily="18" charset="0"/>
+              </a:rPr>
+              <a:t>Approximately</a:t>
+            </a:r>
+            <a:r>
+              <a:rPr lang="en-US" sz="4000" b="1" dirty="0">
+                <a:latin typeface="Times New Roman" panose="02020603050405020304" pitchFamily="18" charset="0"/>
+                <a:ea typeface="Malgun Gothic" panose="020B0503020000020004" pitchFamily="34" charset="-127"/>
+                <a:cs typeface="Times New Roman" panose="02020603050405020304" pitchFamily="18" charset="0"/>
+              </a:rPr>
+              <a:t> </a:t>
+            </a:r>
+            <a:r>
+              <a:rPr lang="en-US" sz="4000" dirty="0">
+                <a:latin typeface="Times New Roman" panose="02020603050405020304" pitchFamily="18" charset="0"/>
+                <a:ea typeface="Malgun Gothic" panose="020B0503020000020004" pitchFamily="34" charset="-127"/>
+                <a:cs typeface="Times New Roman" panose="02020603050405020304" pitchFamily="18" charset="0"/>
+              </a:rPr>
+              <a:t>10</a:t>
+            </a:r>
+            <a:r>
+              <a:rPr lang="en-US" sz="4000" b="1" dirty="0">
+                <a:latin typeface="Times New Roman" panose="02020603050405020304" pitchFamily="18" charset="0"/>
+                <a:ea typeface="Malgun Gothic" panose="020B0503020000020004" pitchFamily="34" charset="-127"/>
+                <a:cs typeface="Times New Roman" panose="02020603050405020304" pitchFamily="18" charset="0"/>
+              </a:rPr>
+              <a:t> </a:t>
+            </a:r>
+            <a:r>
+              <a:rPr lang="en-US" sz="4000" dirty="0">
+                <a:latin typeface="Times New Roman" panose="02020603050405020304" pitchFamily="18" charset="0"/>
+                <a:ea typeface="Malgun Gothic" panose="020B0503020000020004" pitchFamily="34" charset="-127"/>
+                <a:cs typeface="Times New Roman" panose="02020603050405020304" pitchFamily="18" charset="0"/>
+              </a:rPr>
+              <a:t>minutes</a:t>
+            </a:r>
+          </a:p>
+          <a:p>
+            <a:pPr marL="1028700" lvl="1" indent="-571500">
+              <a:buFont typeface="Arial" panose="020B0604020202020204" pitchFamily="34" charset="0"/>
+              <a:buChar char="•"/>
+            </a:pPr>
+            <a:r>
+              <a:rPr lang="en-US" sz="4000" b="1" dirty="0">
+                <a:solidFill>
+                  <a:schemeClr val="tx1"/>
+                </a:solidFill>
+                <a:latin typeface="Times New Roman" panose="02020603050405020304" pitchFamily="18" charset="0"/>
+                <a:ea typeface="Malgun Gothic" panose="020B0503020000020004" pitchFamily="34" charset="-127"/>
+                <a:cs typeface="Times New Roman" panose="02020603050405020304" pitchFamily="18" charset="0"/>
+              </a:rPr>
+              <a:t>Assignment results:</a:t>
+            </a:r>
+          </a:p>
+          <a:p>
+            <a:pPr marL="1943100" lvl="3" indent="-571500">
+              <a:buFont typeface="Arial" panose="020B0604020202020204" pitchFamily="34" charset="0"/>
+              <a:buChar char="•"/>
+            </a:pPr>
+            <a:r>
+              <a:rPr lang="en-US" sz="4000" dirty="0">
+                <a:latin typeface="Times New Roman" panose="02020603050405020304" pitchFamily="18" charset="0"/>
+                <a:ea typeface="Malgun Gothic" panose="020B0503020000020004" pitchFamily="34" charset="-127"/>
+                <a:cs typeface="Times New Roman" panose="02020603050405020304" pitchFamily="18" charset="0"/>
+              </a:rPr>
+              <a:t>First-choice: 48.028673835125446% </a:t>
+            </a:r>
+          </a:p>
+          <a:p>
+            <a:pPr marL="1943100" lvl="3" indent="-571500">
+              <a:buFont typeface="Arial" panose="020B0604020202020204" pitchFamily="34" charset="0"/>
+              <a:buChar char="•"/>
+            </a:pPr>
+            <a:r>
+              <a:rPr lang="en-US" sz="4000" dirty="0">
+                <a:latin typeface="Times New Roman" panose="02020603050405020304" pitchFamily="18" charset="0"/>
+                <a:ea typeface="Malgun Gothic" panose="020B0503020000020004" pitchFamily="34" charset="-127"/>
+                <a:cs typeface="Times New Roman" panose="02020603050405020304" pitchFamily="18" charset="0"/>
+              </a:rPr>
+              <a:t>Second-choice: 27.956989247311824%</a:t>
+            </a:r>
+          </a:p>
+          <a:p>
+            <a:pPr marL="1943100" lvl="3" indent="-571500">
+              <a:buFont typeface="Arial" panose="020B0604020202020204" pitchFamily="34" charset="0"/>
+              <a:buChar char="•"/>
+            </a:pPr>
+            <a:r>
+              <a:rPr lang="en-US" sz="4000" dirty="0">
+                <a:latin typeface="Times New Roman" panose="02020603050405020304" pitchFamily="18" charset="0"/>
+                <a:ea typeface="Malgun Gothic" panose="020B0503020000020004" pitchFamily="34" charset="-127"/>
+                <a:cs typeface="Times New Roman" panose="02020603050405020304" pitchFamily="18" charset="0"/>
+              </a:rPr>
+              <a:t>Variance: 0.661% (gender); 0.75% (student type)</a:t>
+            </a:r>
+          </a:p>
+          <a:p>
+            <a:pPr marL="1943100" lvl="3" indent="-571500">
+              <a:buFont typeface="Arial" panose="020B0604020202020204" pitchFamily="34" charset="0"/>
+              <a:buChar char="•"/>
+            </a:pPr>
+            <a:endParaRPr lang="en-US" sz="4000" dirty="0">
+              <a:solidFill>
+                <a:schemeClr val="tx1"/>
+              </a:solidFill>
+              <a:latin typeface="Times New Roman" panose="02020603050405020304" pitchFamily="18" charset="0"/>
+              <a:ea typeface="Malgun Gothic" panose="020B0503020000020004" pitchFamily="34" charset="-127"/>
+              <a:cs typeface="Times New Roman" panose="02020603050405020304" pitchFamily="18" charset="0"/>
+            </a:endParaRPr>
+          </a:p>
+          <a:p>
+            <a:pPr lvl="1"/>
+            <a:endParaRPr lang="en-US" sz="4000" dirty="0">
+              <a:solidFill>
+                <a:schemeClr val="tx1"/>
+              </a:solidFill>
+              <a:latin typeface="Times New Roman" panose="02020603050405020304" pitchFamily="18" charset="0"/>
+              <a:ea typeface="Malgun Gothic" panose="020B0503020000020004" pitchFamily="34" charset="-127"/>
+              <a:cs typeface="Times New Roman" panose="02020603050405020304" pitchFamily="18" charset="0"/>
+            </a:endParaRPr>
+          </a:p>
+          <a:p>
+            <a:pPr lvl="1"/>
+            <a:endParaRPr lang="en-US" sz="4000" dirty="0">
+              <a:solidFill>
+                <a:schemeClr val="tx1"/>
+              </a:solidFill>
+              <a:latin typeface="Times New Roman" panose="02020603050405020304" pitchFamily="18" charset="0"/>
+              <a:ea typeface="Malgun Gothic" panose="020B0503020000020004" pitchFamily="34" charset="-127"/>
+              <a:cs typeface="Times New Roman" panose="02020603050405020304" pitchFamily="18" charset="0"/>
+            </a:endParaRPr>
+          </a:p>
+          <a:p>
+            <a:endParaRPr lang="en-US" sz="4000" b="1" dirty="0">
+              <a:solidFill>
+                <a:schemeClr val="tx1"/>
+              </a:solidFill>
+              <a:latin typeface="Times New Roman" panose="02020603050405020304" pitchFamily="18" charset="0"/>
+              <a:ea typeface="Malgun Gothic" panose="020B0503020000020004" pitchFamily="34" charset="-127"/>
+              <a:cs typeface="Times New Roman" panose="02020603050405020304" pitchFamily="18" charset="0"/>
+            </a:endParaRPr>
+          </a:p>
+          <a:p>
+            <a:pPr marL="571500" indent="-571500">
+              <a:buFont typeface="Arial" panose="020B0604020202020204" pitchFamily="34" charset="0"/>
+              <a:buChar char="•"/>
+            </a:pPr>
+            <a:endParaRPr lang="en-US" sz="4000" b="1" dirty="0">
+              <a:solidFill>
+                <a:schemeClr val="tx1"/>
+              </a:solidFill>
+              <a:latin typeface="Times New Roman" panose="02020603050405020304" pitchFamily="18" charset="0"/>
+              <a:ea typeface="Malgun Gothic" panose="020B0503020000020004" pitchFamily="34" charset="-127"/>
+              <a:cs typeface="Times New Roman" panose="02020603050405020304" pitchFamily="18" charset="0"/>
+            </a:endParaRPr>
+          </a:p>
+          <a:p>
+            <a:endParaRPr lang="en-US" sz="4000" b="1" dirty="0">
+              <a:latin typeface="Times New Roman" panose="02020603050405020304" pitchFamily="18" charset="0"/>
+              <a:ea typeface="Malgun Gothic" panose="020B0503020000020004" pitchFamily="34" charset="-127"/>
+              <a:cs typeface="Times New Roman" panose="02020603050405020304" pitchFamily="18" charset="0"/>
+            </a:endParaRPr>
+          </a:p>
+          <a:p>
+            <a:pPr marL="571500" indent="-571500">
+              <a:buFont typeface="Arial" panose="020B0604020202020204" pitchFamily="34" charset="0"/>
+              <a:buChar char="•"/>
+            </a:pPr>
+            <a:r>
+              <a:rPr lang="en-US" sz="4000" b="1" dirty="0">
+                <a:solidFill>
+                  <a:schemeClr val="tx1"/>
+                </a:solidFill>
+                <a:latin typeface="Times New Roman" panose="02020603050405020304" pitchFamily="18" charset="0"/>
+                <a:ea typeface="Malgun Gothic" panose="020B0503020000020004" pitchFamily="34" charset="-127"/>
+                <a:cs typeface="Times New Roman" panose="02020603050405020304" pitchFamily="18" charset="0"/>
+              </a:rPr>
+              <a:t>Hierarchical Implementation</a:t>
+            </a:r>
+          </a:p>
+          <a:p>
+            <a:pPr marL="1028700" lvl="1" indent="-571500">
+              <a:buFont typeface="Arial" panose="020B0604020202020204" pitchFamily="34" charset="0"/>
+              <a:buChar char="•"/>
+            </a:pPr>
+            <a:r>
+              <a:rPr lang="en-US" sz="4000" b="1" dirty="0">
+                <a:latin typeface="Times New Roman" panose="02020603050405020304" pitchFamily="18" charset="0"/>
+                <a:ea typeface="Malgun Gothic" panose="020B0503020000020004" pitchFamily="34" charset="-127"/>
+                <a:cs typeface="Times New Roman" panose="02020603050405020304" pitchFamily="18" charset="0"/>
+              </a:rPr>
+              <a:t>Program runtime</a:t>
+            </a:r>
+            <a:r>
+              <a:rPr lang="en-US" sz="4000" dirty="0">
+                <a:latin typeface="Times New Roman" panose="02020603050405020304" pitchFamily="18" charset="0"/>
+                <a:ea typeface="Malgun Gothic" panose="020B0503020000020004" pitchFamily="34" charset="-127"/>
+                <a:cs typeface="Times New Roman" panose="02020603050405020304" pitchFamily="18" charset="0"/>
+              </a:rPr>
+              <a:t>: Approximately 1 second</a:t>
+            </a:r>
+            <a:endParaRPr lang="en-US" sz="4000" b="1" dirty="0">
+              <a:solidFill>
+                <a:schemeClr val="tx1"/>
+              </a:solidFill>
+              <a:latin typeface="Times New Roman" panose="02020603050405020304" pitchFamily="18" charset="0"/>
+              <a:ea typeface="Malgun Gothic" panose="020B0503020000020004" pitchFamily="34" charset="-127"/>
+              <a:cs typeface="Times New Roman" panose="02020603050405020304" pitchFamily="18" charset="0"/>
+            </a:endParaRPr>
+          </a:p>
+          <a:p>
+            <a:pPr marL="1028700" lvl="1" indent="-571500">
+              <a:buFont typeface="Arial" panose="020B0604020202020204" pitchFamily="34" charset="0"/>
+              <a:buChar char="•"/>
+            </a:pPr>
+            <a:r>
+              <a:rPr lang="en-US" sz="4000" b="1" dirty="0">
+                <a:latin typeface="Times New Roman" panose="02020603050405020304" pitchFamily="18" charset="0"/>
+                <a:ea typeface="Malgun Gothic" panose="020B0503020000020004" pitchFamily="34" charset="-127"/>
+                <a:cs typeface="Times New Roman" panose="02020603050405020304" pitchFamily="18" charset="0"/>
+              </a:rPr>
+              <a:t>Method 1: </a:t>
+            </a:r>
+            <a:r>
+              <a:rPr lang="en-US" sz="4000" dirty="0">
+                <a:latin typeface="Times New Roman" panose="02020603050405020304" pitchFamily="18" charset="0"/>
+                <a:ea typeface="Malgun Gothic" panose="020B0503020000020004" pitchFamily="34" charset="-127"/>
+                <a:cs typeface="Times New Roman" panose="02020603050405020304" pitchFamily="18" charset="0"/>
+              </a:rPr>
+              <a:t>Minimize the sum of deviations from corresponding balance goals</a:t>
+            </a:r>
+            <a:endParaRPr lang="en-US" sz="4000" dirty="0">
+              <a:solidFill>
+                <a:schemeClr val="tx1"/>
+              </a:solidFill>
+              <a:latin typeface="Times New Roman" panose="02020603050405020304" pitchFamily="18" charset="0"/>
+              <a:ea typeface="Malgun Gothic" panose="020B0503020000020004" pitchFamily="34" charset="-127"/>
+              <a:cs typeface="Times New Roman" panose="02020603050405020304" pitchFamily="18" charset="0"/>
+            </a:endParaRPr>
+          </a:p>
+          <a:p>
+            <a:pPr marL="1485900" lvl="2" indent="-571500">
+              <a:buFont typeface="Arial" panose="020B0604020202020204" pitchFamily="34" charset="0"/>
+              <a:buChar char="•"/>
+            </a:pPr>
+            <a:r>
+              <a:rPr lang="en-US" sz="4000" b="1" dirty="0">
+                <a:solidFill>
+                  <a:schemeClr val="tx1"/>
+                </a:solidFill>
+                <a:latin typeface="Times New Roman" panose="02020603050405020304" pitchFamily="18" charset="0"/>
+                <a:ea typeface="Malgun Gothic" panose="020B0503020000020004" pitchFamily="34" charset="-127"/>
+                <a:cs typeface="Times New Roman" panose="02020603050405020304" pitchFamily="18" charset="0"/>
+              </a:rPr>
+              <a:t>Assignment results:</a:t>
+            </a:r>
+          </a:p>
+          <a:p>
+            <a:pPr marL="1943100" lvl="3" indent="-571500">
+              <a:buFont typeface="Arial" panose="020B0604020202020204" pitchFamily="34" charset="0"/>
+              <a:buChar char="•"/>
+            </a:pPr>
+            <a:r>
+              <a:rPr lang="en-US" sz="4000" dirty="0">
+                <a:latin typeface="Times New Roman" panose="02020603050405020304" pitchFamily="18" charset="0"/>
+                <a:ea typeface="Malgun Gothic" panose="020B0503020000020004" pitchFamily="34" charset="-127"/>
+                <a:cs typeface="Times New Roman" panose="02020603050405020304" pitchFamily="18" charset="0"/>
+              </a:rPr>
+              <a:t>First-choice: 56.272401433691755% </a:t>
+            </a:r>
+          </a:p>
+          <a:p>
+            <a:pPr marL="1943100" lvl="3" indent="-571500">
+              <a:buFont typeface="Arial" panose="020B0604020202020204" pitchFamily="34" charset="0"/>
+              <a:buChar char="•"/>
+            </a:pPr>
+            <a:r>
+              <a:rPr lang="en-US" sz="4000" dirty="0">
+                <a:latin typeface="Times New Roman" panose="02020603050405020304" pitchFamily="18" charset="0"/>
+                <a:ea typeface="Malgun Gothic" panose="020B0503020000020004" pitchFamily="34" charset="-127"/>
+                <a:cs typeface="Times New Roman" panose="02020603050405020304" pitchFamily="18" charset="0"/>
+              </a:rPr>
+              <a:t>Second-choice: 28.673835125448026%</a:t>
+            </a:r>
+          </a:p>
+          <a:p>
+            <a:pPr marL="1943100" lvl="3" indent="-571500">
+              <a:buFont typeface="Arial" panose="020B0604020202020204" pitchFamily="34" charset="0"/>
+              <a:buChar char="•"/>
+            </a:pPr>
+            <a:r>
+              <a:rPr lang="en-US" sz="4000" dirty="0">
+                <a:latin typeface="Times New Roman" panose="02020603050405020304" pitchFamily="18" charset="0"/>
+                <a:ea typeface="Malgun Gothic" panose="020B0503020000020004" pitchFamily="34" charset="-127"/>
+                <a:cs typeface="Times New Roman" panose="02020603050405020304" pitchFamily="18" charset="0"/>
+              </a:rPr>
+              <a:t>Variance: 1.68% (gender); 38.1% (student type)</a:t>
+            </a:r>
+          </a:p>
+          <a:p>
+            <a:pPr lvl="3"/>
+            <a:endParaRPr lang="en-US" sz="4000" b="1" dirty="0">
+              <a:solidFill>
+                <a:schemeClr val="tx1"/>
+              </a:solidFill>
+              <a:latin typeface="Times New Roman" panose="02020603050405020304" pitchFamily="18" charset="0"/>
+              <a:ea typeface="Malgun Gothic" panose="020B0503020000020004" pitchFamily="34" charset="-127"/>
+              <a:cs typeface="Times New Roman" panose="02020603050405020304" pitchFamily="18" charset="0"/>
+            </a:endParaRPr>
+          </a:p>
+          <a:p>
+            <a:pPr marL="571500" indent="-571500">
+              <a:buFont typeface="Arial" panose="020B0604020202020204" pitchFamily="34" charset="0"/>
+              <a:buChar char="•"/>
+            </a:pPr>
+            <a:endParaRPr lang="en-US" sz="4000" b="1" dirty="0">
+              <a:solidFill>
+                <a:schemeClr val="tx1"/>
+              </a:solidFill>
+              <a:latin typeface="Times New Roman" panose="02020603050405020304" pitchFamily="18" charset="0"/>
+              <a:ea typeface="Malgun Gothic" panose="020B0503020000020004" pitchFamily="34" charset="-127"/>
+              <a:cs typeface="Times New Roman" panose="02020603050405020304" pitchFamily="18" charset="0"/>
+            </a:endParaRPr>
+          </a:p>
+          <a:p>
+            <a:pPr marL="571500" indent="-571500">
+              <a:buFont typeface="Arial" panose="020B0604020202020204" pitchFamily="34" charset="0"/>
+              <a:buChar char="•"/>
+            </a:pPr>
+            <a:endParaRPr lang="en-US" sz="4000" b="1" dirty="0">
+              <a:latin typeface="Times New Roman" panose="02020603050405020304" pitchFamily="18" charset="0"/>
+              <a:ea typeface="Malgun Gothic" panose="020B0503020000020004" pitchFamily="34" charset="-127"/>
+              <a:cs typeface="Times New Roman" panose="02020603050405020304" pitchFamily="18" charset="0"/>
+            </a:endParaRPr>
+          </a:p>
+          <a:p>
+            <a:pPr marL="571500" indent="-571500">
+              <a:buFont typeface="Arial" panose="020B0604020202020204" pitchFamily="34" charset="0"/>
+              <a:buChar char="•"/>
+            </a:pPr>
+            <a:endParaRPr lang="en-US" sz="4000" b="1" dirty="0">
+              <a:solidFill>
+                <a:schemeClr val="tx1"/>
+              </a:solidFill>
+              <a:latin typeface="Times New Roman" panose="02020603050405020304" pitchFamily="18" charset="0"/>
+              <a:ea typeface="Malgun Gothic" panose="020B0503020000020004" pitchFamily="34" charset="-127"/>
+              <a:cs typeface="Times New Roman" panose="02020603050405020304" pitchFamily="18" charset="0"/>
+            </a:endParaRPr>
+          </a:p>
+          <a:p>
+            <a:endParaRPr lang="en-US" sz="4000" b="1" dirty="0">
+              <a:latin typeface="Times New Roman" panose="02020603050405020304" pitchFamily="18" charset="0"/>
+              <a:ea typeface="Malgun Gothic" panose="020B0503020000020004" pitchFamily="34" charset="-127"/>
+              <a:cs typeface="Times New Roman" panose="02020603050405020304" pitchFamily="18" charset="0"/>
+            </a:endParaRPr>
+          </a:p>
+          <a:p>
+            <a:pPr marL="1028700" lvl="1" indent="-571500">
+              <a:buFont typeface="Arial" panose="020B0604020202020204" pitchFamily="34" charset="0"/>
+              <a:buChar char="•"/>
+            </a:pPr>
+            <a:endParaRPr lang="en-US" sz="4000" dirty="0">
+              <a:solidFill>
+                <a:schemeClr val="tx1"/>
+              </a:solidFill>
+              <a:latin typeface="Times New Roman" panose="02020603050405020304" pitchFamily="18" charset="0"/>
+              <a:ea typeface="Malgun Gothic" panose="020B0503020000020004" pitchFamily="34" charset="-127"/>
+              <a:cs typeface="Times New Roman" panose="02020603050405020304" pitchFamily="18" charset="0"/>
+            </a:endParaRPr>
+          </a:p>
+          <a:p>
+            <a:pPr marL="1028700" lvl="1" indent="-571500">
+              <a:buFont typeface="Arial" panose="020B0604020202020204" pitchFamily="34" charset="0"/>
+              <a:buChar char="•"/>
+            </a:pPr>
+            <a:r>
+              <a:rPr lang="en-US" sz="4000" b="1" dirty="0">
+                <a:latin typeface="Times New Roman" panose="02020603050405020304" pitchFamily="18" charset="0"/>
+                <a:ea typeface="Malgun Gothic" panose="020B0503020000020004" pitchFamily="34" charset="-127"/>
+                <a:cs typeface="Times New Roman" panose="02020603050405020304" pitchFamily="18" charset="0"/>
+              </a:rPr>
+              <a:t>Method 2</a:t>
+            </a:r>
+            <a:r>
+              <a:rPr lang="en-US" sz="4000" dirty="0">
+                <a:latin typeface="Times New Roman" panose="02020603050405020304" pitchFamily="18" charset="0"/>
+                <a:ea typeface="Malgun Gothic" panose="020B0503020000020004" pitchFamily="34" charset="-127"/>
+                <a:cs typeface="Times New Roman" panose="02020603050405020304" pitchFamily="18" charset="0"/>
+              </a:rPr>
+              <a:t>: </a:t>
+            </a:r>
+            <a:r>
+              <a:rPr lang="en-US" sz="4000" dirty="0">
+                <a:solidFill>
+                  <a:schemeClr val="tx1"/>
+                </a:solidFill>
+                <a:latin typeface="Times New Roman" panose="02020603050405020304" pitchFamily="18" charset="0"/>
+                <a:ea typeface="Malgun Gothic" panose="020B0503020000020004" pitchFamily="34" charset="-127"/>
+                <a:cs typeface="Times New Roman" panose="02020603050405020304" pitchFamily="18" charset="0"/>
+              </a:rPr>
+              <a:t>Minimize the largest imbalance in FYS</a:t>
+            </a:r>
+            <a:endParaRPr lang="en-US" sz="4000" b="1" dirty="0">
+              <a:solidFill>
+                <a:schemeClr val="tx1"/>
+              </a:solidFill>
+              <a:latin typeface="Times New Roman" panose="02020603050405020304" pitchFamily="18" charset="0"/>
+              <a:ea typeface="Malgun Gothic" panose="020B0503020000020004" pitchFamily="34" charset="-127"/>
+              <a:cs typeface="Times New Roman" panose="02020603050405020304" pitchFamily="18" charset="0"/>
+            </a:endParaRPr>
+          </a:p>
+          <a:p>
+            <a:pPr marL="1028700" lvl="1" indent="-571500">
+              <a:buFont typeface="Arial" panose="020B0604020202020204" pitchFamily="34" charset="0"/>
+              <a:buChar char="•"/>
+            </a:pPr>
+            <a:r>
+              <a:rPr lang="en-US" sz="4000" b="1" dirty="0">
+                <a:solidFill>
+                  <a:schemeClr val="tx1"/>
+                </a:solidFill>
+                <a:latin typeface="Times New Roman" panose="02020603050405020304" pitchFamily="18" charset="0"/>
+                <a:ea typeface="Malgun Gothic" panose="020B0503020000020004" pitchFamily="34" charset="-127"/>
+                <a:cs typeface="Times New Roman" panose="02020603050405020304" pitchFamily="18" charset="0"/>
+              </a:rPr>
+              <a:t>Assignment results:</a:t>
+            </a:r>
+          </a:p>
+          <a:p>
+            <a:pPr marL="1943100" lvl="3" indent="-571500">
+              <a:buFont typeface="Arial" panose="020B0604020202020204" pitchFamily="34" charset="0"/>
+              <a:buChar char="•"/>
+            </a:pPr>
+            <a:r>
+              <a:rPr lang="en-US" sz="4000" dirty="0">
+                <a:latin typeface="Times New Roman" panose="02020603050405020304" pitchFamily="18" charset="0"/>
+                <a:ea typeface="Malgun Gothic" panose="020B0503020000020004" pitchFamily="34" charset="-127"/>
+                <a:cs typeface="Times New Roman" panose="02020603050405020304" pitchFamily="18" charset="0"/>
+              </a:rPr>
+              <a:t>First-choice: 56.272401433691755%</a:t>
+            </a:r>
+          </a:p>
+          <a:p>
+            <a:pPr marL="1943100" lvl="3" indent="-571500">
+              <a:buFont typeface="Arial" panose="020B0604020202020204" pitchFamily="34" charset="0"/>
+              <a:buChar char="•"/>
+            </a:pPr>
+            <a:r>
+              <a:rPr lang="en-US" sz="4000" dirty="0">
+                <a:latin typeface="Times New Roman" panose="02020603050405020304" pitchFamily="18" charset="0"/>
+                <a:ea typeface="Malgun Gothic" panose="020B0503020000020004" pitchFamily="34" charset="-127"/>
+                <a:cs typeface="Times New Roman" panose="02020603050405020304" pitchFamily="18" charset="0"/>
+              </a:rPr>
+              <a:t>Second-choice: 28.673835125448026%</a:t>
+            </a:r>
+          </a:p>
+          <a:p>
+            <a:pPr marL="1943100" lvl="3" indent="-571500">
+              <a:buFont typeface="Arial" panose="020B0604020202020204" pitchFamily="34" charset="0"/>
+              <a:buChar char="•"/>
+            </a:pPr>
+            <a:r>
+              <a:rPr lang="en-US" sz="4000" dirty="0">
+                <a:latin typeface="Times New Roman" panose="02020603050405020304" pitchFamily="18" charset="0"/>
+                <a:ea typeface="Malgun Gothic" panose="020B0503020000020004" pitchFamily="34" charset="-127"/>
+                <a:cs typeface="Times New Roman" panose="02020603050405020304" pitchFamily="18" charset="0"/>
+              </a:rPr>
+              <a:t>Variance: 0.94% (gender); 38.1% (student type)</a:t>
+            </a:r>
+          </a:p>
+          <a:p>
+            <a:pPr marL="1028700" lvl="1" indent="-571500">
+              <a:buFont typeface="Arial" panose="020B0604020202020204" pitchFamily="34" charset="0"/>
+              <a:buChar char="•"/>
+            </a:pPr>
+            <a:endParaRPr lang="en-US" sz="4000" dirty="0">
+              <a:solidFill>
+                <a:schemeClr val="tx1"/>
+              </a:solidFill>
+              <a:latin typeface="Times New Roman" panose="02020603050405020304" pitchFamily="18" charset="0"/>
+              <a:ea typeface="Malgun Gothic" panose="020B0503020000020004" pitchFamily="34" charset="-127"/>
+              <a:cs typeface="Times New Roman" panose="02020603050405020304" pitchFamily="18" charset="0"/>
+            </a:endParaRPr>
+          </a:p>
+          <a:p>
+            <a:pPr lvl="1"/>
+            <a:endParaRPr lang="en-US" sz="4000" dirty="0">
+              <a:solidFill>
+                <a:schemeClr val="tx1"/>
+              </a:solidFill>
+              <a:latin typeface="Times New Roman" panose="02020603050405020304" pitchFamily="18" charset="0"/>
+              <a:ea typeface="Malgun Gothic" panose="020B0503020000020004" pitchFamily="34" charset="-127"/>
+              <a:cs typeface="Times New Roman" panose="02020603050405020304" pitchFamily="18" charset="0"/>
+            </a:endParaRPr>
+          </a:p>
+          <a:p>
+            <a:pPr marL="1028700" lvl="1" indent="-571500">
+              <a:buFont typeface="Arial" panose="020B0604020202020204" pitchFamily="34" charset="0"/>
+              <a:buChar char="•"/>
+            </a:pPr>
+            <a:endParaRPr lang="en-US" sz="4000" b="1" dirty="0">
+              <a:solidFill>
+                <a:schemeClr val="tx1"/>
+              </a:solidFill>
+              <a:latin typeface="Times New Roman" panose="02020603050405020304" pitchFamily="18" charset="0"/>
+              <a:ea typeface="Malgun Gothic" panose="020B0503020000020004" pitchFamily="34" charset="-127"/>
+              <a:cs typeface="Times New Roman" panose="02020603050405020304" pitchFamily="18" charset="0"/>
+            </a:endParaRPr>
+          </a:p>
+          <a:p>
+            <a:pPr marL="571500" indent="-571500">
+              <a:buFont typeface="Arial" panose="020B0604020202020204" pitchFamily="34" charset="0"/>
+              <a:buChar char="•"/>
+            </a:pPr>
+            <a:endParaRPr lang="en-US" sz="4000" b="1" dirty="0">
+              <a:solidFill>
+                <a:schemeClr val="tx1"/>
+              </a:solidFill>
+              <a:latin typeface="Times New Roman" panose="02020603050405020304" pitchFamily="18" charset="0"/>
+              <a:ea typeface="Malgun Gothic" panose="020B0503020000020004" pitchFamily="34" charset="-127"/>
+              <a:cs typeface="Times New Roman" panose="02020603050405020304" pitchFamily="18" charset="0"/>
+            </a:endParaRPr>
+          </a:p>
+          <a:p>
+            <a:pPr marL="571500" indent="-571500">
+              <a:buFont typeface="Arial" panose="020B0604020202020204" pitchFamily="34" charset="0"/>
+              <a:buChar char="•"/>
+            </a:pPr>
+            <a:endParaRPr lang="en-US" sz="4000" b="1" dirty="0">
+              <a:solidFill>
+                <a:schemeClr val="tx1"/>
+              </a:solidFill>
+              <a:latin typeface="Times New Roman" panose="02020603050405020304" pitchFamily="18" charset="0"/>
+              <a:ea typeface="Malgun Gothic" panose="020B0503020000020004" pitchFamily="34" charset="-127"/>
+              <a:cs typeface="Times New Roman" panose="02020603050405020304" pitchFamily="18" charset="0"/>
+            </a:endParaRPr>
+          </a:p>
+          <a:p>
+            <a:pPr marL="571500" indent="-571500">
+              <a:buFont typeface="Arial" panose="020B0604020202020204" pitchFamily="34" charset="0"/>
+              <a:buChar char="•"/>
+            </a:pPr>
+            <a:endParaRPr lang="en-US" sz="4000" b="1" dirty="0">
+              <a:solidFill>
+                <a:schemeClr val="tx1"/>
+              </a:solidFill>
+              <a:latin typeface="Times New Roman" panose="02020603050405020304" pitchFamily="18" charset="0"/>
+              <a:ea typeface="Malgun Gothic" panose="020B0503020000020004" pitchFamily="34" charset="-127"/>
+              <a:cs typeface="Times New Roman" panose="02020603050405020304" pitchFamily="18" charset="0"/>
+            </a:endParaRPr>
+          </a:p>
+          <a:p>
+            <a:pPr lvl="1"/>
+            <a:endParaRPr lang="en-US" dirty="0"/>
+          </a:p>
+        </p:txBody>
+      </p:sp>
+      <mc:AlternateContent xmlns:mc="http://schemas.openxmlformats.org/markup-compatibility/2006" xmlns:a14="http://schemas.microsoft.com/office/drawing/2010/main">
+        <mc:Choice Requires="a14">
+          <p:sp>
+            <p:nvSpPr>
+              <p:cNvPr id="9" name="TextBox 8">
+                <a:extLst>
+                  <a:ext uri="{FF2B5EF4-FFF2-40B4-BE49-F238E27FC236}">
+                    <a16:creationId xmlns:a16="http://schemas.microsoft.com/office/drawing/2014/main" id="{86C2CB33-E877-8E85-7C96-465531D34F00}"/>
+                  </a:ext>
+                </a:extLst>
+              </p:cNvPr>
+              <p:cNvSpPr txBox="1"/>
+              <p:nvPr/>
+            </p:nvSpPr>
+            <p:spPr>
+              <a:xfrm>
+                <a:off x="12959644" y="7049700"/>
+                <a:ext cx="12474726" cy="21298138"/>
+              </a:xfrm>
+              <a:prstGeom prst="rect">
+                <a:avLst/>
+              </a:prstGeom>
+              <a:noFill/>
+            </p:spPr>
+            <p:txBody>
+              <a:bodyPr wrap="square" rtlCol="0">
+                <a:spAutoFit/>
+              </a:bodyPr>
+              <a:lstStyle/>
+              <a:p>
+                <a:pPr marL="571500" indent="-571500">
+                  <a:buFont typeface="Arial" panose="020B0604020202020204" pitchFamily="34" charset="0"/>
+                  <a:buChar char="•"/>
+                </a:pPr>
+                <a:r>
+                  <a:rPr lang="en-US" sz="4000" b="1" dirty="0">
+                    <a:solidFill>
+                      <a:schemeClr val="tx1"/>
+                    </a:solidFill>
+                    <a:latin typeface="Times New Roman" panose="02020603050405020304" pitchFamily="18" charset="0"/>
+                    <a:ea typeface="Malgun Gothic" panose="020B0503020000020004" pitchFamily="34" charset="-127"/>
+                    <a:cs typeface="Times New Roman" panose="02020603050405020304" pitchFamily="18" charset="0"/>
+                  </a:rPr>
+                  <a:t>Linearization of Quadratic objectives </a:t>
+                </a:r>
+              </a:p>
+              <a:p>
+                <a:pPr marL="1028700" lvl="1" indent="-571500">
+                  <a:buFont typeface="Arial" panose="020B0604020202020204" pitchFamily="34" charset="0"/>
+                  <a:buChar char="•"/>
+                </a:pPr>
+                <a:r>
+                  <a:rPr lang="en-US" sz="4000" b="1" dirty="0">
+                    <a:solidFill>
+                      <a:schemeClr val="tx1"/>
+                    </a:solidFill>
+                    <a:latin typeface="Times New Roman" panose="02020603050405020304" pitchFamily="18" charset="0"/>
+                    <a:ea typeface="Malgun Gothic" panose="020B0503020000020004" pitchFamily="34" charset="-127"/>
+                    <a:cs typeface="Times New Roman" panose="02020603050405020304" pitchFamily="18" charset="0"/>
+                  </a:rPr>
+                  <a:t>Method 1: </a:t>
+                </a:r>
+                <a:r>
+                  <a:rPr lang="en-US" sz="4000" dirty="0">
+                    <a:solidFill>
+                      <a:schemeClr val="tx1"/>
+                    </a:solidFill>
+                    <a:latin typeface="Times New Roman" panose="02020603050405020304" pitchFamily="18" charset="0"/>
+                    <a:ea typeface="Malgun Gothic" panose="020B0503020000020004" pitchFamily="34" charset="-127"/>
+                    <a:cs typeface="Times New Roman" panose="02020603050405020304" pitchFamily="18" charset="0"/>
+                  </a:rPr>
+                  <a:t>Minimize the sum of deviations from corresponding balancing goals.</a:t>
+                </a:r>
+              </a:p>
+              <a:p>
+                <a:pPr marL="1485900" lvl="2" indent="-571500">
+                  <a:buFont typeface="Arial" panose="020B0604020202020204" pitchFamily="34" charset="0"/>
+                  <a:buChar char="•"/>
+                </a:pPr>
+                <a14:m>
+                  <m:oMath xmlns:m="http://schemas.openxmlformats.org/officeDocument/2006/math">
+                    <m:nary>
+                      <m:naryPr>
+                        <m:chr m:val="∑"/>
+                        <m:ctrlPr>
+                          <a:rPr lang="en-US" sz="4000" i="1" smtClean="0">
+                            <a:solidFill>
+                              <a:schemeClr val="tx1"/>
+                            </a:solidFill>
+                            <a:latin typeface="Cambria Math" panose="02040503050406030204" pitchFamily="18" charset="0"/>
+                            <a:ea typeface="Malgun Gothic" panose="020B0503020000020004" pitchFamily="34" charset="-127"/>
+                            <a:cs typeface="Times New Roman" panose="02020603050405020304" pitchFamily="18" charset="0"/>
+                          </a:rPr>
+                        </m:ctrlPr>
+                      </m:naryPr>
+                      <m:sub>
+                        <m:r>
+                          <m:rPr>
+                            <m:brk m:alnAt="23"/>
+                          </m:rPr>
+                          <a:rPr lang="en-US" sz="4000" b="0" i="1" smtClean="0">
+                            <a:solidFill>
+                              <a:schemeClr val="tx1"/>
+                            </a:solidFill>
+                            <a:latin typeface="Cambria Math" panose="02040503050406030204" pitchFamily="18" charset="0"/>
+                            <a:ea typeface="Malgun Gothic" panose="020B0503020000020004" pitchFamily="34" charset="-127"/>
+                            <a:cs typeface="Times New Roman" panose="02020603050405020304" pitchFamily="18" charset="0"/>
+                          </a:rPr>
+                          <m:t>𝑘</m:t>
+                        </m:r>
+                        <m:r>
+                          <a:rPr lang="en-US" sz="4000" b="0" i="1" smtClean="0">
+                            <a:solidFill>
+                              <a:schemeClr val="tx1"/>
+                            </a:solidFill>
+                            <a:latin typeface="Cambria Math" panose="02040503050406030204" pitchFamily="18" charset="0"/>
+                            <a:ea typeface="Malgun Gothic" panose="020B0503020000020004" pitchFamily="34" charset="-127"/>
+                            <a:cs typeface="Times New Roman" panose="02020603050405020304" pitchFamily="18" charset="0"/>
+                          </a:rPr>
+                          <m:t>=1</m:t>
+                        </m:r>
+                      </m:sub>
+                      <m:sup>
+                        <m:r>
+                          <a:rPr lang="en-US" sz="4000" b="0" i="1" smtClean="0">
+                            <a:solidFill>
+                              <a:schemeClr val="tx1"/>
+                            </a:solidFill>
+                            <a:latin typeface="Cambria Math" panose="02040503050406030204" pitchFamily="18" charset="0"/>
+                            <a:ea typeface="Malgun Gothic" panose="020B0503020000020004" pitchFamily="34" charset="-127"/>
+                            <a:cs typeface="Times New Roman" panose="02020603050405020304" pitchFamily="18" charset="0"/>
+                          </a:rPr>
+                          <m:t>𝑛</m:t>
+                        </m:r>
+                      </m:sup>
+                      <m:e>
+                        <m:r>
+                          <a:rPr lang="en-US" sz="4000" b="0" i="1" smtClean="0">
+                            <a:solidFill>
+                              <a:schemeClr val="tx1"/>
+                            </a:solidFill>
+                            <a:latin typeface="Cambria Math" panose="02040503050406030204" pitchFamily="18" charset="0"/>
+                            <a:ea typeface="Malgun Gothic" panose="020B0503020000020004" pitchFamily="34" charset="-127"/>
+                            <a:cs typeface="Times New Roman" panose="02020603050405020304" pitchFamily="18" charset="0"/>
+                          </a:rPr>
+                          <m:t>|</m:t>
+                        </m:r>
+                        <m:r>
+                          <a:rPr lang="en-US" sz="4000" b="0" i="1" smtClean="0">
+                            <a:solidFill>
+                              <a:schemeClr val="tx1"/>
+                            </a:solidFill>
+                            <a:latin typeface="Cambria Math" panose="02040503050406030204" pitchFamily="18" charset="0"/>
+                            <a:ea typeface="Malgun Gothic" panose="020B0503020000020004" pitchFamily="34" charset="-127"/>
+                            <a:cs typeface="Times New Roman" panose="02020603050405020304" pitchFamily="18" charset="0"/>
+                          </a:rPr>
+                          <m:t>𝑀𝑆𝐸𝑀</m:t>
+                        </m:r>
+                        <m:d>
+                          <m:dPr>
+                            <m:ctrlPr>
+                              <a:rPr lang="en-US" sz="4000" b="0" i="1" smtClean="0">
+                                <a:solidFill>
+                                  <a:schemeClr val="tx1"/>
+                                </a:solidFill>
+                                <a:latin typeface="Cambria Math" panose="02040503050406030204" pitchFamily="18" charset="0"/>
+                                <a:ea typeface="Malgun Gothic" panose="020B0503020000020004" pitchFamily="34" charset="-127"/>
+                                <a:cs typeface="Times New Roman" panose="02020603050405020304" pitchFamily="18" charset="0"/>
+                              </a:rPr>
+                            </m:ctrlPr>
+                          </m:dPr>
+                          <m:e>
+                            <m:r>
+                              <a:rPr lang="en-US" sz="4000" b="0" i="1" smtClean="0">
+                                <a:solidFill>
+                                  <a:schemeClr val="tx1"/>
+                                </a:solidFill>
+                                <a:latin typeface="Cambria Math" panose="02040503050406030204" pitchFamily="18" charset="0"/>
+                                <a:ea typeface="Malgun Gothic" panose="020B0503020000020004" pitchFamily="34" charset="-127"/>
+                                <a:cs typeface="Times New Roman" panose="02020603050405020304" pitchFamily="18" charset="0"/>
+                              </a:rPr>
+                              <m:t>𝑘</m:t>
+                            </m:r>
+                          </m:e>
+                        </m:d>
+                        <m:r>
+                          <a:rPr lang="en-US" sz="4000" b="0" i="1" smtClean="0">
+                            <a:solidFill>
+                              <a:schemeClr val="tx1"/>
+                            </a:solidFill>
+                            <a:latin typeface="Cambria Math" panose="02040503050406030204" pitchFamily="18" charset="0"/>
+                            <a:ea typeface="Malgun Gothic" panose="020B0503020000020004" pitchFamily="34" charset="-127"/>
+                            <a:cs typeface="Times New Roman" panose="02020603050405020304" pitchFamily="18" charset="0"/>
+                          </a:rPr>
+                          <m:t>−</m:t>
+                        </m:r>
+                        <m:r>
+                          <a:rPr lang="en-US" sz="4000" b="0" i="1" smtClean="0">
+                            <a:solidFill>
+                              <a:schemeClr val="tx1"/>
+                            </a:solidFill>
+                            <a:latin typeface="Cambria Math" panose="02040503050406030204" pitchFamily="18" charset="0"/>
+                            <a:ea typeface="Malgun Gothic" panose="020B0503020000020004" pitchFamily="34" charset="-127"/>
+                            <a:cs typeface="Times New Roman" panose="02020603050405020304" pitchFamily="18" charset="0"/>
+                          </a:rPr>
+                          <m:t>𝐹𝑆𝐸𝑀</m:t>
+                        </m:r>
+                        <m:d>
+                          <m:dPr>
+                            <m:ctrlPr>
+                              <a:rPr lang="en-US" sz="4000" b="0" i="1" smtClean="0">
+                                <a:solidFill>
+                                  <a:schemeClr val="tx1"/>
+                                </a:solidFill>
+                                <a:latin typeface="Cambria Math" panose="02040503050406030204" pitchFamily="18" charset="0"/>
+                                <a:ea typeface="Malgun Gothic" panose="020B0503020000020004" pitchFamily="34" charset="-127"/>
+                                <a:cs typeface="Times New Roman" panose="02020603050405020304" pitchFamily="18" charset="0"/>
+                              </a:rPr>
+                            </m:ctrlPr>
+                          </m:dPr>
+                          <m:e>
+                            <m:r>
+                              <a:rPr lang="en-US" sz="4000" b="0" i="1" smtClean="0">
+                                <a:solidFill>
+                                  <a:schemeClr val="tx1"/>
+                                </a:solidFill>
+                                <a:latin typeface="Cambria Math" panose="02040503050406030204" pitchFamily="18" charset="0"/>
+                                <a:ea typeface="Malgun Gothic" panose="020B0503020000020004" pitchFamily="34" charset="-127"/>
+                                <a:cs typeface="Times New Roman" panose="02020603050405020304" pitchFamily="18" charset="0"/>
+                              </a:rPr>
+                              <m:t>𝑘</m:t>
+                            </m:r>
+                          </m:e>
+                        </m:d>
+                        <m:r>
+                          <a:rPr lang="en-US" sz="4000" b="0" i="1" smtClean="0">
+                            <a:solidFill>
+                              <a:schemeClr val="tx1"/>
+                            </a:solidFill>
+                            <a:latin typeface="Cambria Math" panose="02040503050406030204" pitchFamily="18" charset="0"/>
+                            <a:ea typeface="Malgun Gothic" panose="020B0503020000020004" pitchFamily="34" charset="-127"/>
+                            <a:cs typeface="Times New Roman" panose="02020603050405020304" pitchFamily="18" charset="0"/>
+                          </a:rPr>
+                          <m:t>|</m:t>
+                        </m:r>
+                      </m:e>
+                    </m:nary>
+                  </m:oMath>
+                </a14:m>
+                <a:r>
+                  <a:rPr lang="en-US" sz="4000" dirty="0">
+                    <a:solidFill>
+                      <a:schemeClr val="tx1"/>
+                    </a:solidFill>
+                    <a:latin typeface="Times New Roman" panose="02020603050405020304" pitchFamily="18" charset="0"/>
+                    <a:ea typeface="Malgun Gothic" panose="020B0503020000020004" pitchFamily="34" charset="-127"/>
+                    <a:cs typeface="Times New Roman" panose="02020603050405020304" pitchFamily="18" charset="0"/>
+                  </a:rPr>
+                  <a:t> = Gender Penalty.</a:t>
+                </a:r>
+              </a:p>
+              <a:p>
+                <a:pPr marL="1485900" lvl="2" indent="-571500">
+                  <a:buFont typeface="Arial" panose="020B0604020202020204" pitchFamily="34" charset="0"/>
+                  <a:buChar char="•"/>
+                </a:pPr>
+                <a14:m>
+                  <m:oMath xmlns:m="http://schemas.openxmlformats.org/officeDocument/2006/math">
+                    <m:nary>
+                      <m:naryPr>
+                        <m:chr m:val="∑"/>
+                        <m:ctrlPr>
+                          <a:rPr lang="en-US" sz="4000" i="1" smtClean="0">
+                            <a:solidFill>
+                              <a:schemeClr val="tx1"/>
+                            </a:solidFill>
+                            <a:latin typeface="Cambria Math" panose="02040503050406030204" pitchFamily="18" charset="0"/>
+                            <a:ea typeface="Malgun Gothic" panose="020B0503020000020004" pitchFamily="34" charset="-127"/>
+                            <a:cs typeface="Times New Roman" panose="02020603050405020304" pitchFamily="18" charset="0"/>
+                          </a:rPr>
+                        </m:ctrlPr>
+                      </m:naryPr>
+                      <m:sub>
+                        <m:r>
+                          <m:rPr>
+                            <m:brk m:alnAt="23"/>
+                          </m:rPr>
+                          <a:rPr lang="en-US" sz="4000" b="0" i="1" smtClean="0">
+                            <a:solidFill>
+                              <a:schemeClr val="tx1"/>
+                            </a:solidFill>
+                            <a:latin typeface="Cambria Math" panose="02040503050406030204" pitchFamily="18" charset="0"/>
+                            <a:ea typeface="Malgun Gothic" panose="020B0503020000020004" pitchFamily="34" charset="-127"/>
+                            <a:cs typeface="Times New Roman" panose="02020603050405020304" pitchFamily="18" charset="0"/>
+                          </a:rPr>
+                          <m:t>𝑘</m:t>
+                        </m:r>
+                        <m:r>
+                          <a:rPr lang="en-US" sz="4000" b="0" i="1" smtClean="0">
+                            <a:solidFill>
+                              <a:schemeClr val="tx1"/>
+                            </a:solidFill>
+                            <a:latin typeface="Cambria Math" panose="02040503050406030204" pitchFamily="18" charset="0"/>
+                            <a:ea typeface="Malgun Gothic" panose="020B0503020000020004" pitchFamily="34" charset="-127"/>
+                            <a:cs typeface="Times New Roman" panose="02020603050405020304" pitchFamily="18" charset="0"/>
+                          </a:rPr>
+                          <m:t>=1</m:t>
+                        </m:r>
+                      </m:sub>
+                      <m:sup>
+                        <m:r>
+                          <a:rPr lang="en-US" sz="4000" b="0" i="1" smtClean="0">
+                            <a:solidFill>
+                              <a:schemeClr val="tx1"/>
+                            </a:solidFill>
+                            <a:latin typeface="Cambria Math" panose="02040503050406030204" pitchFamily="18" charset="0"/>
+                            <a:ea typeface="Malgun Gothic" panose="020B0503020000020004" pitchFamily="34" charset="-127"/>
+                            <a:cs typeface="Times New Roman" panose="02020603050405020304" pitchFamily="18" charset="0"/>
+                          </a:rPr>
+                          <m:t>𝑛</m:t>
+                        </m:r>
+                      </m:sup>
+                      <m:e>
+                        <m:r>
+                          <a:rPr lang="en-US" sz="4000" b="0" i="1" smtClean="0">
+                            <a:solidFill>
+                              <a:schemeClr val="tx1"/>
+                            </a:solidFill>
+                            <a:latin typeface="Cambria Math" panose="02040503050406030204" pitchFamily="18" charset="0"/>
+                            <a:ea typeface="Malgun Gothic" panose="020B0503020000020004" pitchFamily="34" charset="-127"/>
+                            <a:cs typeface="Times New Roman" panose="02020603050405020304" pitchFamily="18" charset="0"/>
+                          </a:rPr>
+                          <m:t>|</m:t>
+                        </m:r>
+                        <m:r>
+                          <a:rPr lang="en-US" sz="4000" b="0" i="1" smtClean="0">
+                            <a:solidFill>
+                              <a:schemeClr val="tx1"/>
+                            </a:solidFill>
+                            <a:latin typeface="Cambria Math" panose="02040503050406030204" pitchFamily="18" charset="0"/>
+                            <a:ea typeface="Malgun Gothic" panose="020B0503020000020004" pitchFamily="34" charset="-127"/>
+                            <a:cs typeface="Times New Roman" panose="02020603050405020304" pitchFamily="18" charset="0"/>
+                          </a:rPr>
+                          <m:t>𝑈𝑆</m:t>
+                        </m:r>
+                        <m:r>
+                          <a:rPr lang="en-US" sz="4000" b="0" i="1" smtClean="0">
+                            <a:solidFill>
+                              <a:schemeClr val="tx1"/>
+                            </a:solidFill>
+                            <a:latin typeface="Cambria Math" panose="02040503050406030204" pitchFamily="18" charset="0"/>
+                            <a:ea typeface="Malgun Gothic" panose="020B0503020000020004" pitchFamily="34" charset="-127"/>
+                            <a:cs typeface="Times New Roman" panose="02020603050405020304" pitchFamily="18" charset="0"/>
+                          </a:rPr>
+                          <m:t>_</m:t>
+                        </m:r>
+                        <m:r>
+                          <a:rPr lang="en-US" sz="4000" b="0" i="1" smtClean="0">
+                            <a:solidFill>
+                              <a:schemeClr val="tx1"/>
+                            </a:solidFill>
+                            <a:latin typeface="Cambria Math" panose="02040503050406030204" pitchFamily="18" charset="0"/>
+                            <a:ea typeface="Malgun Gothic" panose="020B0503020000020004" pitchFamily="34" charset="-127"/>
+                            <a:cs typeface="Times New Roman" panose="02020603050405020304" pitchFamily="18" charset="0"/>
+                          </a:rPr>
+                          <m:t>𝑆𝐸𝑀</m:t>
+                        </m:r>
+                        <m:d>
+                          <m:dPr>
+                            <m:ctrlPr>
+                              <a:rPr lang="en-US" sz="4000" b="0" i="1" smtClean="0">
+                                <a:solidFill>
+                                  <a:schemeClr val="tx1"/>
+                                </a:solidFill>
+                                <a:latin typeface="Cambria Math" panose="02040503050406030204" pitchFamily="18" charset="0"/>
+                                <a:ea typeface="Malgun Gothic" panose="020B0503020000020004" pitchFamily="34" charset="-127"/>
+                                <a:cs typeface="Times New Roman" panose="02020603050405020304" pitchFamily="18" charset="0"/>
+                              </a:rPr>
+                            </m:ctrlPr>
+                          </m:dPr>
+                          <m:e>
+                            <m:r>
+                              <a:rPr lang="en-US" sz="4000" b="0" i="1" smtClean="0">
+                                <a:solidFill>
+                                  <a:schemeClr val="tx1"/>
+                                </a:solidFill>
+                                <a:latin typeface="Cambria Math" panose="02040503050406030204" pitchFamily="18" charset="0"/>
+                                <a:ea typeface="Malgun Gothic" panose="020B0503020000020004" pitchFamily="34" charset="-127"/>
+                                <a:cs typeface="Times New Roman" panose="02020603050405020304" pitchFamily="18" charset="0"/>
+                              </a:rPr>
+                              <m:t>𝑘</m:t>
+                            </m:r>
+                          </m:e>
+                        </m:d>
+                        <m:r>
+                          <a:rPr lang="en-US" sz="4000" b="0" i="1" smtClean="0">
+                            <a:solidFill>
+                              <a:schemeClr val="tx1"/>
+                            </a:solidFill>
+                            <a:latin typeface="Cambria Math" panose="02040503050406030204" pitchFamily="18" charset="0"/>
+                            <a:ea typeface="Malgun Gothic" panose="020B0503020000020004" pitchFamily="34" charset="-127"/>
+                            <a:cs typeface="Times New Roman" panose="02020603050405020304" pitchFamily="18" charset="0"/>
+                          </a:rPr>
+                          <m:t>−</m:t>
+                        </m:r>
+                        <m:r>
+                          <a:rPr lang="en-US" sz="4000" b="0" i="1" smtClean="0">
+                            <a:solidFill>
+                              <a:schemeClr val="tx1"/>
+                            </a:solidFill>
+                            <a:latin typeface="Cambria Math" panose="02040503050406030204" pitchFamily="18" charset="0"/>
+                            <a:ea typeface="Malgun Gothic" panose="020B0503020000020004" pitchFamily="34" charset="-127"/>
+                            <a:cs typeface="Times New Roman" panose="02020603050405020304" pitchFamily="18" charset="0"/>
+                          </a:rPr>
+                          <m:t>𝑁𝑜𝑛𝑈𝑆</m:t>
+                        </m:r>
+                        <m:r>
+                          <a:rPr lang="en-US" sz="4000" b="0" i="1" smtClean="0">
+                            <a:solidFill>
+                              <a:schemeClr val="tx1"/>
+                            </a:solidFill>
+                            <a:latin typeface="Cambria Math" panose="02040503050406030204" pitchFamily="18" charset="0"/>
+                            <a:ea typeface="Malgun Gothic" panose="020B0503020000020004" pitchFamily="34" charset="-127"/>
+                            <a:cs typeface="Times New Roman" panose="02020603050405020304" pitchFamily="18" charset="0"/>
+                          </a:rPr>
+                          <m:t>_</m:t>
+                        </m:r>
+                        <m:r>
+                          <a:rPr lang="en-US" sz="4000" b="0" i="1" smtClean="0">
+                            <a:solidFill>
+                              <a:schemeClr val="tx1"/>
+                            </a:solidFill>
+                            <a:latin typeface="Cambria Math" panose="02040503050406030204" pitchFamily="18" charset="0"/>
+                            <a:ea typeface="Malgun Gothic" panose="020B0503020000020004" pitchFamily="34" charset="-127"/>
+                            <a:cs typeface="Times New Roman" panose="02020603050405020304" pitchFamily="18" charset="0"/>
+                          </a:rPr>
+                          <m:t>𝑆𝐸𝑀</m:t>
+                        </m:r>
+                        <m:d>
+                          <m:dPr>
+                            <m:ctrlPr>
+                              <a:rPr lang="en-US" sz="4000" b="0" i="1" smtClean="0">
+                                <a:solidFill>
+                                  <a:schemeClr val="tx1"/>
+                                </a:solidFill>
+                                <a:latin typeface="Cambria Math" panose="02040503050406030204" pitchFamily="18" charset="0"/>
+                                <a:ea typeface="Malgun Gothic" panose="020B0503020000020004" pitchFamily="34" charset="-127"/>
+                                <a:cs typeface="Times New Roman" panose="02020603050405020304" pitchFamily="18" charset="0"/>
+                              </a:rPr>
+                            </m:ctrlPr>
+                          </m:dPr>
+                          <m:e>
+                            <m:r>
+                              <a:rPr lang="en-US" sz="4000" b="0" i="1" smtClean="0">
+                                <a:solidFill>
+                                  <a:schemeClr val="tx1"/>
+                                </a:solidFill>
+                                <a:latin typeface="Cambria Math" panose="02040503050406030204" pitchFamily="18" charset="0"/>
+                                <a:ea typeface="Malgun Gothic" panose="020B0503020000020004" pitchFamily="34" charset="-127"/>
+                                <a:cs typeface="Times New Roman" panose="02020603050405020304" pitchFamily="18" charset="0"/>
+                              </a:rPr>
+                              <m:t>𝑘</m:t>
+                            </m:r>
+                          </m:e>
+                        </m:d>
+                        <m:r>
+                          <a:rPr lang="en-US" sz="4000" b="0" i="1" smtClean="0">
+                            <a:solidFill>
+                              <a:schemeClr val="tx1"/>
+                            </a:solidFill>
+                            <a:latin typeface="Cambria Math" panose="02040503050406030204" pitchFamily="18" charset="0"/>
+                            <a:ea typeface="Malgun Gothic" panose="020B0503020000020004" pitchFamily="34" charset="-127"/>
+                            <a:cs typeface="Times New Roman" panose="02020603050405020304" pitchFamily="18" charset="0"/>
+                          </a:rPr>
+                          <m:t>|</m:t>
+                        </m:r>
+                      </m:e>
+                    </m:nary>
+                  </m:oMath>
+                </a14:m>
+                <a:r>
+                  <a:rPr lang="en-US" sz="4000" dirty="0">
+                    <a:solidFill>
+                      <a:schemeClr val="tx1"/>
+                    </a:solidFill>
+                    <a:latin typeface="Times New Roman" panose="02020603050405020304" pitchFamily="18" charset="0"/>
+                    <a:ea typeface="Malgun Gothic" panose="020B0503020000020004" pitchFamily="34" charset="-127"/>
+                    <a:cs typeface="Times New Roman" panose="02020603050405020304" pitchFamily="18" charset="0"/>
+                  </a:rPr>
+                  <a:t> = Citizenship Penalty.</a:t>
+                </a:r>
+              </a:p>
+              <a:p>
+                <a:pPr marL="1485900" lvl="2" indent="-571500">
+                  <a:buFont typeface="Arial" panose="020B0604020202020204" pitchFamily="34" charset="0"/>
+                  <a:buChar char="•"/>
+                </a:pPr>
+                <a:r>
+                  <a:rPr lang="en-US" sz="4000" b="1" dirty="0">
+                    <a:latin typeface="Times New Roman" panose="02020603050405020304" pitchFamily="18" charset="0"/>
+                    <a:ea typeface="Malgun Gothic" panose="020B0503020000020004" pitchFamily="34" charset="-127"/>
+                    <a:cs typeface="Times New Roman" panose="02020603050405020304" pitchFamily="18" charset="0"/>
+                  </a:rPr>
+                  <a:t>Implementation</a:t>
+                </a:r>
+                <a:r>
+                  <a:rPr lang="en-US" sz="4000" dirty="0">
+                    <a:latin typeface="Times New Roman" panose="02020603050405020304" pitchFamily="18" charset="0"/>
+                    <a:ea typeface="Malgun Gothic" panose="020B0503020000020004" pitchFamily="34" charset="-127"/>
+                    <a:cs typeface="Times New Roman" panose="02020603050405020304" pitchFamily="18" charset="0"/>
+                  </a:rPr>
+                  <a:t>:</a:t>
+                </a:r>
+                <a:endParaRPr lang="en-US" sz="4000" dirty="0">
+                  <a:solidFill>
+                    <a:schemeClr val="tx1"/>
+                  </a:solidFill>
+                  <a:latin typeface="Times New Roman" panose="02020603050405020304" pitchFamily="18" charset="0"/>
+                  <a:ea typeface="Malgun Gothic" panose="020B0503020000020004" pitchFamily="34" charset="-127"/>
+                  <a:cs typeface="Times New Roman" panose="02020603050405020304" pitchFamily="18" charset="0"/>
+                </a:endParaRPr>
+              </a:p>
+              <a:p>
+                <a:pPr marL="1028700" lvl="1" indent="-571500">
+                  <a:buFont typeface="Arial" panose="020B0604020202020204" pitchFamily="34" charset="0"/>
+                  <a:buChar char="•"/>
+                </a:pPr>
+                <a:endParaRPr lang="en-US" sz="4000" dirty="0">
+                  <a:solidFill>
+                    <a:schemeClr val="tx1"/>
+                  </a:solidFill>
+                  <a:latin typeface="Times New Roman" panose="02020603050405020304" pitchFamily="18" charset="0"/>
+                  <a:ea typeface="Malgun Gothic" panose="020B0503020000020004" pitchFamily="34" charset="-127"/>
+                  <a:cs typeface="Times New Roman" panose="02020603050405020304" pitchFamily="18" charset="0"/>
+                </a:endParaRPr>
+              </a:p>
+              <a:p>
+                <a:pPr lvl="1"/>
+                <a:endParaRPr lang="en-US" sz="4000" dirty="0">
+                  <a:solidFill>
+                    <a:schemeClr val="tx1"/>
+                  </a:solidFill>
+                  <a:latin typeface="Times New Roman" panose="02020603050405020304" pitchFamily="18" charset="0"/>
+                  <a:ea typeface="Malgun Gothic" panose="020B0503020000020004" pitchFamily="34" charset="-127"/>
+                  <a:cs typeface="Times New Roman" panose="02020603050405020304" pitchFamily="18" charset="0"/>
+                </a:endParaRPr>
+              </a:p>
+              <a:p>
+                <a:pPr lvl="1"/>
+                <a:endParaRPr lang="en-US" sz="4000" dirty="0">
+                  <a:solidFill>
+                    <a:schemeClr val="tx1"/>
+                  </a:solidFill>
+                  <a:latin typeface="Times New Roman" panose="02020603050405020304" pitchFamily="18" charset="0"/>
+                  <a:ea typeface="Malgun Gothic" panose="020B0503020000020004" pitchFamily="34" charset="-127"/>
+                  <a:cs typeface="Times New Roman" panose="02020603050405020304" pitchFamily="18" charset="0"/>
+                </a:endParaRPr>
+              </a:p>
+              <a:p>
+                <a:endParaRPr lang="en-US" sz="4000" b="1" dirty="0">
+                  <a:solidFill>
+                    <a:schemeClr val="tx1"/>
+                  </a:solidFill>
+                  <a:latin typeface="Times New Roman" panose="02020603050405020304" pitchFamily="18" charset="0"/>
+                  <a:ea typeface="Malgun Gothic" panose="020B0503020000020004" pitchFamily="34" charset="-127"/>
+                  <a:cs typeface="Times New Roman" panose="02020603050405020304" pitchFamily="18" charset="0"/>
+                </a:endParaRPr>
+              </a:p>
+              <a:p>
+                <a:pPr marL="571500" indent="-571500">
+                  <a:buFont typeface="Arial" panose="020B0604020202020204" pitchFamily="34" charset="0"/>
+                  <a:buChar char="•"/>
+                </a:pPr>
+                <a:endParaRPr lang="en-US" sz="4000" b="1" dirty="0">
+                  <a:solidFill>
+                    <a:schemeClr val="tx1"/>
+                  </a:solidFill>
+                  <a:latin typeface="Times New Roman" panose="02020603050405020304" pitchFamily="18" charset="0"/>
+                  <a:ea typeface="Malgun Gothic" panose="020B0503020000020004" pitchFamily="34" charset="-127"/>
+                  <a:cs typeface="Times New Roman" panose="02020603050405020304" pitchFamily="18" charset="0"/>
+                </a:endParaRPr>
+              </a:p>
+              <a:p>
+                <a:endParaRPr lang="en-US" sz="4000" b="1" dirty="0">
+                  <a:solidFill>
+                    <a:schemeClr val="tx1"/>
+                  </a:solidFill>
+                  <a:latin typeface="Times New Roman" panose="02020603050405020304" pitchFamily="18" charset="0"/>
+                  <a:ea typeface="Malgun Gothic" panose="020B0503020000020004" pitchFamily="34" charset="-127"/>
+                  <a:cs typeface="Times New Roman" panose="02020603050405020304" pitchFamily="18" charset="0"/>
+                </a:endParaRPr>
+              </a:p>
+              <a:p>
+                <a:pPr marL="571500" indent="-571500">
+                  <a:buFont typeface="Arial" panose="020B0604020202020204" pitchFamily="34" charset="0"/>
+                  <a:buChar char="•"/>
+                </a:pPr>
+                <a:endParaRPr lang="en-US" sz="4000" b="1" dirty="0">
+                  <a:solidFill>
+                    <a:schemeClr val="tx1"/>
+                  </a:solidFill>
+                  <a:latin typeface="Times New Roman" panose="02020603050405020304" pitchFamily="18" charset="0"/>
+                  <a:ea typeface="Malgun Gothic" panose="020B0503020000020004" pitchFamily="34" charset="-127"/>
+                  <a:cs typeface="Times New Roman" panose="02020603050405020304" pitchFamily="18" charset="0"/>
+                </a:endParaRPr>
+              </a:p>
+              <a:p>
+                <a:endParaRPr lang="en-US" sz="4000" b="1" dirty="0">
+                  <a:solidFill>
+                    <a:schemeClr val="tx1"/>
+                  </a:solidFill>
+                  <a:latin typeface="Times New Roman" panose="02020603050405020304" pitchFamily="18" charset="0"/>
+                  <a:ea typeface="Malgun Gothic" panose="020B0503020000020004" pitchFamily="34" charset="-127"/>
+                  <a:cs typeface="Times New Roman" panose="02020603050405020304" pitchFamily="18" charset="0"/>
+                </a:endParaRPr>
+              </a:p>
+              <a:p>
+                <a:pPr marL="1028700" lvl="1" indent="-571500">
+                  <a:buFont typeface="Arial" panose="020B0604020202020204" pitchFamily="34" charset="0"/>
+                  <a:buChar char="•"/>
+                </a:pPr>
+                <a:r>
+                  <a:rPr lang="en-US" sz="4000" b="1" dirty="0">
+                    <a:solidFill>
+                      <a:schemeClr val="tx1"/>
+                    </a:solidFill>
+                    <a:latin typeface="Times New Roman" panose="02020603050405020304" pitchFamily="18" charset="0"/>
+                    <a:ea typeface="Malgun Gothic" panose="020B0503020000020004" pitchFamily="34" charset="-127"/>
+                    <a:cs typeface="Times New Roman" panose="02020603050405020304" pitchFamily="18" charset="0"/>
+                  </a:rPr>
+                  <a:t>Method 2: </a:t>
+                </a:r>
+                <a:r>
+                  <a:rPr lang="en-US" sz="4000" dirty="0">
+                    <a:solidFill>
+                      <a:schemeClr val="tx1"/>
+                    </a:solidFill>
+                    <a:latin typeface="Times New Roman" panose="02020603050405020304" pitchFamily="18" charset="0"/>
+                    <a:ea typeface="Malgun Gothic" panose="020B0503020000020004" pitchFamily="34" charset="-127"/>
+                    <a:cs typeface="Times New Roman" panose="02020603050405020304" pitchFamily="18" charset="0"/>
+                  </a:rPr>
+                  <a:t>Minimize the largest imbalance in </a:t>
+                </a:r>
+                <a:r>
+                  <a:rPr lang="en-US" sz="4000" dirty="0">
+                    <a:latin typeface="Times New Roman" panose="02020603050405020304" pitchFamily="18" charset="0"/>
+                    <a:ea typeface="Malgun Gothic" panose="020B0503020000020004" pitchFamily="34" charset="-127"/>
+                    <a:cs typeface="Times New Roman" panose="02020603050405020304" pitchFamily="18" charset="0"/>
+                  </a:rPr>
+                  <a:t>FYS due to the </a:t>
+                </a:r>
+                <a:r>
+                  <a:rPr lang="en-US" sz="4000" dirty="0">
+                    <a:solidFill>
+                      <a:schemeClr val="tx1"/>
+                    </a:solidFill>
+                    <a:latin typeface="Times New Roman" panose="02020603050405020304" pitchFamily="18" charset="0"/>
+                    <a:ea typeface="Malgun Gothic" panose="020B0503020000020004" pitchFamily="34" charset="-127"/>
+                    <a:cs typeface="Times New Roman" panose="02020603050405020304" pitchFamily="18" charset="0"/>
+                  </a:rPr>
+                  <a:t>possible extreme imbalances in some seminars.</a:t>
+                </a:r>
+              </a:p>
+              <a:p>
+                <a:pPr marL="1485900" lvl="2" indent="-571500">
+                  <a:buFont typeface="Arial" panose="020B0604020202020204" pitchFamily="34" charset="0"/>
+                  <a:buChar char="•"/>
+                </a:pPr>
+                <a14:m>
+                  <m:oMath xmlns:m="http://schemas.openxmlformats.org/officeDocument/2006/math">
+                    <m:r>
+                      <a:rPr lang="en-US" sz="4000" b="0" i="1" smtClean="0">
+                        <a:solidFill>
+                          <a:schemeClr val="tx1"/>
+                        </a:solidFill>
+                        <a:latin typeface="Cambria Math" panose="02040503050406030204" pitchFamily="18" charset="0"/>
+                        <a:ea typeface="Malgun Gothic" panose="020B0503020000020004" pitchFamily="34" charset="-127"/>
+                        <a:cs typeface="Times New Roman" panose="02020603050405020304" pitchFamily="18" charset="0"/>
+                      </a:rPr>
+                      <m:t>𝑔</m:t>
+                    </m:r>
+                    <m:r>
+                      <a:rPr lang="en-US" sz="4000" b="0" i="1" smtClean="0">
+                        <a:solidFill>
+                          <a:schemeClr val="tx1"/>
+                        </a:solidFill>
+                        <a:latin typeface="Cambria Math" panose="02040503050406030204" pitchFamily="18" charset="0"/>
+                        <a:ea typeface="Malgun Gothic" panose="020B0503020000020004" pitchFamily="34" charset="-127"/>
+                        <a:cs typeface="Times New Roman" panose="02020603050405020304" pitchFamily="18" charset="0"/>
+                      </a:rPr>
+                      <m:t>≥</m:t>
+                    </m:r>
+                    <m:d>
+                      <m:dPr>
+                        <m:begChr m:val="|"/>
+                        <m:endChr m:val="|"/>
+                        <m:ctrlPr>
+                          <a:rPr lang="en-US" sz="4000" b="0" i="1" smtClean="0">
+                            <a:solidFill>
+                              <a:schemeClr val="tx1"/>
+                            </a:solidFill>
+                            <a:latin typeface="Cambria Math" panose="02040503050406030204" pitchFamily="18" charset="0"/>
+                            <a:ea typeface="Malgun Gothic" panose="020B0503020000020004" pitchFamily="34" charset="-127"/>
+                            <a:cs typeface="Times New Roman" panose="02020603050405020304" pitchFamily="18" charset="0"/>
+                          </a:rPr>
+                        </m:ctrlPr>
+                      </m:dPr>
+                      <m:e>
+                        <m:r>
+                          <a:rPr lang="en-US" sz="4000" b="0" i="1" smtClean="0">
+                            <a:solidFill>
+                              <a:schemeClr val="tx1"/>
+                            </a:solidFill>
+                            <a:latin typeface="Cambria Math" panose="02040503050406030204" pitchFamily="18" charset="0"/>
+                            <a:ea typeface="Malgun Gothic" panose="020B0503020000020004" pitchFamily="34" charset="-127"/>
+                            <a:cs typeface="Times New Roman" panose="02020603050405020304" pitchFamily="18" charset="0"/>
+                          </a:rPr>
+                          <m:t>𝑀𝑆𝐸𝑀</m:t>
+                        </m:r>
+                        <m:d>
+                          <m:dPr>
+                            <m:ctrlPr>
+                              <a:rPr lang="en-US" sz="4000" b="0" i="1" smtClean="0">
+                                <a:solidFill>
+                                  <a:schemeClr val="tx1"/>
+                                </a:solidFill>
+                                <a:latin typeface="Cambria Math" panose="02040503050406030204" pitchFamily="18" charset="0"/>
+                                <a:ea typeface="Malgun Gothic" panose="020B0503020000020004" pitchFamily="34" charset="-127"/>
+                                <a:cs typeface="Times New Roman" panose="02020603050405020304" pitchFamily="18" charset="0"/>
+                              </a:rPr>
+                            </m:ctrlPr>
+                          </m:dPr>
+                          <m:e>
+                            <m:r>
+                              <a:rPr lang="en-US" sz="4000" b="0" i="1" smtClean="0">
+                                <a:solidFill>
+                                  <a:schemeClr val="tx1"/>
+                                </a:solidFill>
+                                <a:latin typeface="Cambria Math" panose="02040503050406030204" pitchFamily="18" charset="0"/>
+                                <a:ea typeface="Malgun Gothic" panose="020B0503020000020004" pitchFamily="34" charset="-127"/>
+                                <a:cs typeface="Times New Roman" panose="02020603050405020304" pitchFamily="18" charset="0"/>
+                              </a:rPr>
+                              <m:t>𝑘</m:t>
+                            </m:r>
+                          </m:e>
+                        </m:d>
+                        <m:r>
+                          <a:rPr lang="en-US" sz="4000" b="0" i="1" smtClean="0">
+                            <a:solidFill>
+                              <a:schemeClr val="tx1"/>
+                            </a:solidFill>
+                            <a:latin typeface="Cambria Math" panose="02040503050406030204" pitchFamily="18" charset="0"/>
+                            <a:ea typeface="Malgun Gothic" panose="020B0503020000020004" pitchFamily="34" charset="-127"/>
+                            <a:cs typeface="Times New Roman" panose="02020603050405020304" pitchFamily="18" charset="0"/>
+                          </a:rPr>
+                          <m:t>−</m:t>
+                        </m:r>
+                        <m:r>
+                          <a:rPr lang="en-US" sz="4000" b="0" i="1" smtClean="0">
+                            <a:solidFill>
+                              <a:schemeClr val="tx1"/>
+                            </a:solidFill>
+                            <a:latin typeface="Cambria Math" panose="02040503050406030204" pitchFamily="18" charset="0"/>
+                            <a:ea typeface="Malgun Gothic" panose="020B0503020000020004" pitchFamily="34" charset="-127"/>
+                            <a:cs typeface="Times New Roman" panose="02020603050405020304" pitchFamily="18" charset="0"/>
+                          </a:rPr>
+                          <m:t>𝐹𝑆𝐸𝑀</m:t>
+                        </m:r>
+                        <m:d>
+                          <m:dPr>
+                            <m:ctrlPr>
+                              <a:rPr lang="en-US" sz="4000" b="0" i="1" smtClean="0">
+                                <a:solidFill>
+                                  <a:schemeClr val="tx1"/>
+                                </a:solidFill>
+                                <a:latin typeface="Cambria Math" panose="02040503050406030204" pitchFamily="18" charset="0"/>
+                                <a:ea typeface="Malgun Gothic" panose="020B0503020000020004" pitchFamily="34" charset="-127"/>
+                                <a:cs typeface="Times New Roman" panose="02020603050405020304" pitchFamily="18" charset="0"/>
+                              </a:rPr>
+                            </m:ctrlPr>
+                          </m:dPr>
+                          <m:e>
+                            <m:r>
+                              <a:rPr lang="en-US" sz="4000" b="0" i="1" smtClean="0">
+                                <a:solidFill>
+                                  <a:schemeClr val="tx1"/>
+                                </a:solidFill>
+                                <a:latin typeface="Cambria Math" panose="02040503050406030204" pitchFamily="18" charset="0"/>
+                                <a:ea typeface="Malgun Gothic" panose="020B0503020000020004" pitchFamily="34" charset="-127"/>
+                                <a:cs typeface="Times New Roman" panose="02020603050405020304" pitchFamily="18" charset="0"/>
+                              </a:rPr>
+                              <m:t>𝑘</m:t>
+                            </m:r>
+                          </m:e>
+                        </m:d>
+                      </m:e>
+                    </m:d>
+                    <m:r>
+                      <a:rPr lang="en-US" sz="4000" b="0" i="0" smtClean="0">
+                        <a:solidFill>
+                          <a:schemeClr val="tx1"/>
+                        </a:solidFill>
+                        <a:latin typeface="Cambria Math" panose="02040503050406030204" pitchFamily="18" charset="0"/>
+                        <a:ea typeface="Malgun Gothic" panose="020B0503020000020004" pitchFamily="34" charset="-127"/>
+                        <a:cs typeface="Times New Roman" panose="02020603050405020304" pitchFamily="18" charset="0"/>
+                      </a:rPr>
+                      <m:t> </m:t>
+                    </m:r>
+                  </m:oMath>
+                </a14:m>
+                <a:r>
+                  <a:rPr lang="en-US" sz="4000" dirty="0">
+                    <a:solidFill>
+                      <a:schemeClr val="tx1"/>
+                    </a:solidFill>
+                    <a:latin typeface="Times New Roman" panose="02020603050405020304" pitchFamily="18" charset="0"/>
+                    <a:ea typeface="Malgun Gothic" panose="020B0503020000020004" pitchFamily="34" charset="-127"/>
+                    <a:cs typeface="Times New Roman" panose="02020603050405020304" pitchFamily="18" charset="0"/>
+                  </a:rPr>
+                  <a:t>where </a:t>
+                </a:r>
+                <a14:m>
+                  <m:oMath xmlns:m="http://schemas.openxmlformats.org/officeDocument/2006/math">
+                    <m:r>
+                      <a:rPr lang="en-US" sz="4000" i="1" dirty="0" smtClean="0">
+                        <a:solidFill>
+                          <a:schemeClr val="tx1"/>
+                        </a:solidFill>
+                        <a:latin typeface="Cambria Math" panose="02040503050406030204" pitchFamily="18" charset="0"/>
+                        <a:ea typeface="Malgun Gothic" panose="020B0503020000020004" pitchFamily="34" charset="-127"/>
+                        <a:cs typeface="Times New Roman" panose="02020603050405020304" pitchFamily="18" charset="0"/>
+                      </a:rPr>
+                      <m:t>𝑔</m:t>
+                    </m:r>
+                    <m:r>
+                      <a:rPr lang="en-US" sz="4000" i="1" dirty="0" smtClean="0">
+                        <a:solidFill>
+                          <a:schemeClr val="tx1"/>
+                        </a:solidFill>
+                        <a:latin typeface="Cambria Math" panose="02040503050406030204" pitchFamily="18" charset="0"/>
+                        <a:ea typeface="Malgun Gothic" panose="020B0503020000020004" pitchFamily="34" charset="-127"/>
+                        <a:cs typeface="Times New Roman" panose="02020603050405020304" pitchFamily="18" charset="0"/>
+                      </a:rPr>
+                      <m:t> </m:t>
+                    </m:r>
+                  </m:oMath>
+                </a14:m>
+                <a:r>
+                  <a:rPr lang="en-US" sz="4000" dirty="0">
+                    <a:solidFill>
+                      <a:schemeClr val="tx1"/>
+                    </a:solidFill>
+                    <a:latin typeface="Times New Roman" panose="02020603050405020304" pitchFamily="18" charset="0"/>
+                    <a:ea typeface="Malgun Gothic" panose="020B0503020000020004" pitchFamily="34" charset="-127"/>
+                    <a:cs typeface="Times New Roman" panose="02020603050405020304" pitchFamily="18" charset="0"/>
+                  </a:rPr>
+                  <a:t>represents the largest gender imbalance in FYS.</a:t>
+                </a:r>
+              </a:p>
+              <a:p>
+                <a:pPr marL="1028700" lvl="1" indent="-571500">
+                  <a:buFont typeface="Arial" panose="020B0604020202020204" pitchFamily="34" charset="0"/>
+                  <a:buChar char="•"/>
+                </a:pPr>
+                <a:r>
+                  <a:rPr lang="en-US" sz="4000" b="1" dirty="0">
+                    <a:solidFill>
+                      <a:schemeClr val="tx1"/>
+                    </a:solidFill>
+                    <a:latin typeface="Times New Roman" panose="02020603050405020304" pitchFamily="18" charset="0"/>
+                    <a:ea typeface="Malgun Gothic" panose="020B0503020000020004" pitchFamily="34" charset="-127"/>
+                    <a:cs typeface="Times New Roman" panose="02020603050405020304" pitchFamily="18" charset="0"/>
+                  </a:rPr>
+                  <a:t>Implementation</a:t>
+                </a:r>
+                <a:r>
+                  <a:rPr lang="en-US" sz="4000" dirty="0">
+                    <a:solidFill>
+                      <a:schemeClr val="tx1"/>
+                    </a:solidFill>
+                    <a:latin typeface="Times New Roman" panose="02020603050405020304" pitchFamily="18" charset="0"/>
+                    <a:ea typeface="Malgun Gothic" panose="020B0503020000020004" pitchFamily="34" charset="-127"/>
+                    <a:cs typeface="Times New Roman" panose="02020603050405020304" pitchFamily="18" charset="0"/>
+                  </a:rPr>
+                  <a:t>:</a:t>
+                </a:r>
+                <a:endParaRPr lang="en-US" sz="4000" b="1" dirty="0">
+                  <a:solidFill>
+                    <a:schemeClr val="tx1"/>
+                  </a:solidFill>
+                  <a:latin typeface="Times New Roman" panose="02020603050405020304" pitchFamily="18" charset="0"/>
+                  <a:ea typeface="Malgun Gothic" panose="020B0503020000020004" pitchFamily="34" charset="-127"/>
+                  <a:cs typeface="Times New Roman" panose="02020603050405020304" pitchFamily="18" charset="0"/>
+                </a:endParaRPr>
+              </a:p>
+              <a:p>
+                <a:pPr marL="571500" indent="-571500">
+                  <a:buFont typeface="Arial" panose="020B0604020202020204" pitchFamily="34" charset="0"/>
+                  <a:buChar char="•"/>
+                </a:pPr>
+                <a:endParaRPr lang="en-US" sz="4000" b="1" dirty="0">
+                  <a:latin typeface="Times New Roman" panose="02020603050405020304" pitchFamily="18" charset="0"/>
+                  <a:ea typeface="Malgun Gothic" panose="020B0503020000020004" pitchFamily="34" charset="-127"/>
+                  <a:cs typeface="Times New Roman" panose="02020603050405020304" pitchFamily="18" charset="0"/>
+                </a:endParaRPr>
+              </a:p>
+              <a:p>
+                <a:pPr marL="571500" indent="-571500">
+                  <a:buFont typeface="Arial" panose="020B0604020202020204" pitchFamily="34" charset="0"/>
+                  <a:buChar char="•"/>
+                </a:pPr>
+                <a:endParaRPr lang="en-US" sz="4000" b="1" dirty="0">
+                  <a:solidFill>
+                    <a:schemeClr val="tx1"/>
+                  </a:solidFill>
+                  <a:latin typeface="Times New Roman" panose="02020603050405020304" pitchFamily="18" charset="0"/>
+                  <a:ea typeface="Malgun Gothic" panose="020B0503020000020004" pitchFamily="34" charset="-127"/>
+                  <a:cs typeface="Times New Roman" panose="02020603050405020304" pitchFamily="18" charset="0"/>
+                </a:endParaRPr>
+              </a:p>
+              <a:p>
+                <a:pPr marL="571500" indent="-571500">
+                  <a:buFont typeface="Arial" panose="020B0604020202020204" pitchFamily="34" charset="0"/>
+                  <a:buChar char="•"/>
+                </a:pPr>
+                <a:endParaRPr lang="en-US" sz="4000" b="1" dirty="0">
+                  <a:latin typeface="Times New Roman" panose="02020603050405020304" pitchFamily="18" charset="0"/>
+                  <a:ea typeface="Malgun Gothic" panose="020B0503020000020004" pitchFamily="34" charset="-127"/>
+                  <a:cs typeface="Times New Roman" panose="02020603050405020304" pitchFamily="18" charset="0"/>
+                </a:endParaRPr>
+              </a:p>
+              <a:p>
+                <a:pPr marL="571500" indent="-571500">
+                  <a:buFont typeface="Arial" panose="020B0604020202020204" pitchFamily="34" charset="0"/>
+                  <a:buChar char="•"/>
+                </a:pPr>
+                <a:endParaRPr lang="en-US" sz="4000" b="1" dirty="0">
+                  <a:solidFill>
+                    <a:schemeClr val="tx1"/>
+                  </a:solidFill>
+                  <a:latin typeface="Times New Roman" panose="02020603050405020304" pitchFamily="18" charset="0"/>
+                  <a:ea typeface="Malgun Gothic" panose="020B0503020000020004" pitchFamily="34" charset="-127"/>
+                  <a:cs typeface="Times New Roman" panose="02020603050405020304" pitchFamily="18" charset="0"/>
+                </a:endParaRPr>
+              </a:p>
+              <a:p>
+                <a:pPr marL="571500" indent="-571500">
+                  <a:buFont typeface="Arial" panose="020B0604020202020204" pitchFamily="34" charset="0"/>
+                  <a:buChar char="•"/>
+                </a:pPr>
+                <a:endParaRPr lang="en-US" sz="4000" b="1" dirty="0">
+                  <a:solidFill>
+                    <a:schemeClr val="tx1"/>
+                  </a:solidFill>
+                  <a:latin typeface="Times New Roman" panose="02020603050405020304" pitchFamily="18" charset="0"/>
+                  <a:ea typeface="Malgun Gothic" panose="020B0503020000020004" pitchFamily="34" charset="-127"/>
+                  <a:cs typeface="Times New Roman" panose="02020603050405020304" pitchFamily="18" charset="0"/>
+                </a:endParaRPr>
+              </a:p>
+              <a:p>
+                <a:pPr marL="571500" indent="-571500">
+                  <a:buFont typeface="Arial" panose="020B0604020202020204" pitchFamily="34" charset="0"/>
+                  <a:buChar char="•"/>
+                </a:pPr>
+                <a:endParaRPr lang="en-US" sz="4000" b="1" dirty="0">
+                  <a:solidFill>
+                    <a:schemeClr val="tx1"/>
+                  </a:solidFill>
+                  <a:latin typeface="Times New Roman" panose="02020603050405020304" pitchFamily="18" charset="0"/>
+                  <a:ea typeface="Malgun Gothic" panose="020B0503020000020004" pitchFamily="34" charset="-127"/>
+                  <a:cs typeface="Times New Roman" panose="02020603050405020304" pitchFamily="18" charset="0"/>
+                </a:endParaRPr>
+              </a:p>
+              <a:p>
+                <a:pPr marL="571500" indent="-571500">
+                  <a:buFont typeface="Arial" panose="020B0604020202020204" pitchFamily="34" charset="0"/>
+                  <a:buChar char="•"/>
+                </a:pPr>
+                <a:r>
+                  <a:rPr lang="en-US" sz="4000" b="1" dirty="0">
+                    <a:solidFill>
+                      <a:schemeClr val="tx1"/>
+                    </a:solidFill>
+                    <a:latin typeface="Times New Roman" panose="02020603050405020304" pitchFamily="18" charset="0"/>
+                    <a:ea typeface="Malgun Gothic" panose="020B0503020000020004" pitchFamily="34" charset="-127"/>
+                    <a:cs typeface="Times New Roman" panose="02020603050405020304" pitchFamily="18" charset="0"/>
+                  </a:rPr>
+                  <a:t>Model: Hierarchical optimization</a:t>
+                </a:r>
+              </a:p>
+              <a:p>
+                <a:pPr marL="1028700" lvl="1" indent="-571500">
+                  <a:buFont typeface="Arial" panose="020B0604020202020204" pitchFamily="34" charset="0"/>
+                  <a:buChar char="•"/>
+                </a:pPr>
+                <a:r>
+                  <a:rPr lang="en-US" sz="4000" dirty="0">
+                    <a:solidFill>
+                      <a:schemeClr val="tx1"/>
+                    </a:solidFill>
+                    <a:latin typeface="Times New Roman" panose="02020603050405020304" pitchFamily="18" charset="0"/>
+                    <a:ea typeface="Malgun Gothic" panose="020B0503020000020004" pitchFamily="34" charset="-127"/>
+                    <a:cs typeface="Times New Roman" panose="02020603050405020304" pitchFamily="18" charset="0"/>
+                  </a:rPr>
+                  <a:t>This model</a:t>
+                </a:r>
+                <a:r>
+                  <a:rPr lang="en-US" sz="4000" b="1" dirty="0">
+                    <a:solidFill>
+                      <a:schemeClr val="tx1"/>
+                    </a:solidFill>
+                    <a:latin typeface="Times New Roman" panose="02020603050405020304" pitchFamily="18" charset="0"/>
+                    <a:ea typeface="Malgun Gothic" panose="020B0503020000020004" pitchFamily="34" charset="-127"/>
+                    <a:cs typeface="Times New Roman" panose="02020603050405020304" pitchFamily="18" charset="0"/>
+                  </a:rPr>
+                  <a:t> </a:t>
+                </a:r>
+                <a:r>
+                  <a:rPr lang="en-US" sz="4000" dirty="0">
+                    <a:solidFill>
+                      <a:schemeClr val="tx1"/>
+                    </a:solidFill>
+                    <a:latin typeface="Times New Roman" panose="02020603050405020304" pitchFamily="18" charset="0"/>
+                    <a:ea typeface="Malgun Gothic" panose="020B0503020000020004" pitchFamily="34" charset="-127"/>
+                    <a:cs typeface="Times New Roman" panose="02020603050405020304" pitchFamily="18" charset="0"/>
+                  </a:rPr>
+                  <a:t>orders multiple objectives based on the priorities of each objective.</a:t>
+                </a:r>
+              </a:p>
+              <a:p>
+                <a:pPr marL="1028700" lvl="1" indent="-571500">
+                  <a:buFont typeface="Arial" panose="020B0604020202020204" pitchFamily="34" charset="0"/>
+                  <a:buChar char="•"/>
+                </a:pPr>
+                <a:r>
+                  <a:rPr lang="en-US" sz="4000" b="1" dirty="0">
+                    <a:solidFill>
+                      <a:schemeClr val="tx1"/>
+                    </a:solidFill>
+                    <a:latin typeface="Times New Roman" panose="02020603050405020304" pitchFamily="18" charset="0"/>
+                    <a:ea typeface="Malgun Gothic" panose="020B0503020000020004" pitchFamily="34" charset="-127"/>
+                    <a:cs typeface="Times New Roman" panose="02020603050405020304" pitchFamily="18" charset="0"/>
+                  </a:rPr>
+                  <a:t>Implementation: </a:t>
+                </a:r>
+                <a:r>
+                  <a:rPr lang="en-US" sz="4000" dirty="0">
+                    <a:solidFill>
+                      <a:schemeClr val="tx1"/>
+                    </a:solidFill>
+                    <a:latin typeface="Times New Roman" panose="02020603050405020304" pitchFamily="18" charset="0"/>
+                    <a:ea typeface="Malgun Gothic" panose="020B0503020000020004" pitchFamily="34" charset="-127"/>
+                    <a:cs typeface="Times New Roman" panose="02020603050405020304" pitchFamily="18" charset="0"/>
+                  </a:rPr>
+                  <a:t>ensures higher priority objective receives by adding constraints that ensure objectives at higher priorities are optimized to a greater extent.</a:t>
+                </a:r>
+              </a:p>
+              <a:p>
+                <a:pPr marL="1028700" lvl="1" indent="-571500">
+                  <a:buFont typeface="Arial" panose="020B0604020202020204" pitchFamily="34" charset="0"/>
+                  <a:buChar char="•"/>
+                </a:pPr>
+                <a:endParaRPr lang="en-US" sz="4000" dirty="0">
+                  <a:solidFill>
+                    <a:schemeClr val="tx1"/>
+                  </a:solidFill>
+                  <a:latin typeface="Times New Roman" panose="02020603050405020304" pitchFamily="18" charset="0"/>
+                  <a:ea typeface="Malgun Gothic" panose="020B0503020000020004" pitchFamily="34" charset="-127"/>
+                  <a:cs typeface="Times New Roman" panose="02020603050405020304" pitchFamily="18" charset="0"/>
+                </a:endParaRPr>
+              </a:p>
+              <a:p>
+                <a:endParaRPr lang="en-US" dirty="0"/>
+              </a:p>
+            </p:txBody>
+          </p:sp>
+        </mc:Choice>
+        <mc:Fallback xmlns="">
+          <p:sp>
+            <p:nvSpPr>
+              <p:cNvPr id="9" name="TextBox 8">
+                <a:extLst>
+                  <a:ext uri="{FF2B5EF4-FFF2-40B4-BE49-F238E27FC236}">
+                    <a16:creationId xmlns:a16="http://schemas.microsoft.com/office/drawing/2014/main" id="{86C2CB33-E877-8E85-7C96-465531D34F00}"/>
+                  </a:ext>
+                </a:extLst>
+              </p:cNvPr>
+              <p:cNvSpPr txBox="1">
+                <a:spLocks noRot="1" noChangeAspect="1" noMove="1" noResize="1" noEditPoints="1" noAdjustHandles="1" noChangeArrowheads="1" noChangeShapeType="1" noTextEdit="1"/>
+              </p:cNvSpPr>
+              <p:nvPr/>
+            </p:nvSpPr>
+            <p:spPr>
+              <a:xfrm>
+                <a:off x="12959644" y="7049700"/>
+                <a:ext cx="12474726" cy="21298138"/>
+              </a:xfrm>
+              <a:prstGeom prst="rect">
+                <a:avLst/>
+              </a:prstGeom>
+              <a:blipFill>
+                <a:blip r:embed="rId3"/>
+                <a:stretch>
+                  <a:fillRect l="-1564" t="-515" r="-2444"/>
+                </a:stretch>
+              </a:blipFill>
+            </p:spPr>
+            <p:txBody>
+              <a:bodyPr/>
+              <a:lstStyle/>
+              <a:p>
+                <a:r>
+                  <a:rPr lang="en-US">
+                    <a:noFill/>
+                  </a:rPr>
+                  <a:t> </a:t>
+                </a:r>
+              </a:p>
+            </p:txBody>
+          </p:sp>
+        </mc:Fallback>
+      </mc:AlternateContent>
+      <p:pic>
+        <p:nvPicPr>
+          <p:cNvPr id="18" name="Picture 17">
+            <a:extLst>
+              <a:ext uri="{FF2B5EF4-FFF2-40B4-BE49-F238E27FC236}">
+                <a16:creationId xmlns:a16="http://schemas.microsoft.com/office/drawing/2014/main" id="{63D58102-FFCB-6B42-5E6A-D88104C2B774}"/>
+              </a:ext>
+            </a:extLst>
+          </p:cNvPr>
+          <p:cNvPicPr>
+            <a:picLocks noChangeAspect="1"/>
+          </p:cNvPicPr>
+          <p:nvPr/>
+        </p:nvPicPr>
+        <p:blipFill>
+          <a:blip r:embed="rId4"/>
+          <a:stretch>
+            <a:fillRect/>
+          </a:stretch>
+        </p:blipFill>
+        <p:spPr>
+          <a:xfrm>
+            <a:off x="12993866" y="19390659"/>
+            <a:ext cx="12406281" cy="3387381"/>
+          </a:xfrm>
+          <a:prstGeom prst="rect">
+            <a:avLst/>
+          </a:prstGeom>
+        </p:spPr>
+      </p:pic>
+      <p:pic>
+        <p:nvPicPr>
+          <p:cNvPr id="13" name="Picture 12">
+            <a:extLst>
+              <a:ext uri="{FF2B5EF4-FFF2-40B4-BE49-F238E27FC236}">
+                <a16:creationId xmlns:a16="http://schemas.microsoft.com/office/drawing/2014/main" id="{92124032-8776-E796-5168-4D3E6C580D54}"/>
+              </a:ext>
+            </a:extLst>
+          </p:cNvPr>
+          <p:cNvPicPr>
+            <a:picLocks noChangeAspect="1"/>
+          </p:cNvPicPr>
+          <p:nvPr/>
+        </p:nvPicPr>
+        <p:blipFill>
+          <a:blip r:embed="rId5"/>
+          <a:stretch>
+            <a:fillRect/>
+          </a:stretch>
+        </p:blipFill>
+        <p:spPr>
+          <a:xfrm>
+            <a:off x="27837686" y="11073702"/>
+            <a:ext cx="9328250" cy="3479020"/>
+          </a:xfrm>
+          <a:prstGeom prst="rect">
+            <a:avLst/>
+          </a:prstGeom>
+        </p:spPr>
+      </p:pic>
+      <p:pic>
+        <p:nvPicPr>
+          <p:cNvPr id="22" name="Picture 21">
+            <a:extLst>
+              <a:ext uri="{FF2B5EF4-FFF2-40B4-BE49-F238E27FC236}">
+                <a16:creationId xmlns:a16="http://schemas.microsoft.com/office/drawing/2014/main" id="{55ADC98F-9986-65EE-DC4A-1C1E546250EC}"/>
+              </a:ext>
+            </a:extLst>
+          </p:cNvPr>
+          <p:cNvPicPr>
+            <a:picLocks noChangeAspect="1"/>
+          </p:cNvPicPr>
+          <p:nvPr/>
+        </p:nvPicPr>
+        <p:blipFill>
+          <a:blip r:embed="rId6"/>
+          <a:stretch>
+            <a:fillRect/>
+          </a:stretch>
+        </p:blipFill>
+        <p:spPr>
+          <a:xfrm>
+            <a:off x="27837685" y="26200476"/>
+            <a:ext cx="9328249" cy="3508536"/>
+          </a:xfrm>
+          <a:prstGeom prst="rect">
+            <a:avLst/>
+          </a:prstGeom>
+        </p:spPr>
+      </p:pic>
+      <p:sp>
+        <p:nvSpPr>
+          <p:cNvPr id="23" name="TextBox 22">
+            <a:extLst>
+              <a:ext uri="{FF2B5EF4-FFF2-40B4-BE49-F238E27FC236}">
+                <a16:creationId xmlns:a16="http://schemas.microsoft.com/office/drawing/2014/main" id="{0151E825-3882-CBB3-8129-B90E48A7C9A0}"/>
+              </a:ext>
+            </a:extLst>
+          </p:cNvPr>
+          <p:cNvSpPr txBox="1"/>
+          <p:nvPr/>
+        </p:nvSpPr>
+        <p:spPr>
+          <a:xfrm>
+            <a:off x="1179871" y="24518718"/>
+            <a:ext cx="10748061" cy="4524315"/>
+          </a:xfrm>
+          <a:prstGeom prst="rect">
+            <a:avLst/>
+          </a:prstGeom>
+          <a:noFill/>
+        </p:spPr>
+        <p:txBody>
+          <a:bodyPr wrap="square" rtlCol="0">
+            <a:spAutoFit/>
+          </a:bodyPr>
+          <a:lstStyle/>
+          <a:p>
+            <a:pPr marL="571500" indent="-571500">
+              <a:buFont typeface="Arial" panose="020B0604020202020204" pitchFamily="34" charset="0"/>
+              <a:buChar char="•"/>
+            </a:pPr>
+            <a:r>
+              <a:rPr lang="en-US" sz="3600" dirty="0">
+                <a:solidFill>
+                  <a:schemeClr val="tx1"/>
+                </a:solidFill>
+                <a:latin typeface="Times New Roman" panose="02020603050405020304" pitchFamily="18" charset="0"/>
+                <a:ea typeface="Malgun Gothic" panose="020B0503020000020004" pitchFamily="34" charset="-127"/>
+                <a:cs typeface="Times New Roman" panose="02020603050405020304" pitchFamily="18" charset="0"/>
+              </a:rPr>
+              <a:t>Forrester, R, &amp; Hutson, K. (2014). Balancing faculty and student preferences in the assignment of students to groups. Decision Sci. J. </a:t>
+            </a:r>
+            <a:r>
+              <a:rPr lang="en-US" sz="3600" dirty="0" err="1">
+                <a:solidFill>
+                  <a:schemeClr val="tx1"/>
+                </a:solidFill>
+                <a:latin typeface="Times New Roman" panose="02020603050405020304" pitchFamily="18" charset="0"/>
+                <a:ea typeface="Malgun Gothic" panose="020B0503020000020004" pitchFamily="34" charset="-127"/>
+                <a:cs typeface="Times New Roman" panose="02020603050405020304" pitchFamily="18" charset="0"/>
+              </a:rPr>
+              <a:t>Innov</a:t>
+            </a:r>
+            <a:r>
+              <a:rPr lang="en-US" sz="3600" dirty="0">
+                <a:solidFill>
+                  <a:schemeClr val="tx1"/>
+                </a:solidFill>
+                <a:latin typeface="Times New Roman" panose="02020603050405020304" pitchFamily="18" charset="0"/>
+                <a:ea typeface="Malgun Gothic" panose="020B0503020000020004" pitchFamily="34" charset="-127"/>
+                <a:cs typeface="Times New Roman" panose="02020603050405020304" pitchFamily="18" charset="0"/>
+              </a:rPr>
+              <a:t>. Educ, 11 Apr. </a:t>
+            </a:r>
+          </a:p>
+          <a:p>
+            <a:pPr marL="571500" indent="-571500">
+              <a:buFont typeface="Arial" panose="020B0604020202020204" pitchFamily="34" charset="0"/>
+              <a:buChar char="•"/>
+            </a:pPr>
+            <a:r>
+              <a:rPr lang="en-US" sz="3600" dirty="0">
+                <a:solidFill>
+                  <a:schemeClr val="tx1"/>
+                </a:solidFill>
+                <a:latin typeface="Times New Roman" panose="02020603050405020304" pitchFamily="18" charset="0"/>
+                <a:ea typeface="Malgun Gothic" panose="020B0503020000020004" pitchFamily="34" charset="-127"/>
+                <a:cs typeface="Times New Roman" panose="02020603050405020304" pitchFamily="18" charset="0"/>
+              </a:rPr>
+              <a:t>Forrester, R., Hutson, K., &amp; To, T. (2013). Improving the quality of the assignment of students to first-year seminars. OR Insight, 26(2), 120– 139.</a:t>
+            </a:r>
+          </a:p>
+          <a:p>
+            <a:pPr marL="571500" indent="-571500">
+              <a:buFont typeface="Arial" panose="020B0604020202020204" pitchFamily="34" charset="0"/>
+              <a:buChar char="•"/>
+            </a:pPr>
+            <a:r>
+              <a:rPr lang="en-US" sz="3600" dirty="0">
+                <a:solidFill>
+                  <a:schemeClr val="tx1"/>
+                </a:solidFill>
+                <a:latin typeface="Times New Roman" panose="02020603050405020304" pitchFamily="18" charset="0"/>
+                <a:cs typeface="Times New Roman" panose="02020603050405020304" pitchFamily="18" charset="0"/>
+              </a:rPr>
+              <a:t>To. (2011, May 17). </a:t>
+            </a:r>
+            <a:r>
+              <a:rPr lang="en-US" sz="3600" i="1" dirty="0">
+                <a:solidFill>
+                  <a:schemeClr val="tx1"/>
+                </a:solidFill>
+                <a:latin typeface="Times New Roman" panose="02020603050405020304" pitchFamily="18" charset="0"/>
+                <a:cs typeface="Times New Roman" panose="02020603050405020304" pitchFamily="18" charset="0"/>
+              </a:rPr>
+              <a:t>Mathematical Techniques for Assigning First Year Seminars</a:t>
+            </a:r>
+            <a:r>
+              <a:rPr lang="en-US" sz="3600" dirty="0">
+                <a:solidFill>
+                  <a:schemeClr val="tx1"/>
+                </a:solidFill>
+                <a:latin typeface="Times New Roman" panose="02020603050405020304" pitchFamily="18" charset="0"/>
+                <a:cs typeface="Times New Roman" panose="02020603050405020304" pitchFamily="18" charset="0"/>
+              </a:rPr>
+              <a:t>.</a:t>
+            </a:r>
+          </a:p>
+        </p:txBody>
+      </p:sp>
+      <p:pic>
+        <p:nvPicPr>
+          <p:cNvPr id="24" name="Picture 23">
+            <a:extLst>
+              <a:ext uri="{FF2B5EF4-FFF2-40B4-BE49-F238E27FC236}">
+                <a16:creationId xmlns:a16="http://schemas.microsoft.com/office/drawing/2014/main" id="{D039DA5F-01A3-E81A-F31F-5DFAC20FD8D5}"/>
+              </a:ext>
+            </a:extLst>
+          </p:cNvPr>
+          <p:cNvPicPr>
+            <a:picLocks noChangeAspect="1"/>
+          </p:cNvPicPr>
+          <p:nvPr/>
+        </p:nvPicPr>
+        <p:blipFill>
+          <a:blip r:embed="rId6"/>
+          <a:stretch>
+            <a:fillRect/>
+          </a:stretch>
+        </p:blipFill>
+        <p:spPr>
+          <a:xfrm>
+            <a:off x="27837685" y="19499465"/>
+            <a:ext cx="9328249" cy="3508536"/>
+          </a:xfrm>
+          <a:prstGeom prst="rect">
+            <a:avLst/>
+          </a:prstGeom>
+        </p:spPr>
+      </p:pic>
+      <p:pic>
+        <p:nvPicPr>
+          <p:cNvPr id="28" name="Picture 27">
+            <a:extLst>
+              <a:ext uri="{FF2B5EF4-FFF2-40B4-BE49-F238E27FC236}">
+                <a16:creationId xmlns:a16="http://schemas.microsoft.com/office/drawing/2014/main" id="{91A40E5D-4DAD-5C9E-9588-EB4F8FB9A1C0}"/>
+              </a:ext>
+            </a:extLst>
+          </p:cNvPr>
+          <p:cNvPicPr>
+            <a:picLocks noChangeAspect="1"/>
+          </p:cNvPicPr>
+          <p:nvPr/>
+        </p:nvPicPr>
+        <p:blipFill>
+          <a:blip r:embed="rId7"/>
+          <a:stretch>
+            <a:fillRect/>
+          </a:stretch>
+        </p:blipFill>
+        <p:spPr>
+          <a:xfrm>
+            <a:off x="14262369" y="11437242"/>
+            <a:ext cx="9883300" cy="4767238"/>
+          </a:xfrm>
+          <a:prstGeom prst="rect">
+            <a:avLst/>
+          </a:prstGeom>
+        </p:spPr>
+      </p:pic>
+      <p:pic>
+        <p:nvPicPr>
+          <p:cNvPr id="30" name="Picture 29">
+            <a:extLst>
+              <a:ext uri="{FF2B5EF4-FFF2-40B4-BE49-F238E27FC236}">
+                <a16:creationId xmlns:a16="http://schemas.microsoft.com/office/drawing/2014/main" id="{EAF0BFAB-DDDB-C359-0838-4636C409BF45}"/>
+              </a:ext>
+            </a:extLst>
+          </p:cNvPr>
+          <p:cNvPicPr>
+            <a:picLocks noChangeAspect="1"/>
+          </p:cNvPicPr>
+          <p:nvPr/>
+        </p:nvPicPr>
+        <p:blipFill>
+          <a:blip r:embed="rId8"/>
+          <a:stretch>
+            <a:fillRect/>
+          </a:stretch>
+        </p:blipFill>
+        <p:spPr>
+          <a:xfrm>
+            <a:off x="14262369" y="26678613"/>
+            <a:ext cx="9882576" cy="3030399"/>
+          </a:xfrm>
+          <a:prstGeom prst="rect">
+            <a:avLst/>
+          </a:prstGeom>
+        </p:spPr>
+      </p:pic>
+      <p:sp>
+        <p:nvSpPr>
+          <p:cNvPr id="8" name="TextBox 7">
+            <a:extLst>
+              <a:ext uri="{FF2B5EF4-FFF2-40B4-BE49-F238E27FC236}">
+                <a16:creationId xmlns:a16="http://schemas.microsoft.com/office/drawing/2014/main" id="{B199D6BF-8CFA-627A-CDFA-CF5BDC4291C0}"/>
+              </a:ext>
+            </a:extLst>
+          </p:cNvPr>
+          <p:cNvSpPr txBox="1"/>
+          <p:nvPr/>
+        </p:nvSpPr>
+        <p:spPr>
+          <a:xfrm>
+            <a:off x="744733" y="17862627"/>
+            <a:ext cx="11610754" cy="5016758"/>
+          </a:xfrm>
+          <a:prstGeom prst="rect">
+            <a:avLst/>
+          </a:prstGeom>
+          <a:noFill/>
+        </p:spPr>
+        <p:txBody>
+          <a:bodyPr wrap="square" rtlCol="0">
+            <a:spAutoFit/>
+          </a:bodyPr>
+          <a:lstStyle/>
+          <a:p>
+            <a:pPr marL="571500" indent="-571500">
+              <a:buFont typeface="Arial" panose="020B0604020202020204" pitchFamily="34" charset="0"/>
+              <a:buChar char="•"/>
+            </a:pPr>
+            <a:r>
+              <a:rPr lang="en-US" sz="4000" dirty="0">
+                <a:latin typeface="Times New Roman" panose="02020603050405020304" pitchFamily="18" charset="0"/>
+                <a:cs typeface="Times New Roman" panose="02020603050405020304" pitchFamily="18" charset="0"/>
+              </a:rPr>
+              <a:t>Linearized quadratic objectives for gender and student type using two linearization methods.</a:t>
+            </a:r>
+          </a:p>
+          <a:p>
+            <a:pPr marL="571500" indent="-571500">
+              <a:buFont typeface="Arial" panose="020B0604020202020204" pitchFamily="34" charset="0"/>
+              <a:buChar char="•"/>
+            </a:pPr>
+            <a:r>
+              <a:rPr lang="en-US" sz="4000" dirty="0">
+                <a:latin typeface="Times New Roman" panose="02020603050405020304" pitchFamily="18" charset="0"/>
+                <a:cs typeface="Times New Roman" panose="02020603050405020304" pitchFamily="18" charset="0"/>
+              </a:rPr>
+              <a:t>Used a hierarchical multi-objective </a:t>
+            </a:r>
+            <a:r>
+              <a:rPr lang="en-US" sz="4000">
+                <a:latin typeface="Times New Roman" panose="02020603050405020304" pitchFamily="18" charset="0"/>
+                <a:cs typeface="Times New Roman" panose="02020603050405020304" pitchFamily="18" charset="0"/>
+              </a:rPr>
+              <a:t>model to </a:t>
+            </a:r>
+            <a:r>
+              <a:rPr lang="en-US" sz="4000" dirty="0">
+                <a:latin typeface="Times New Roman" panose="02020603050405020304" pitchFamily="18" charset="0"/>
+                <a:cs typeface="Times New Roman" panose="02020603050405020304" pitchFamily="18" charset="0"/>
+              </a:rPr>
+              <a:t>implement improved features.</a:t>
+            </a:r>
+          </a:p>
+          <a:p>
+            <a:pPr marL="571500" indent="-571500">
+              <a:buFont typeface="Arial" panose="020B0604020202020204" pitchFamily="34" charset="0"/>
+              <a:buChar char="•"/>
+            </a:pPr>
+            <a:r>
+              <a:rPr lang="en-US" sz="4000" dirty="0">
+                <a:latin typeface="Times New Roman" panose="02020603050405020304" pitchFamily="18" charset="0"/>
+                <a:cs typeface="Times New Roman" panose="02020603050405020304" pitchFamily="18" charset="0"/>
+              </a:rPr>
+              <a:t>Accomplished a 600% reduction in program runtime.</a:t>
+            </a:r>
+          </a:p>
+          <a:p>
+            <a:pPr marL="571500" indent="-571500">
+              <a:buFont typeface="Arial" panose="020B0604020202020204" pitchFamily="34" charset="0"/>
+              <a:buChar char="•"/>
+            </a:pPr>
+            <a:r>
+              <a:rPr lang="en-US" sz="4000" dirty="0">
+                <a:latin typeface="Times New Roman" panose="02020603050405020304" pitchFamily="18" charset="0"/>
+                <a:cs typeface="Times New Roman" panose="02020603050405020304" pitchFamily="18" charset="0"/>
+              </a:rPr>
+              <a:t>We can always alter the priorities of objectives depending on Dickinson’s mission values toward assignment outcome.</a:t>
             </a:r>
           </a:p>
         </p:txBody>
